--- a/NLP/Natural Language API.pptx
+++ b/NLP/Natural Language API.pptx
@@ -6,15 +6,33 @@
   </p:sldMasterIdLst>
   <p:sldIdLst>
     <p:sldId id="256" r:id="rId2"/>
-    <p:sldId id="257" r:id="rId3"/>
-    <p:sldId id="258" r:id="rId4"/>
-    <p:sldId id="259" r:id="rId5"/>
-    <p:sldId id="260" r:id="rId6"/>
-    <p:sldId id="261" r:id="rId7"/>
-    <p:sldId id="262" r:id="rId8"/>
-    <p:sldId id="264" r:id="rId9"/>
-    <p:sldId id="263" r:id="rId10"/>
-    <p:sldId id="265" r:id="rId11"/>
+    <p:sldId id="272" r:id="rId3"/>
+    <p:sldId id="257" r:id="rId4"/>
+    <p:sldId id="258" r:id="rId5"/>
+    <p:sldId id="259" r:id="rId6"/>
+    <p:sldId id="260" r:id="rId7"/>
+    <p:sldId id="261" r:id="rId8"/>
+    <p:sldId id="262" r:id="rId9"/>
+    <p:sldId id="264" r:id="rId10"/>
+    <p:sldId id="263" r:id="rId11"/>
+    <p:sldId id="265" r:id="rId12"/>
+    <p:sldId id="271" r:id="rId13"/>
+    <p:sldId id="267" r:id="rId14"/>
+    <p:sldId id="268" r:id="rId15"/>
+    <p:sldId id="270" r:id="rId16"/>
+    <p:sldId id="266" r:id="rId17"/>
+    <p:sldId id="269" r:id="rId18"/>
+    <p:sldId id="273" r:id="rId19"/>
+    <p:sldId id="274" r:id="rId20"/>
+    <p:sldId id="275" r:id="rId21"/>
+    <p:sldId id="276" r:id="rId22"/>
+    <p:sldId id="277" r:id="rId23"/>
+    <p:sldId id="278" r:id="rId24"/>
+    <p:sldId id="279" r:id="rId25"/>
+    <p:sldId id="280" r:id="rId26"/>
+    <p:sldId id="281" r:id="rId27"/>
+    <p:sldId id="282" r:id="rId28"/>
+    <p:sldId id="283" r:id="rId29"/>
   </p:sldIdLst>
   <p:sldSz cx="12192000" cy="6858000"/>
   <p:notesSz cx="6858000" cy="9144000"/>
@@ -113,6 +131,11 @@
       </a:defRPr>
     </a:lvl9pPr>
   </p:defaultTextStyle>
+  <p:extLst>
+    <p:ext uri="{EFAFB233-063F-42B5-8137-9DF3F51BA10A}">
+      <p15:sldGuideLst xmlns:p15="http://schemas.microsoft.com/office/powerpoint/2012/main"/>
+    </p:ext>
+  </p:extLst>
 </p:presentation>
 </file>
 
@@ -6918,6 +6941,315 @@
       </p:grpSpPr>
       <p:sp>
         <p:nvSpPr>
+          <p:cNvPr id="3" name="內容版面配置區 2">
+            <a:extLst>
+              <a:ext uri="{FF2B5EF4-FFF2-40B4-BE49-F238E27FC236}">
+                <a16:creationId xmlns:a16="http://schemas.microsoft.com/office/drawing/2014/main" id="{D34968AE-D5A5-4045-9707-1419BD6C7E85}"/>
+              </a:ext>
+            </a:extLst>
+          </p:cNvPr>
+          <p:cNvSpPr>
+            <a:spLocks noGrp="1"/>
+          </p:cNvSpPr>
+          <p:nvPr>
+            <p:ph idx="1"/>
+          </p:nvPr>
+        </p:nvSpPr>
+        <p:spPr>
+          <a:xfrm>
+            <a:off x="1110277" y="216036"/>
+            <a:ext cx="10178322" cy="6524129"/>
+          </a:xfrm>
+        </p:spPr>
+        <p:txBody>
+          <a:bodyPr>
+            <a:normAutofit fontScale="85000" lnSpcReduction="20000"/>
+          </a:bodyPr>
+          <a:lstStyle/>
+          <a:p>
+            <a:pPr marL="0" indent="0">
+              <a:buNone/>
+            </a:pPr>
+            <a:r>
+              <a:rPr lang="en-US" altLang="zh-TW" dirty="0"/>
+              <a:t># Imports the Google Cloud client library</a:t>
+            </a:r>
+          </a:p>
+          <a:p>
+            <a:pPr marL="0" indent="0">
+              <a:buNone/>
+            </a:pPr>
+            <a:r>
+              <a:rPr lang="en-US" altLang="zh-TW" dirty="0"/>
+              <a:t>from </a:t>
+            </a:r>
+            <a:r>
+              <a:rPr lang="en-US" altLang="zh-TW" dirty="0" err="1"/>
+              <a:t>google.cloud</a:t>
+            </a:r>
+            <a:r>
+              <a:rPr lang="en-US" altLang="zh-TW" dirty="0"/>
+              <a:t> import language</a:t>
+            </a:r>
+          </a:p>
+          <a:p>
+            <a:pPr marL="0" indent="0">
+              <a:buNone/>
+            </a:pPr>
+            <a:r>
+              <a:rPr lang="en-US" altLang="zh-TW" dirty="0"/>
+              <a:t>from </a:t>
+            </a:r>
+            <a:r>
+              <a:rPr lang="en-US" altLang="zh-TW" dirty="0" err="1"/>
+              <a:t>google.cloud.language</a:t>
+            </a:r>
+            <a:r>
+              <a:rPr lang="en-US" altLang="zh-TW" dirty="0"/>
+              <a:t> import </a:t>
+            </a:r>
+            <a:r>
+              <a:rPr lang="en-US" altLang="zh-TW" dirty="0" err="1"/>
+              <a:t>enums</a:t>
+            </a:r>
+            <a:endParaRPr lang="en-US" altLang="zh-TW" dirty="0"/>
+          </a:p>
+          <a:p>
+            <a:pPr marL="0" indent="0">
+              <a:buNone/>
+            </a:pPr>
+            <a:r>
+              <a:rPr lang="en-US" altLang="zh-TW" dirty="0"/>
+              <a:t>from </a:t>
+            </a:r>
+            <a:r>
+              <a:rPr lang="en-US" altLang="zh-TW" dirty="0" err="1"/>
+              <a:t>google.cloud.language</a:t>
+            </a:r>
+            <a:r>
+              <a:rPr lang="en-US" altLang="zh-TW" dirty="0"/>
+              <a:t> import types</a:t>
+            </a:r>
+          </a:p>
+          <a:p>
+            <a:pPr marL="0" indent="0">
+              <a:buNone/>
+            </a:pPr>
+            <a:endParaRPr lang="en-US" altLang="zh-TW" dirty="0"/>
+          </a:p>
+          <a:p>
+            <a:pPr marL="0" indent="0">
+              <a:buNone/>
+            </a:pPr>
+            <a:r>
+              <a:rPr lang="en-US" altLang="zh-TW" dirty="0"/>
+              <a:t># Instantiates a client</a:t>
+            </a:r>
+          </a:p>
+          <a:p>
+            <a:pPr marL="0" indent="0">
+              <a:buNone/>
+            </a:pPr>
+            <a:r>
+              <a:rPr lang="en-US" altLang="zh-TW" dirty="0"/>
+              <a:t>client = </a:t>
+            </a:r>
+            <a:r>
+              <a:rPr lang="en-US" altLang="zh-TW" dirty="0" err="1"/>
+              <a:t>language.LanguageServiceClient</a:t>
+            </a:r>
+            <a:r>
+              <a:rPr lang="en-US" altLang="zh-TW" dirty="0"/>
+              <a:t>()</a:t>
+            </a:r>
+          </a:p>
+          <a:p>
+            <a:pPr marL="0" indent="0">
+              <a:buNone/>
+            </a:pPr>
+            <a:endParaRPr lang="en-US" altLang="zh-TW" dirty="0"/>
+          </a:p>
+          <a:p>
+            <a:pPr marL="0" indent="0">
+              <a:buNone/>
+            </a:pPr>
+            <a:r>
+              <a:rPr lang="en-US" altLang="zh-TW" dirty="0"/>
+              <a:t># The text to analyze</a:t>
+            </a:r>
+          </a:p>
+          <a:p>
+            <a:pPr marL="0" indent="0">
+              <a:buNone/>
+            </a:pPr>
+            <a:r>
+              <a:rPr lang="en-US" altLang="zh-TW" dirty="0"/>
+              <a:t>text = </a:t>
+            </a:r>
+            <a:r>
+              <a:rPr lang="en-US" altLang="zh-TW" dirty="0" err="1"/>
+              <a:t>u'Hello</a:t>
+            </a:r>
+            <a:r>
+              <a:rPr lang="en-US" altLang="zh-TW" dirty="0"/>
+              <a:t>, world!'</a:t>
+            </a:r>
+          </a:p>
+          <a:p>
+            <a:pPr marL="0" indent="0">
+              <a:buNone/>
+            </a:pPr>
+            <a:r>
+              <a:rPr lang="en-US" altLang="zh-TW" dirty="0"/>
+              <a:t>document = </a:t>
+            </a:r>
+            <a:r>
+              <a:rPr lang="en-US" altLang="zh-TW" dirty="0" err="1"/>
+              <a:t>types.Document</a:t>
+            </a:r>
+            <a:r>
+              <a:rPr lang="en-US" altLang="zh-TW" dirty="0"/>
+              <a:t>(</a:t>
+            </a:r>
+          </a:p>
+          <a:p>
+            <a:pPr marL="0" indent="0">
+              <a:buNone/>
+            </a:pPr>
+            <a:r>
+              <a:rPr lang="en-US" altLang="zh-TW" dirty="0"/>
+              <a:t>    content=text,</a:t>
+            </a:r>
+          </a:p>
+          <a:p>
+            <a:pPr marL="0" indent="0">
+              <a:buNone/>
+            </a:pPr>
+            <a:r>
+              <a:rPr lang="en-US" altLang="zh-TW" dirty="0"/>
+              <a:t>    type=</a:t>
+            </a:r>
+            <a:r>
+              <a:rPr lang="en-US" altLang="zh-TW" dirty="0" err="1"/>
+              <a:t>enums.Document.Type.PLAIN_TEXT</a:t>
+            </a:r>
+            <a:r>
+              <a:rPr lang="en-US" altLang="zh-TW" dirty="0"/>
+              <a:t>)</a:t>
+            </a:r>
+          </a:p>
+          <a:p>
+            <a:pPr marL="0" indent="0">
+              <a:buNone/>
+            </a:pPr>
+            <a:endParaRPr lang="en-US" altLang="zh-TW" dirty="0"/>
+          </a:p>
+          <a:p>
+            <a:pPr marL="0" indent="0">
+              <a:buNone/>
+            </a:pPr>
+            <a:r>
+              <a:rPr lang="en-US" altLang="zh-TW" dirty="0"/>
+              <a:t># Detects the sentiment of the text</a:t>
+            </a:r>
+          </a:p>
+          <a:p>
+            <a:pPr marL="0" indent="0">
+              <a:buNone/>
+            </a:pPr>
+            <a:r>
+              <a:rPr lang="en-US" altLang="zh-TW" dirty="0"/>
+              <a:t>sentiment = </a:t>
+            </a:r>
+            <a:r>
+              <a:rPr lang="en-US" altLang="zh-TW" dirty="0" err="1"/>
+              <a:t>client.analyze_sentiment</a:t>
+            </a:r>
+            <a:r>
+              <a:rPr lang="en-US" altLang="zh-TW" dirty="0"/>
+              <a:t>(document=document).</a:t>
+            </a:r>
+            <a:r>
+              <a:rPr lang="en-US" altLang="zh-TW" dirty="0" err="1"/>
+              <a:t>document_sentiment</a:t>
+            </a:r>
+            <a:endParaRPr lang="en-US" altLang="zh-TW" dirty="0"/>
+          </a:p>
+          <a:p>
+            <a:pPr marL="0" indent="0">
+              <a:buNone/>
+            </a:pPr>
+            <a:endParaRPr lang="en-US" altLang="zh-TW" dirty="0"/>
+          </a:p>
+          <a:p>
+            <a:pPr marL="0" indent="0">
+              <a:buNone/>
+            </a:pPr>
+            <a:r>
+              <a:rPr lang="en-US" altLang="zh-TW" dirty="0"/>
+              <a:t>print('Text: {}'.format(text))</a:t>
+            </a:r>
+          </a:p>
+          <a:p>
+            <a:pPr marL="0" indent="0">
+              <a:buNone/>
+            </a:pPr>
+            <a:r>
+              <a:rPr lang="en-US" altLang="zh-TW" dirty="0"/>
+              <a:t>print('Sentiment: {}, {}'.format(</a:t>
+            </a:r>
+            <a:r>
+              <a:rPr lang="en-US" altLang="zh-TW" dirty="0" err="1"/>
+              <a:t>sentiment.score</a:t>
+            </a:r>
+            <a:r>
+              <a:rPr lang="en-US" altLang="zh-TW" dirty="0"/>
+              <a:t>, </a:t>
+            </a:r>
+            <a:r>
+              <a:rPr lang="en-US" altLang="zh-TW" dirty="0" err="1"/>
+              <a:t>sentiment.magnitude</a:t>
+            </a:r>
+            <a:r>
+              <a:rPr lang="en-US" altLang="zh-TW" dirty="0"/>
+              <a:t>))</a:t>
+            </a:r>
+            <a:endParaRPr lang="zh-TW" altLang="en-US" dirty="0"/>
+          </a:p>
+        </p:txBody>
+      </p:sp>
+    </p:spTree>
+    <p:extLst>
+      <p:ext uri="{BB962C8B-B14F-4D97-AF65-F5344CB8AC3E}">
+        <p14:creationId xmlns:p14="http://schemas.microsoft.com/office/powerpoint/2010/main" val="2671806894"/>
+      </p:ext>
+    </p:extLst>
+  </p:cSld>
+  <p:clrMapOvr>
+    <a:masterClrMapping/>
+  </p:clrMapOvr>
+</p:sld>
+</file>
+
+<file path=ppt/slides/slide11.xml><?xml version="1.0" encoding="utf-8"?>
+<p:sld xmlns:a="http://schemas.openxmlformats.org/drawingml/2006/main" xmlns:r="http://schemas.openxmlformats.org/officeDocument/2006/relationships" xmlns:p="http://schemas.openxmlformats.org/presentationml/2006/main">
+  <p:cSld>
+    <p:spTree>
+      <p:nvGrpSpPr>
+        <p:cNvPr id="1" name=""/>
+        <p:cNvGrpSpPr/>
+        <p:nvPr/>
+      </p:nvGrpSpPr>
+      <p:grpSpPr>
+        <a:xfrm>
+          <a:off x="0" y="0"/>
+          <a:ext cx="0" cy="0"/>
+          <a:chOff x="0" y="0"/>
+          <a:chExt cx="0" cy="0"/>
+        </a:xfrm>
+      </p:grpSpPr>
+      <p:sp>
+        <p:nvSpPr>
           <p:cNvPr id="2" name="標題 1">
             <a:extLst>
               <a:ext uri="{FF2B5EF4-FFF2-40B4-BE49-F238E27FC236}">
@@ -6994,7 +7326,6070 @@
 </p:sld>
 </file>
 
+<file path=ppt/slides/slide12.xml><?xml version="1.0" encoding="utf-8"?>
+<p:sld xmlns:a="http://schemas.openxmlformats.org/drawingml/2006/main" xmlns:r="http://schemas.openxmlformats.org/officeDocument/2006/relationships" xmlns:p="http://schemas.openxmlformats.org/presentationml/2006/main">
+  <p:cSld>
+    <p:bg>
+      <p:bgPr>
+        <a:solidFill>
+          <a:schemeClr val="bg2"/>
+        </a:solidFill>
+        <a:effectLst/>
+      </p:bgPr>
+    </p:bg>
+    <p:spTree>
+      <p:nvGrpSpPr>
+        <p:cNvPr id="1" name=""/>
+        <p:cNvGrpSpPr/>
+        <p:nvPr/>
+      </p:nvGrpSpPr>
+      <p:grpSpPr>
+        <a:xfrm>
+          <a:off x="0" y="0"/>
+          <a:ext cx="0" cy="0"/>
+          <a:chOff x="0" y="0"/>
+          <a:chExt cx="0" cy="0"/>
+        </a:xfrm>
+      </p:grpSpPr>
+      <p:sp>
+        <p:nvSpPr>
+          <p:cNvPr id="9" name="Freeform 6">
+            <a:extLst>
+              <a:ext uri="{FF2B5EF4-FFF2-40B4-BE49-F238E27FC236}">
+                <a16:creationId xmlns:a16="http://schemas.microsoft.com/office/drawing/2014/main" id="{7520F84D-966A-41CD-B818-16BF32EF1E9D}"/>
+              </a:ext>
+              <a:ext uri="{C183D7F6-B498-43B3-948B-1728B52AA6E4}">
+                <adec:decorative xmlns:adec="http://schemas.microsoft.com/office/drawing/2017/decorative" val="1"/>
+              </a:ext>
+            </a:extLst>
+          </p:cNvPr>
+          <p:cNvSpPr>
+            <a:spLocks noGrp="1" noRot="1" noChangeAspect="1" noMove="1" noResize="1" noEditPoints="1" noAdjustHandles="1" noChangeArrowheads="1" noChangeShapeType="1" noTextEdit="1"/>
+          </p:cNvSpPr>
+          <p:nvPr>
+            <p:extLst>
+              <p:ext uri="{386F3935-93C4-4BCD-93E2-E3B085C9AB24}">
+                <p16:designElem xmlns:p16="http://schemas.microsoft.com/office/powerpoint/2015/main" val="1"/>
+              </p:ext>
+            </p:extLst>
+          </p:nvPr>
+        </p:nvSpPr>
+        <p:spPr bwMode="auto">
+          <a:xfrm>
+            <a:off x="3557016" y="630936"/>
+            <a:ext cx="5235575" cy="5229225"/>
+          </a:xfrm>
+          <a:custGeom>
+            <a:avLst/>
+            <a:gdLst/>
+            <a:ahLst/>
+            <a:cxnLst/>
+            <a:rect l="0" t="0" r="r" b="b"/>
+            <a:pathLst>
+              <a:path w="3298" h="3294">
+                <a:moveTo>
+                  <a:pt x="1649" y="0"/>
+                </a:moveTo>
+                <a:lnTo>
+                  <a:pt x="1681" y="3"/>
+                </a:lnTo>
+                <a:lnTo>
+                  <a:pt x="1712" y="11"/>
+                </a:lnTo>
+                <a:lnTo>
+                  <a:pt x="1742" y="23"/>
+                </a:lnTo>
+                <a:lnTo>
+                  <a:pt x="1773" y="38"/>
+                </a:lnTo>
+                <a:lnTo>
+                  <a:pt x="1802" y="55"/>
+                </a:lnTo>
+                <a:lnTo>
+                  <a:pt x="1832" y="73"/>
+                </a:lnTo>
+                <a:lnTo>
+                  <a:pt x="1862" y="89"/>
+                </a:lnTo>
+                <a:lnTo>
+                  <a:pt x="1892" y="105"/>
+                </a:lnTo>
+                <a:lnTo>
+                  <a:pt x="1921" y="117"/>
+                </a:lnTo>
+                <a:lnTo>
+                  <a:pt x="1953" y="125"/>
+                </a:lnTo>
+                <a:lnTo>
+                  <a:pt x="1984" y="129"/>
+                </a:lnTo>
+                <a:lnTo>
+                  <a:pt x="2017" y="129"/>
+                </a:lnTo>
+                <a:lnTo>
+                  <a:pt x="2051" y="127"/>
+                </a:lnTo>
+                <a:lnTo>
+                  <a:pt x="2085" y="123"/>
+                </a:lnTo>
+                <a:lnTo>
+                  <a:pt x="2119" y="118"/>
+                </a:lnTo>
+                <a:lnTo>
+                  <a:pt x="2153" y="114"/>
+                </a:lnTo>
+                <a:lnTo>
+                  <a:pt x="2187" y="111"/>
+                </a:lnTo>
+                <a:lnTo>
+                  <a:pt x="2219" y="112"/>
+                </a:lnTo>
+                <a:lnTo>
+                  <a:pt x="2250" y="116"/>
+                </a:lnTo>
+                <a:lnTo>
+                  <a:pt x="2280" y="125"/>
+                </a:lnTo>
+                <a:lnTo>
+                  <a:pt x="2305" y="138"/>
+                </a:lnTo>
+                <a:lnTo>
+                  <a:pt x="2329" y="155"/>
+                </a:lnTo>
+                <a:lnTo>
+                  <a:pt x="2350" y="175"/>
+                </a:lnTo>
+                <a:lnTo>
+                  <a:pt x="2371" y="198"/>
+                </a:lnTo>
+                <a:lnTo>
+                  <a:pt x="2390" y="222"/>
+                </a:lnTo>
+                <a:lnTo>
+                  <a:pt x="2409" y="247"/>
+                </a:lnTo>
+                <a:lnTo>
+                  <a:pt x="2428" y="272"/>
+                </a:lnTo>
+                <a:lnTo>
+                  <a:pt x="2447" y="296"/>
+                </a:lnTo>
+                <a:lnTo>
+                  <a:pt x="2467" y="319"/>
+                </a:lnTo>
+                <a:lnTo>
+                  <a:pt x="2490" y="339"/>
+                </a:lnTo>
+                <a:lnTo>
+                  <a:pt x="2512" y="357"/>
+                </a:lnTo>
+                <a:lnTo>
+                  <a:pt x="2537" y="371"/>
+                </a:lnTo>
+                <a:lnTo>
+                  <a:pt x="2564" y="383"/>
+                </a:lnTo>
+                <a:lnTo>
+                  <a:pt x="2593" y="393"/>
+                </a:lnTo>
+                <a:lnTo>
+                  <a:pt x="2623" y="402"/>
+                </a:lnTo>
+                <a:lnTo>
+                  <a:pt x="2653" y="410"/>
+                </a:lnTo>
+                <a:lnTo>
+                  <a:pt x="2684" y="418"/>
+                </a:lnTo>
+                <a:lnTo>
+                  <a:pt x="2713" y="427"/>
+                </a:lnTo>
+                <a:lnTo>
+                  <a:pt x="2742" y="437"/>
+                </a:lnTo>
+                <a:lnTo>
+                  <a:pt x="2769" y="449"/>
+                </a:lnTo>
+                <a:lnTo>
+                  <a:pt x="2793" y="464"/>
+                </a:lnTo>
+                <a:lnTo>
+                  <a:pt x="2815" y="482"/>
+                </a:lnTo>
+                <a:lnTo>
+                  <a:pt x="2833" y="504"/>
+                </a:lnTo>
+                <a:lnTo>
+                  <a:pt x="2848" y="528"/>
+                </a:lnTo>
+                <a:lnTo>
+                  <a:pt x="2860" y="555"/>
+                </a:lnTo>
+                <a:lnTo>
+                  <a:pt x="2870" y="584"/>
+                </a:lnTo>
+                <a:lnTo>
+                  <a:pt x="2879" y="613"/>
+                </a:lnTo>
+                <a:lnTo>
+                  <a:pt x="2887" y="644"/>
+                </a:lnTo>
+                <a:lnTo>
+                  <a:pt x="2895" y="674"/>
+                </a:lnTo>
+                <a:lnTo>
+                  <a:pt x="2904" y="704"/>
+                </a:lnTo>
+                <a:lnTo>
+                  <a:pt x="2914" y="733"/>
+                </a:lnTo>
+                <a:lnTo>
+                  <a:pt x="2926" y="760"/>
+                </a:lnTo>
+                <a:lnTo>
+                  <a:pt x="2940" y="785"/>
+                </a:lnTo>
+                <a:lnTo>
+                  <a:pt x="2958" y="807"/>
+                </a:lnTo>
+                <a:lnTo>
+                  <a:pt x="2978" y="830"/>
+                </a:lnTo>
+                <a:lnTo>
+                  <a:pt x="3001" y="850"/>
+                </a:lnTo>
+                <a:lnTo>
+                  <a:pt x="3025" y="869"/>
+                </a:lnTo>
+                <a:lnTo>
+                  <a:pt x="3051" y="888"/>
+                </a:lnTo>
+                <a:lnTo>
+                  <a:pt x="3076" y="907"/>
+                </a:lnTo>
+                <a:lnTo>
+                  <a:pt x="3100" y="926"/>
+                </a:lnTo>
+                <a:lnTo>
+                  <a:pt x="3123" y="947"/>
+                </a:lnTo>
+                <a:lnTo>
+                  <a:pt x="3143" y="968"/>
+                </a:lnTo>
+                <a:lnTo>
+                  <a:pt x="3160" y="992"/>
+                </a:lnTo>
+                <a:lnTo>
+                  <a:pt x="3173" y="1017"/>
+                </a:lnTo>
+                <a:lnTo>
+                  <a:pt x="3182" y="1047"/>
+                </a:lnTo>
+                <a:lnTo>
+                  <a:pt x="3186" y="1078"/>
+                </a:lnTo>
+                <a:lnTo>
+                  <a:pt x="3187" y="1110"/>
+                </a:lnTo>
+                <a:lnTo>
+                  <a:pt x="3184" y="1144"/>
+                </a:lnTo>
+                <a:lnTo>
+                  <a:pt x="3180" y="1178"/>
+                </a:lnTo>
+                <a:lnTo>
+                  <a:pt x="3175" y="1212"/>
+                </a:lnTo>
+                <a:lnTo>
+                  <a:pt x="3171" y="1246"/>
+                </a:lnTo>
+                <a:lnTo>
+                  <a:pt x="3169" y="1280"/>
+                </a:lnTo>
+                <a:lnTo>
+                  <a:pt x="3169" y="1313"/>
+                </a:lnTo>
+                <a:lnTo>
+                  <a:pt x="3173" y="1344"/>
+                </a:lnTo>
+                <a:lnTo>
+                  <a:pt x="3181" y="1375"/>
+                </a:lnTo>
+                <a:lnTo>
+                  <a:pt x="3193" y="1404"/>
+                </a:lnTo>
+                <a:lnTo>
+                  <a:pt x="3209" y="1434"/>
+                </a:lnTo>
+                <a:lnTo>
+                  <a:pt x="3225" y="1464"/>
+                </a:lnTo>
+                <a:lnTo>
+                  <a:pt x="3243" y="1494"/>
+                </a:lnTo>
+                <a:lnTo>
+                  <a:pt x="3260" y="1523"/>
+                </a:lnTo>
+                <a:lnTo>
+                  <a:pt x="3275" y="1554"/>
+                </a:lnTo>
+                <a:lnTo>
+                  <a:pt x="3287" y="1584"/>
+                </a:lnTo>
+                <a:lnTo>
+                  <a:pt x="3295" y="1615"/>
+                </a:lnTo>
+                <a:lnTo>
+                  <a:pt x="3298" y="1647"/>
+                </a:lnTo>
+                <a:lnTo>
+                  <a:pt x="3295" y="1679"/>
+                </a:lnTo>
+                <a:lnTo>
+                  <a:pt x="3287" y="1710"/>
+                </a:lnTo>
+                <a:lnTo>
+                  <a:pt x="3275" y="1740"/>
+                </a:lnTo>
+                <a:lnTo>
+                  <a:pt x="3260" y="1771"/>
+                </a:lnTo>
+                <a:lnTo>
+                  <a:pt x="3243" y="1800"/>
+                </a:lnTo>
+                <a:lnTo>
+                  <a:pt x="3225" y="1830"/>
+                </a:lnTo>
+                <a:lnTo>
+                  <a:pt x="3209" y="1860"/>
+                </a:lnTo>
+                <a:lnTo>
+                  <a:pt x="3193" y="1890"/>
+                </a:lnTo>
+                <a:lnTo>
+                  <a:pt x="3181" y="1919"/>
+                </a:lnTo>
+                <a:lnTo>
+                  <a:pt x="3173" y="1950"/>
+                </a:lnTo>
+                <a:lnTo>
+                  <a:pt x="3169" y="1981"/>
+                </a:lnTo>
+                <a:lnTo>
+                  <a:pt x="3169" y="2014"/>
+                </a:lnTo>
+                <a:lnTo>
+                  <a:pt x="3171" y="2048"/>
+                </a:lnTo>
+                <a:lnTo>
+                  <a:pt x="3175" y="2082"/>
+                </a:lnTo>
+                <a:lnTo>
+                  <a:pt x="3180" y="2116"/>
+                </a:lnTo>
+                <a:lnTo>
+                  <a:pt x="3184" y="2150"/>
+                </a:lnTo>
+                <a:lnTo>
+                  <a:pt x="3187" y="2184"/>
+                </a:lnTo>
+                <a:lnTo>
+                  <a:pt x="3186" y="2216"/>
+                </a:lnTo>
+                <a:lnTo>
+                  <a:pt x="3182" y="2247"/>
+                </a:lnTo>
+                <a:lnTo>
+                  <a:pt x="3173" y="2277"/>
+                </a:lnTo>
+                <a:lnTo>
+                  <a:pt x="3160" y="2302"/>
+                </a:lnTo>
+                <a:lnTo>
+                  <a:pt x="3143" y="2326"/>
+                </a:lnTo>
+                <a:lnTo>
+                  <a:pt x="3123" y="2347"/>
+                </a:lnTo>
+                <a:lnTo>
+                  <a:pt x="3100" y="2368"/>
+                </a:lnTo>
+                <a:lnTo>
+                  <a:pt x="3076" y="2387"/>
+                </a:lnTo>
+                <a:lnTo>
+                  <a:pt x="3051" y="2406"/>
+                </a:lnTo>
+                <a:lnTo>
+                  <a:pt x="3025" y="2425"/>
+                </a:lnTo>
+                <a:lnTo>
+                  <a:pt x="3001" y="2444"/>
+                </a:lnTo>
+                <a:lnTo>
+                  <a:pt x="2978" y="2464"/>
+                </a:lnTo>
+                <a:lnTo>
+                  <a:pt x="2958" y="2487"/>
+                </a:lnTo>
+                <a:lnTo>
+                  <a:pt x="2940" y="2509"/>
+                </a:lnTo>
+                <a:lnTo>
+                  <a:pt x="2926" y="2534"/>
+                </a:lnTo>
+                <a:lnTo>
+                  <a:pt x="2914" y="2561"/>
+                </a:lnTo>
+                <a:lnTo>
+                  <a:pt x="2904" y="2590"/>
+                </a:lnTo>
+                <a:lnTo>
+                  <a:pt x="2895" y="2620"/>
+                </a:lnTo>
+                <a:lnTo>
+                  <a:pt x="2887" y="2650"/>
+                </a:lnTo>
+                <a:lnTo>
+                  <a:pt x="2879" y="2681"/>
+                </a:lnTo>
+                <a:lnTo>
+                  <a:pt x="2870" y="2710"/>
+                </a:lnTo>
+                <a:lnTo>
+                  <a:pt x="2860" y="2739"/>
+                </a:lnTo>
+                <a:lnTo>
+                  <a:pt x="2848" y="2766"/>
+                </a:lnTo>
+                <a:lnTo>
+                  <a:pt x="2833" y="2790"/>
+                </a:lnTo>
+                <a:lnTo>
+                  <a:pt x="2815" y="2812"/>
+                </a:lnTo>
+                <a:lnTo>
+                  <a:pt x="2793" y="2830"/>
+                </a:lnTo>
+                <a:lnTo>
+                  <a:pt x="2769" y="2845"/>
+                </a:lnTo>
+                <a:lnTo>
+                  <a:pt x="2742" y="2857"/>
+                </a:lnTo>
+                <a:lnTo>
+                  <a:pt x="2713" y="2867"/>
+                </a:lnTo>
+                <a:lnTo>
+                  <a:pt x="2684" y="2876"/>
+                </a:lnTo>
+                <a:lnTo>
+                  <a:pt x="2653" y="2884"/>
+                </a:lnTo>
+                <a:lnTo>
+                  <a:pt x="2623" y="2892"/>
+                </a:lnTo>
+                <a:lnTo>
+                  <a:pt x="2593" y="2901"/>
+                </a:lnTo>
+                <a:lnTo>
+                  <a:pt x="2564" y="2911"/>
+                </a:lnTo>
+                <a:lnTo>
+                  <a:pt x="2537" y="2923"/>
+                </a:lnTo>
+                <a:lnTo>
+                  <a:pt x="2512" y="2937"/>
+                </a:lnTo>
+                <a:lnTo>
+                  <a:pt x="2490" y="2955"/>
+                </a:lnTo>
+                <a:lnTo>
+                  <a:pt x="2467" y="2975"/>
+                </a:lnTo>
+                <a:lnTo>
+                  <a:pt x="2447" y="2998"/>
+                </a:lnTo>
+                <a:lnTo>
+                  <a:pt x="2428" y="3022"/>
+                </a:lnTo>
+                <a:lnTo>
+                  <a:pt x="2409" y="3047"/>
+                </a:lnTo>
+                <a:lnTo>
+                  <a:pt x="2390" y="3072"/>
+                </a:lnTo>
+                <a:lnTo>
+                  <a:pt x="2371" y="3096"/>
+                </a:lnTo>
+                <a:lnTo>
+                  <a:pt x="2350" y="3119"/>
+                </a:lnTo>
+                <a:lnTo>
+                  <a:pt x="2329" y="3139"/>
+                </a:lnTo>
+                <a:lnTo>
+                  <a:pt x="2305" y="3156"/>
+                </a:lnTo>
+                <a:lnTo>
+                  <a:pt x="2280" y="3169"/>
+                </a:lnTo>
+                <a:lnTo>
+                  <a:pt x="2250" y="3178"/>
+                </a:lnTo>
+                <a:lnTo>
+                  <a:pt x="2219" y="3182"/>
+                </a:lnTo>
+                <a:lnTo>
+                  <a:pt x="2187" y="3183"/>
+                </a:lnTo>
+                <a:lnTo>
+                  <a:pt x="2153" y="3180"/>
+                </a:lnTo>
+                <a:lnTo>
+                  <a:pt x="2119" y="3176"/>
+                </a:lnTo>
+                <a:lnTo>
+                  <a:pt x="2085" y="3171"/>
+                </a:lnTo>
+                <a:lnTo>
+                  <a:pt x="2051" y="3167"/>
+                </a:lnTo>
+                <a:lnTo>
+                  <a:pt x="2017" y="3165"/>
+                </a:lnTo>
+                <a:lnTo>
+                  <a:pt x="1984" y="3165"/>
+                </a:lnTo>
+                <a:lnTo>
+                  <a:pt x="1953" y="3169"/>
+                </a:lnTo>
+                <a:lnTo>
+                  <a:pt x="1921" y="3177"/>
+                </a:lnTo>
+                <a:lnTo>
+                  <a:pt x="1892" y="3189"/>
+                </a:lnTo>
+                <a:lnTo>
+                  <a:pt x="1862" y="3205"/>
+                </a:lnTo>
+                <a:lnTo>
+                  <a:pt x="1832" y="3221"/>
+                </a:lnTo>
+                <a:lnTo>
+                  <a:pt x="1802" y="3239"/>
+                </a:lnTo>
+                <a:lnTo>
+                  <a:pt x="1773" y="3256"/>
+                </a:lnTo>
+                <a:lnTo>
+                  <a:pt x="1742" y="3271"/>
+                </a:lnTo>
+                <a:lnTo>
+                  <a:pt x="1712" y="3283"/>
+                </a:lnTo>
+                <a:lnTo>
+                  <a:pt x="1681" y="3291"/>
+                </a:lnTo>
+                <a:lnTo>
+                  <a:pt x="1649" y="3294"/>
+                </a:lnTo>
+                <a:lnTo>
+                  <a:pt x="1617" y="3291"/>
+                </a:lnTo>
+                <a:lnTo>
+                  <a:pt x="1586" y="3283"/>
+                </a:lnTo>
+                <a:lnTo>
+                  <a:pt x="1556" y="3271"/>
+                </a:lnTo>
+                <a:lnTo>
+                  <a:pt x="1525" y="3256"/>
+                </a:lnTo>
+                <a:lnTo>
+                  <a:pt x="1496" y="3239"/>
+                </a:lnTo>
+                <a:lnTo>
+                  <a:pt x="1466" y="3221"/>
+                </a:lnTo>
+                <a:lnTo>
+                  <a:pt x="1436" y="3205"/>
+                </a:lnTo>
+                <a:lnTo>
+                  <a:pt x="1406" y="3189"/>
+                </a:lnTo>
+                <a:lnTo>
+                  <a:pt x="1376" y="3177"/>
+                </a:lnTo>
+                <a:lnTo>
+                  <a:pt x="1345" y="3169"/>
+                </a:lnTo>
+                <a:lnTo>
+                  <a:pt x="1314" y="3165"/>
+                </a:lnTo>
+                <a:lnTo>
+                  <a:pt x="1281" y="3165"/>
+                </a:lnTo>
+                <a:lnTo>
+                  <a:pt x="1247" y="3167"/>
+                </a:lnTo>
+                <a:lnTo>
+                  <a:pt x="1213" y="3171"/>
+                </a:lnTo>
+                <a:lnTo>
+                  <a:pt x="1179" y="3176"/>
+                </a:lnTo>
+                <a:lnTo>
+                  <a:pt x="1145" y="3180"/>
+                </a:lnTo>
+                <a:lnTo>
+                  <a:pt x="1111" y="3183"/>
+                </a:lnTo>
+                <a:lnTo>
+                  <a:pt x="1079" y="3182"/>
+                </a:lnTo>
+                <a:lnTo>
+                  <a:pt x="1048" y="3178"/>
+                </a:lnTo>
+                <a:lnTo>
+                  <a:pt x="1018" y="3169"/>
+                </a:lnTo>
+                <a:lnTo>
+                  <a:pt x="993" y="3156"/>
+                </a:lnTo>
+                <a:lnTo>
+                  <a:pt x="969" y="3139"/>
+                </a:lnTo>
+                <a:lnTo>
+                  <a:pt x="948" y="3119"/>
+                </a:lnTo>
+                <a:lnTo>
+                  <a:pt x="927" y="3096"/>
+                </a:lnTo>
+                <a:lnTo>
+                  <a:pt x="908" y="3072"/>
+                </a:lnTo>
+                <a:lnTo>
+                  <a:pt x="889" y="3047"/>
+                </a:lnTo>
+                <a:lnTo>
+                  <a:pt x="870" y="3022"/>
+                </a:lnTo>
+                <a:lnTo>
+                  <a:pt x="851" y="2998"/>
+                </a:lnTo>
+                <a:lnTo>
+                  <a:pt x="831" y="2975"/>
+                </a:lnTo>
+                <a:lnTo>
+                  <a:pt x="808" y="2955"/>
+                </a:lnTo>
+                <a:lnTo>
+                  <a:pt x="786" y="2937"/>
+                </a:lnTo>
+                <a:lnTo>
+                  <a:pt x="761" y="2923"/>
+                </a:lnTo>
+                <a:lnTo>
+                  <a:pt x="734" y="2911"/>
+                </a:lnTo>
+                <a:lnTo>
+                  <a:pt x="705" y="2901"/>
+                </a:lnTo>
+                <a:lnTo>
+                  <a:pt x="675" y="2892"/>
+                </a:lnTo>
+                <a:lnTo>
+                  <a:pt x="645" y="2884"/>
+                </a:lnTo>
+                <a:lnTo>
+                  <a:pt x="614" y="2876"/>
+                </a:lnTo>
+                <a:lnTo>
+                  <a:pt x="585" y="2867"/>
+                </a:lnTo>
+                <a:lnTo>
+                  <a:pt x="556" y="2857"/>
+                </a:lnTo>
+                <a:lnTo>
+                  <a:pt x="529" y="2845"/>
+                </a:lnTo>
+                <a:lnTo>
+                  <a:pt x="505" y="2830"/>
+                </a:lnTo>
+                <a:lnTo>
+                  <a:pt x="483" y="2812"/>
+                </a:lnTo>
+                <a:lnTo>
+                  <a:pt x="465" y="2790"/>
+                </a:lnTo>
+                <a:lnTo>
+                  <a:pt x="450" y="2766"/>
+                </a:lnTo>
+                <a:lnTo>
+                  <a:pt x="438" y="2739"/>
+                </a:lnTo>
+                <a:lnTo>
+                  <a:pt x="428" y="2710"/>
+                </a:lnTo>
+                <a:lnTo>
+                  <a:pt x="419" y="2681"/>
+                </a:lnTo>
+                <a:lnTo>
+                  <a:pt x="411" y="2650"/>
+                </a:lnTo>
+                <a:lnTo>
+                  <a:pt x="403" y="2620"/>
+                </a:lnTo>
+                <a:lnTo>
+                  <a:pt x="394" y="2590"/>
+                </a:lnTo>
+                <a:lnTo>
+                  <a:pt x="384" y="2561"/>
+                </a:lnTo>
+                <a:lnTo>
+                  <a:pt x="372" y="2534"/>
+                </a:lnTo>
+                <a:lnTo>
+                  <a:pt x="358" y="2509"/>
+                </a:lnTo>
+                <a:lnTo>
+                  <a:pt x="340" y="2487"/>
+                </a:lnTo>
+                <a:lnTo>
+                  <a:pt x="320" y="2464"/>
+                </a:lnTo>
+                <a:lnTo>
+                  <a:pt x="297" y="2444"/>
+                </a:lnTo>
+                <a:lnTo>
+                  <a:pt x="272" y="2425"/>
+                </a:lnTo>
+                <a:lnTo>
+                  <a:pt x="247" y="2406"/>
+                </a:lnTo>
+                <a:lnTo>
+                  <a:pt x="222" y="2387"/>
+                </a:lnTo>
+                <a:lnTo>
+                  <a:pt x="198" y="2368"/>
+                </a:lnTo>
+                <a:lnTo>
+                  <a:pt x="175" y="2347"/>
+                </a:lnTo>
+                <a:lnTo>
+                  <a:pt x="155" y="2326"/>
+                </a:lnTo>
+                <a:lnTo>
+                  <a:pt x="138" y="2302"/>
+                </a:lnTo>
+                <a:lnTo>
+                  <a:pt x="125" y="2277"/>
+                </a:lnTo>
+                <a:lnTo>
+                  <a:pt x="116" y="2247"/>
+                </a:lnTo>
+                <a:lnTo>
+                  <a:pt x="112" y="2216"/>
+                </a:lnTo>
+                <a:lnTo>
+                  <a:pt x="111" y="2184"/>
+                </a:lnTo>
+                <a:lnTo>
+                  <a:pt x="114" y="2150"/>
+                </a:lnTo>
+                <a:lnTo>
+                  <a:pt x="118" y="2116"/>
+                </a:lnTo>
+                <a:lnTo>
+                  <a:pt x="123" y="2082"/>
+                </a:lnTo>
+                <a:lnTo>
+                  <a:pt x="127" y="2048"/>
+                </a:lnTo>
+                <a:lnTo>
+                  <a:pt x="129" y="2014"/>
+                </a:lnTo>
+                <a:lnTo>
+                  <a:pt x="129" y="1981"/>
+                </a:lnTo>
+                <a:lnTo>
+                  <a:pt x="125" y="1950"/>
+                </a:lnTo>
+                <a:lnTo>
+                  <a:pt x="117" y="1919"/>
+                </a:lnTo>
+                <a:lnTo>
+                  <a:pt x="105" y="1890"/>
+                </a:lnTo>
+                <a:lnTo>
+                  <a:pt x="90" y="1860"/>
+                </a:lnTo>
+                <a:lnTo>
+                  <a:pt x="73" y="1830"/>
+                </a:lnTo>
+                <a:lnTo>
+                  <a:pt x="55" y="1800"/>
+                </a:lnTo>
+                <a:lnTo>
+                  <a:pt x="38" y="1771"/>
+                </a:lnTo>
+                <a:lnTo>
+                  <a:pt x="23" y="1740"/>
+                </a:lnTo>
+                <a:lnTo>
+                  <a:pt x="11" y="1710"/>
+                </a:lnTo>
+                <a:lnTo>
+                  <a:pt x="3" y="1679"/>
+                </a:lnTo>
+                <a:lnTo>
+                  <a:pt x="0" y="1647"/>
+                </a:lnTo>
+                <a:lnTo>
+                  <a:pt x="3" y="1615"/>
+                </a:lnTo>
+                <a:lnTo>
+                  <a:pt x="11" y="1584"/>
+                </a:lnTo>
+                <a:lnTo>
+                  <a:pt x="23" y="1554"/>
+                </a:lnTo>
+                <a:lnTo>
+                  <a:pt x="38" y="1523"/>
+                </a:lnTo>
+                <a:lnTo>
+                  <a:pt x="55" y="1494"/>
+                </a:lnTo>
+                <a:lnTo>
+                  <a:pt x="73" y="1464"/>
+                </a:lnTo>
+                <a:lnTo>
+                  <a:pt x="90" y="1434"/>
+                </a:lnTo>
+                <a:lnTo>
+                  <a:pt x="105" y="1404"/>
+                </a:lnTo>
+                <a:lnTo>
+                  <a:pt x="117" y="1375"/>
+                </a:lnTo>
+                <a:lnTo>
+                  <a:pt x="125" y="1344"/>
+                </a:lnTo>
+                <a:lnTo>
+                  <a:pt x="129" y="1313"/>
+                </a:lnTo>
+                <a:lnTo>
+                  <a:pt x="129" y="1280"/>
+                </a:lnTo>
+                <a:lnTo>
+                  <a:pt x="127" y="1246"/>
+                </a:lnTo>
+                <a:lnTo>
+                  <a:pt x="123" y="1212"/>
+                </a:lnTo>
+                <a:lnTo>
+                  <a:pt x="118" y="1178"/>
+                </a:lnTo>
+                <a:lnTo>
+                  <a:pt x="114" y="1144"/>
+                </a:lnTo>
+                <a:lnTo>
+                  <a:pt x="111" y="1110"/>
+                </a:lnTo>
+                <a:lnTo>
+                  <a:pt x="112" y="1078"/>
+                </a:lnTo>
+                <a:lnTo>
+                  <a:pt x="116" y="1047"/>
+                </a:lnTo>
+                <a:lnTo>
+                  <a:pt x="125" y="1017"/>
+                </a:lnTo>
+                <a:lnTo>
+                  <a:pt x="138" y="992"/>
+                </a:lnTo>
+                <a:lnTo>
+                  <a:pt x="155" y="968"/>
+                </a:lnTo>
+                <a:lnTo>
+                  <a:pt x="175" y="947"/>
+                </a:lnTo>
+                <a:lnTo>
+                  <a:pt x="198" y="926"/>
+                </a:lnTo>
+                <a:lnTo>
+                  <a:pt x="222" y="907"/>
+                </a:lnTo>
+                <a:lnTo>
+                  <a:pt x="247" y="888"/>
+                </a:lnTo>
+                <a:lnTo>
+                  <a:pt x="272" y="869"/>
+                </a:lnTo>
+                <a:lnTo>
+                  <a:pt x="297" y="850"/>
+                </a:lnTo>
+                <a:lnTo>
+                  <a:pt x="320" y="830"/>
+                </a:lnTo>
+                <a:lnTo>
+                  <a:pt x="340" y="807"/>
+                </a:lnTo>
+                <a:lnTo>
+                  <a:pt x="358" y="785"/>
+                </a:lnTo>
+                <a:lnTo>
+                  <a:pt x="372" y="760"/>
+                </a:lnTo>
+                <a:lnTo>
+                  <a:pt x="384" y="733"/>
+                </a:lnTo>
+                <a:lnTo>
+                  <a:pt x="394" y="704"/>
+                </a:lnTo>
+                <a:lnTo>
+                  <a:pt x="403" y="674"/>
+                </a:lnTo>
+                <a:lnTo>
+                  <a:pt x="411" y="644"/>
+                </a:lnTo>
+                <a:lnTo>
+                  <a:pt x="419" y="613"/>
+                </a:lnTo>
+                <a:lnTo>
+                  <a:pt x="428" y="584"/>
+                </a:lnTo>
+                <a:lnTo>
+                  <a:pt x="438" y="555"/>
+                </a:lnTo>
+                <a:lnTo>
+                  <a:pt x="450" y="528"/>
+                </a:lnTo>
+                <a:lnTo>
+                  <a:pt x="465" y="504"/>
+                </a:lnTo>
+                <a:lnTo>
+                  <a:pt x="483" y="482"/>
+                </a:lnTo>
+                <a:lnTo>
+                  <a:pt x="505" y="464"/>
+                </a:lnTo>
+                <a:lnTo>
+                  <a:pt x="529" y="449"/>
+                </a:lnTo>
+                <a:lnTo>
+                  <a:pt x="556" y="437"/>
+                </a:lnTo>
+                <a:lnTo>
+                  <a:pt x="585" y="427"/>
+                </a:lnTo>
+                <a:lnTo>
+                  <a:pt x="614" y="418"/>
+                </a:lnTo>
+                <a:lnTo>
+                  <a:pt x="645" y="410"/>
+                </a:lnTo>
+                <a:lnTo>
+                  <a:pt x="675" y="402"/>
+                </a:lnTo>
+                <a:lnTo>
+                  <a:pt x="705" y="393"/>
+                </a:lnTo>
+                <a:lnTo>
+                  <a:pt x="734" y="383"/>
+                </a:lnTo>
+                <a:lnTo>
+                  <a:pt x="761" y="371"/>
+                </a:lnTo>
+                <a:lnTo>
+                  <a:pt x="786" y="357"/>
+                </a:lnTo>
+                <a:lnTo>
+                  <a:pt x="808" y="339"/>
+                </a:lnTo>
+                <a:lnTo>
+                  <a:pt x="831" y="319"/>
+                </a:lnTo>
+                <a:lnTo>
+                  <a:pt x="851" y="296"/>
+                </a:lnTo>
+                <a:lnTo>
+                  <a:pt x="870" y="272"/>
+                </a:lnTo>
+                <a:lnTo>
+                  <a:pt x="889" y="247"/>
+                </a:lnTo>
+                <a:lnTo>
+                  <a:pt x="908" y="222"/>
+                </a:lnTo>
+                <a:lnTo>
+                  <a:pt x="927" y="198"/>
+                </a:lnTo>
+                <a:lnTo>
+                  <a:pt x="948" y="175"/>
+                </a:lnTo>
+                <a:lnTo>
+                  <a:pt x="969" y="155"/>
+                </a:lnTo>
+                <a:lnTo>
+                  <a:pt x="993" y="138"/>
+                </a:lnTo>
+                <a:lnTo>
+                  <a:pt x="1018" y="125"/>
+                </a:lnTo>
+                <a:lnTo>
+                  <a:pt x="1048" y="116"/>
+                </a:lnTo>
+                <a:lnTo>
+                  <a:pt x="1079" y="112"/>
+                </a:lnTo>
+                <a:lnTo>
+                  <a:pt x="1111" y="111"/>
+                </a:lnTo>
+                <a:lnTo>
+                  <a:pt x="1145" y="114"/>
+                </a:lnTo>
+                <a:lnTo>
+                  <a:pt x="1179" y="118"/>
+                </a:lnTo>
+                <a:lnTo>
+                  <a:pt x="1213" y="123"/>
+                </a:lnTo>
+                <a:lnTo>
+                  <a:pt x="1247" y="127"/>
+                </a:lnTo>
+                <a:lnTo>
+                  <a:pt x="1281" y="129"/>
+                </a:lnTo>
+                <a:lnTo>
+                  <a:pt x="1314" y="129"/>
+                </a:lnTo>
+                <a:lnTo>
+                  <a:pt x="1345" y="125"/>
+                </a:lnTo>
+                <a:lnTo>
+                  <a:pt x="1376" y="117"/>
+                </a:lnTo>
+                <a:lnTo>
+                  <a:pt x="1406" y="105"/>
+                </a:lnTo>
+                <a:lnTo>
+                  <a:pt x="1436" y="89"/>
+                </a:lnTo>
+                <a:lnTo>
+                  <a:pt x="1466" y="73"/>
+                </a:lnTo>
+                <a:lnTo>
+                  <a:pt x="1496" y="55"/>
+                </a:lnTo>
+                <a:lnTo>
+                  <a:pt x="1525" y="38"/>
+                </a:lnTo>
+                <a:lnTo>
+                  <a:pt x="1556" y="23"/>
+                </a:lnTo>
+                <a:lnTo>
+                  <a:pt x="1586" y="11"/>
+                </a:lnTo>
+                <a:lnTo>
+                  <a:pt x="1617" y="3"/>
+                </a:lnTo>
+                <a:lnTo>
+                  <a:pt x="1649" y="0"/>
+                </a:lnTo>
+                <a:close/>
+              </a:path>
+            </a:pathLst>
+          </a:custGeom>
+          <a:solidFill>
+            <a:schemeClr val="bg2"/>
+          </a:solidFill>
+          <a:ln w="0">
+            <a:noFill/>
+            <a:prstDash val="solid"/>
+            <a:round/>
+            <a:headEnd/>
+            <a:tailEnd/>
+          </a:ln>
+        </p:spPr>
+      </p:sp>
+      <p:sp>
+        <p:nvSpPr>
+          <p:cNvPr id="11" name="Rectangle 10">
+            <a:extLst>
+              <a:ext uri="{FF2B5EF4-FFF2-40B4-BE49-F238E27FC236}">
+                <a16:creationId xmlns:a16="http://schemas.microsoft.com/office/drawing/2014/main" id="{57510D23-E323-4577-A8EA-12C6C6019BA1}"/>
+              </a:ext>
+              <a:ext uri="{C183D7F6-B498-43B3-948B-1728B52AA6E4}">
+                <adec:decorative xmlns:adec="http://schemas.microsoft.com/office/drawing/2017/decorative" val="1"/>
+              </a:ext>
+            </a:extLst>
+          </p:cNvPr>
+          <p:cNvSpPr>
+            <a:spLocks noGrp="1" noRot="1" noChangeAspect="1" noMove="1" noResize="1" noEditPoints="1" noAdjustHandles="1" noChangeArrowheads="1" noChangeShapeType="1" noTextEdit="1"/>
+          </p:cNvSpPr>
+          <p:nvPr>
+            <p:extLst>
+              <p:ext uri="{386F3935-93C4-4BCD-93E2-E3B085C9AB24}">
+                <p16:designElem xmlns:p16="http://schemas.microsoft.com/office/powerpoint/2015/main" val="1"/>
+              </p:ext>
+            </p:extLst>
+          </p:nvPr>
+        </p:nvSpPr>
+        <p:spPr>
+          <a:xfrm>
+            <a:off x="0" y="0"/>
+            <a:ext cx="283464" cy="6858000"/>
+          </a:xfrm>
+          <a:prstGeom prst="rect">
+            <a:avLst/>
+          </a:prstGeom>
+          <a:solidFill>
+            <a:schemeClr val="tx2"/>
+          </a:solidFill>
+          <a:ln>
+            <a:noFill/>
+          </a:ln>
+        </p:spPr>
+        <p:style>
+          <a:lnRef idx="2">
+            <a:schemeClr val="accent1">
+              <a:shade val="50000"/>
+            </a:schemeClr>
+          </a:lnRef>
+          <a:fillRef idx="1">
+            <a:schemeClr val="accent1"/>
+          </a:fillRef>
+          <a:effectRef idx="0">
+            <a:schemeClr val="accent1"/>
+          </a:effectRef>
+          <a:fontRef idx="minor">
+            <a:schemeClr val="lt1"/>
+          </a:fontRef>
+        </p:style>
+      </p:sp>
+      <p:sp useBgFill="1">
+        <p:nvSpPr>
+          <p:cNvPr id="13" name="Rectangle 12">
+            <a:extLst>
+              <a:ext uri="{FF2B5EF4-FFF2-40B4-BE49-F238E27FC236}">
+                <a16:creationId xmlns:a16="http://schemas.microsoft.com/office/drawing/2014/main" id="{AB4FFECA-0832-4FE3-B587-054A0F2D8054}"/>
+              </a:ext>
+              <a:ext uri="{C183D7F6-B498-43B3-948B-1728B52AA6E4}">
+                <adec:decorative xmlns:adec="http://schemas.microsoft.com/office/drawing/2017/decorative" val="1"/>
+              </a:ext>
+            </a:extLst>
+          </p:cNvPr>
+          <p:cNvSpPr>
+            <a:spLocks noGrp="1" noRot="1" noChangeAspect="1" noMove="1" noResize="1" noEditPoints="1" noAdjustHandles="1" noChangeArrowheads="1" noChangeShapeType="1" noTextEdit="1"/>
+          </p:cNvSpPr>
+          <p:nvPr>
+            <p:extLst>
+              <p:ext uri="{386F3935-93C4-4BCD-93E2-E3B085C9AB24}">
+                <p16:designElem xmlns:p16="http://schemas.microsoft.com/office/powerpoint/2015/main" val="1"/>
+              </p:ext>
+            </p:extLst>
+          </p:nvPr>
+        </p:nvSpPr>
+        <p:spPr bwMode="ltGray">
+          <a:xfrm>
+            <a:off x="0" y="0"/>
+            <a:ext cx="12191999" cy="6858000"/>
+          </a:xfrm>
+          <a:prstGeom prst="rect">
+            <a:avLst/>
+          </a:prstGeom>
+          <a:ln>
+            <a:noFill/>
+          </a:ln>
+        </p:spPr>
+        <p:style>
+          <a:lnRef idx="2">
+            <a:schemeClr val="accent1">
+              <a:shade val="50000"/>
+            </a:schemeClr>
+          </a:lnRef>
+          <a:fillRef idx="1">
+            <a:schemeClr val="accent1"/>
+          </a:fillRef>
+          <a:effectRef idx="0">
+            <a:schemeClr val="accent1"/>
+          </a:effectRef>
+          <a:fontRef idx="minor">
+            <a:schemeClr val="lt1"/>
+          </a:fontRef>
+        </p:style>
+        <p:txBody>
+          <a:bodyPr rtlCol="0" anchor="ctr"/>
+          <a:lstStyle/>
+          <a:p>
+            <a:pPr algn="ctr"/>
+            <a:endParaRPr lang="en-US"/>
+          </a:p>
+        </p:txBody>
+      </p:sp>
+      <p:sp>
+        <p:nvSpPr>
+          <p:cNvPr id="15" name="Freeform: Shape 14">
+            <a:extLst>
+              <a:ext uri="{FF2B5EF4-FFF2-40B4-BE49-F238E27FC236}">
+                <a16:creationId xmlns:a16="http://schemas.microsoft.com/office/drawing/2014/main" id="{C65858E6-5C0F-4AAE-A1AC-29BA07FFEE5C}"/>
+              </a:ext>
+              <a:ext uri="{C183D7F6-B498-43B3-948B-1728B52AA6E4}">
+                <adec:decorative xmlns:adec="http://schemas.microsoft.com/office/drawing/2017/decorative" val="1"/>
+              </a:ext>
+            </a:extLst>
+          </p:cNvPr>
+          <p:cNvSpPr>
+            <a:spLocks noGrp="1" noRot="1" noChangeAspect="1" noMove="1" noResize="1" noEditPoints="1" noAdjustHandles="1" noChangeArrowheads="1" noChangeShapeType="1" noTextEdit="1"/>
+          </p:cNvSpPr>
+          <p:nvPr>
+            <p:extLst>
+              <p:ext uri="{386F3935-93C4-4BCD-93E2-E3B085C9AB24}">
+                <p16:designElem xmlns:p16="http://schemas.microsoft.com/office/powerpoint/2015/main" val="1"/>
+              </p:ext>
+            </p:extLst>
+          </p:nvPr>
+        </p:nvSpPr>
+        <p:spPr>
+          <a:xfrm>
+            <a:off x="0" y="5070707"/>
+            <a:ext cx="12192000" cy="1787292"/>
+          </a:xfrm>
+          <a:custGeom>
+            <a:avLst/>
+            <a:gdLst>
+              <a:gd name="connsiteX0" fmla="*/ 619389 w 12192000"/>
+              <a:gd name="connsiteY0" fmla="*/ 0 h 1787292"/>
+              <a:gd name="connsiteX1" fmla="*/ 687652 w 12192000"/>
+              <a:gd name="connsiteY1" fmla="*/ 3175 h 1787292"/>
+              <a:gd name="connsiteX2" fmla="*/ 747977 w 12192000"/>
+              <a:gd name="connsiteY2" fmla="*/ 9525 h 1787292"/>
+              <a:gd name="connsiteX3" fmla="*/ 800364 w 12192000"/>
+              <a:gd name="connsiteY3" fmla="*/ 20637 h 1787292"/>
+              <a:gd name="connsiteX4" fmla="*/ 846402 w 12192000"/>
+              <a:gd name="connsiteY4" fmla="*/ 36512 h 1787292"/>
+              <a:gd name="connsiteX5" fmla="*/ 887677 w 12192000"/>
+              <a:gd name="connsiteY5" fmla="*/ 52387 h 1787292"/>
+              <a:gd name="connsiteX6" fmla="*/ 924189 w 12192000"/>
+              <a:gd name="connsiteY6" fmla="*/ 68262 h 1787292"/>
+              <a:gd name="connsiteX7" fmla="*/ 962289 w 12192000"/>
+              <a:gd name="connsiteY7" fmla="*/ 87312 h 1787292"/>
+              <a:gd name="connsiteX8" fmla="*/ 1000389 w 12192000"/>
+              <a:gd name="connsiteY8" fmla="*/ 106362 h 1787292"/>
+              <a:gd name="connsiteX9" fmla="*/ 1036902 w 12192000"/>
+              <a:gd name="connsiteY9" fmla="*/ 125412 h 1787292"/>
+              <a:gd name="connsiteX10" fmla="*/ 1078177 w 12192000"/>
+              <a:gd name="connsiteY10" fmla="*/ 141287 h 1787292"/>
+              <a:gd name="connsiteX11" fmla="*/ 1124214 w 12192000"/>
+              <a:gd name="connsiteY11" fmla="*/ 155575 h 1787292"/>
+              <a:gd name="connsiteX12" fmla="*/ 1176602 w 12192000"/>
+              <a:gd name="connsiteY12" fmla="*/ 166687 h 1787292"/>
+              <a:gd name="connsiteX13" fmla="*/ 1236927 w 12192000"/>
+              <a:gd name="connsiteY13" fmla="*/ 174625 h 1787292"/>
+              <a:gd name="connsiteX14" fmla="*/ 1305189 w 12192000"/>
+              <a:gd name="connsiteY14" fmla="*/ 176212 h 1787292"/>
+              <a:gd name="connsiteX15" fmla="*/ 1373452 w 12192000"/>
+              <a:gd name="connsiteY15" fmla="*/ 174625 h 1787292"/>
+              <a:gd name="connsiteX16" fmla="*/ 1433777 w 12192000"/>
+              <a:gd name="connsiteY16" fmla="*/ 166687 h 1787292"/>
+              <a:gd name="connsiteX17" fmla="*/ 1486164 w 12192000"/>
+              <a:gd name="connsiteY17" fmla="*/ 155575 h 1787292"/>
+              <a:gd name="connsiteX18" fmla="*/ 1532202 w 12192000"/>
+              <a:gd name="connsiteY18" fmla="*/ 141287 h 1787292"/>
+              <a:gd name="connsiteX19" fmla="*/ 1573477 w 12192000"/>
+              <a:gd name="connsiteY19" fmla="*/ 125412 h 1787292"/>
+              <a:gd name="connsiteX20" fmla="*/ 1609989 w 12192000"/>
+              <a:gd name="connsiteY20" fmla="*/ 106362 h 1787292"/>
+              <a:gd name="connsiteX21" fmla="*/ 1648089 w 12192000"/>
+              <a:gd name="connsiteY21" fmla="*/ 87312 h 1787292"/>
+              <a:gd name="connsiteX22" fmla="*/ 1686189 w 12192000"/>
+              <a:gd name="connsiteY22" fmla="*/ 68262 h 1787292"/>
+              <a:gd name="connsiteX23" fmla="*/ 1722702 w 12192000"/>
+              <a:gd name="connsiteY23" fmla="*/ 52387 h 1787292"/>
+              <a:gd name="connsiteX24" fmla="*/ 1763977 w 12192000"/>
+              <a:gd name="connsiteY24" fmla="*/ 36512 h 1787292"/>
+              <a:gd name="connsiteX25" fmla="*/ 1810014 w 12192000"/>
+              <a:gd name="connsiteY25" fmla="*/ 20637 h 1787292"/>
+              <a:gd name="connsiteX26" fmla="*/ 1862402 w 12192000"/>
+              <a:gd name="connsiteY26" fmla="*/ 9525 h 1787292"/>
+              <a:gd name="connsiteX27" fmla="*/ 1922727 w 12192000"/>
+              <a:gd name="connsiteY27" fmla="*/ 3175 h 1787292"/>
+              <a:gd name="connsiteX28" fmla="*/ 1990989 w 12192000"/>
+              <a:gd name="connsiteY28" fmla="*/ 0 h 1787292"/>
+              <a:gd name="connsiteX29" fmla="*/ 2059252 w 12192000"/>
+              <a:gd name="connsiteY29" fmla="*/ 3175 h 1787292"/>
+              <a:gd name="connsiteX30" fmla="*/ 2119577 w 12192000"/>
+              <a:gd name="connsiteY30" fmla="*/ 9525 h 1787292"/>
+              <a:gd name="connsiteX31" fmla="*/ 2171964 w 12192000"/>
+              <a:gd name="connsiteY31" fmla="*/ 20637 h 1787292"/>
+              <a:gd name="connsiteX32" fmla="*/ 2218002 w 12192000"/>
+              <a:gd name="connsiteY32" fmla="*/ 36512 h 1787292"/>
+              <a:gd name="connsiteX33" fmla="*/ 2259277 w 12192000"/>
+              <a:gd name="connsiteY33" fmla="*/ 52387 h 1787292"/>
+              <a:gd name="connsiteX34" fmla="*/ 2295789 w 12192000"/>
+              <a:gd name="connsiteY34" fmla="*/ 68262 h 1787292"/>
+              <a:gd name="connsiteX35" fmla="*/ 2333889 w 12192000"/>
+              <a:gd name="connsiteY35" fmla="*/ 87312 h 1787292"/>
+              <a:gd name="connsiteX36" fmla="*/ 2371989 w 12192000"/>
+              <a:gd name="connsiteY36" fmla="*/ 106362 h 1787292"/>
+              <a:gd name="connsiteX37" fmla="*/ 2408502 w 12192000"/>
+              <a:gd name="connsiteY37" fmla="*/ 125412 h 1787292"/>
+              <a:gd name="connsiteX38" fmla="*/ 2449777 w 12192000"/>
+              <a:gd name="connsiteY38" fmla="*/ 141287 h 1787292"/>
+              <a:gd name="connsiteX39" fmla="*/ 2495814 w 12192000"/>
+              <a:gd name="connsiteY39" fmla="*/ 155575 h 1787292"/>
+              <a:gd name="connsiteX40" fmla="*/ 2548202 w 12192000"/>
+              <a:gd name="connsiteY40" fmla="*/ 166687 h 1787292"/>
+              <a:gd name="connsiteX41" fmla="*/ 2608527 w 12192000"/>
+              <a:gd name="connsiteY41" fmla="*/ 174625 h 1787292"/>
+              <a:gd name="connsiteX42" fmla="*/ 2676789 w 12192000"/>
+              <a:gd name="connsiteY42" fmla="*/ 176212 h 1787292"/>
+              <a:gd name="connsiteX43" fmla="*/ 2745052 w 12192000"/>
+              <a:gd name="connsiteY43" fmla="*/ 174625 h 1787292"/>
+              <a:gd name="connsiteX44" fmla="*/ 2805377 w 12192000"/>
+              <a:gd name="connsiteY44" fmla="*/ 166687 h 1787292"/>
+              <a:gd name="connsiteX45" fmla="*/ 2857764 w 12192000"/>
+              <a:gd name="connsiteY45" fmla="*/ 155575 h 1787292"/>
+              <a:gd name="connsiteX46" fmla="*/ 2903802 w 12192000"/>
+              <a:gd name="connsiteY46" fmla="*/ 141287 h 1787292"/>
+              <a:gd name="connsiteX47" fmla="*/ 2945077 w 12192000"/>
+              <a:gd name="connsiteY47" fmla="*/ 125412 h 1787292"/>
+              <a:gd name="connsiteX48" fmla="*/ 2981589 w 12192000"/>
+              <a:gd name="connsiteY48" fmla="*/ 106362 h 1787292"/>
+              <a:gd name="connsiteX49" fmla="*/ 3019689 w 12192000"/>
+              <a:gd name="connsiteY49" fmla="*/ 87312 h 1787292"/>
+              <a:gd name="connsiteX50" fmla="*/ 3057789 w 12192000"/>
+              <a:gd name="connsiteY50" fmla="*/ 68262 h 1787292"/>
+              <a:gd name="connsiteX51" fmla="*/ 3094302 w 12192000"/>
+              <a:gd name="connsiteY51" fmla="*/ 52387 h 1787292"/>
+              <a:gd name="connsiteX52" fmla="*/ 3135577 w 12192000"/>
+              <a:gd name="connsiteY52" fmla="*/ 36512 h 1787292"/>
+              <a:gd name="connsiteX53" fmla="*/ 3181614 w 12192000"/>
+              <a:gd name="connsiteY53" fmla="*/ 20637 h 1787292"/>
+              <a:gd name="connsiteX54" fmla="*/ 3234002 w 12192000"/>
+              <a:gd name="connsiteY54" fmla="*/ 9525 h 1787292"/>
+              <a:gd name="connsiteX55" fmla="*/ 3294327 w 12192000"/>
+              <a:gd name="connsiteY55" fmla="*/ 3175 h 1787292"/>
+              <a:gd name="connsiteX56" fmla="*/ 3361002 w 12192000"/>
+              <a:gd name="connsiteY56" fmla="*/ 0 h 1787292"/>
+              <a:gd name="connsiteX57" fmla="*/ 3430852 w 12192000"/>
+              <a:gd name="connsiteY57" fmla="*/ 3175 h 1787292"/>
+              <a:gd name="connsiteX58" fmla="*/ 3491177 w 12192000"/>
+              <a:gd name="connsiteY58" fmla="*/ 9525 h 1787292"/>
+              <a:gd name="connsiteX59" fmla="*/ 3543564 w 12192000"/>
+              <a:gd name="connsiteY59" fmla="*/ 20637 h 1787292"/>
+              <a:gd name="connsiteX60" fmla="*/ 3589602 w 12192000"/>
+              <a:gd name="connsiteY60" fmla="*/ 36512 h 1787292"/>
+              <a:gd name="connsiteX61" fmla="*/ 3630877 w 12192000"/>
+              <a:gd name="connsiteY61" fmla="*/ 52387 h 1787292"/>
+              <a:gd name="connsiteX62" fmla="*/ 3667389 w 12192000"/>
+              <a:gd name="connsiteY62" fmla="*/ 68262 h 1787292"/>
+              <a:gd name="connsiteX63" fmla="*/ 3705489 w 12192000"/>
+              <a:gd name="connsiteY63" fmla="*/ 87312 h 1787292"/>
+              <a:gd name="connsiteX64" fmla="*/ 3743589 w 12192000"/>
+              <a:gd name="connsiteY64" fmla="*/ 106362 h 1787292"/>
+              <a:gd name="connsiteX65" fmla="*/ 3780102 w 12192000"/>
+              <a:gd name="connsiteY65" fmla="*/ 125412 h 1787292"/>
+              <a:gd name="connsiteX66" fmla="*/ 3821377 w 12192000"/>
+              <a:gd name="connsiteY66" fmla="*/ 141287 h 1787292"/>
+              <a:gd name="connsiteX67" fmla="*/ 3867414 w 12192000"/>
+              <a:gd name="connsiteY67" fmla="*/ 155575 h 1787292"/>
+              <a:gd name="connsiteX68" fmla="*/ 3919802 w 12192000"/>
+              <a:gd name="connsiteY68" fmla="*/ 166687 h 1787292"/>
+              <a:gd name="connsiteX69" fmla="*/ 3980127 w 12192000"/>
+              <a:gd name="connsiteY69" fmla="*/ 174625 h 1787292"/>
+              <a:gd name="connsiteX70" fmla="*/ 4048389 w 12192000"/>
+              <a:gd name="connsiteY70" fmla="*/ 176212 h 1787292"/>
+              <a:gd name="connsiteX71" fmla="*/ 4116652 w 12192000"/>
+              <a:gd name="connsiteY71" fmla="*/ 174625 h 1787292"/>
+              <a:gd name="connsiteX72" fmla="*/ 4176977 w 12192000"/>
+              <a:gd name="connsiteY72" fmla="*/ 166687 h 1787292"/>
+              <a:gd name="connsiteX73" fmla="*/ 4229364 w 12192000"/>
+              <a:gd name="connsiteY73" fmla="*/ 155575 h 1787292"/>
+              <a:gd name="connsiteX74" fmla="*/ 4275402 w 12192000"/>
+              <a:gd name="connsiteY74" fmla="*/ 141287 h 1787292"/>
+              <a:gd name="connsiteX75" fmla="*/ 4316677 w 12192000"/>
+              <a:gd name="connsiteY75" fmla="*/ 125412 h 1787292"/>
+              <a:gd name="connsiteX76" fmla="*/ 4353189 w 12192000"/>
+              <a:gd name="connsiteY76" fmla="*/ 106362 h 1787292"/>
+              <a:gd name="connsiteX77" fmla="*/ 4429389 w 12192000"/>
+              <a:gd name="connsiteY77" fmla="*/ 68262 h 1787292"/>
+              <a:gd name="connsiteX78" fmla="*/ 4465902 w 12192000"/>
+              <a:gd name="connsiteY78" fmla="*/ 52387 h 1787292"/>
+              <a:gd name="connsiteX79" fmla="*/ 4507177 w 12192000"/>
+              <a:gd name="connsiteY79" fmla="*/ 36512 h 1787292"/>
+              <a:gd name="connsiteX80" fmla="*/ 4553214 w 12192000"/>
+              <a:gd name="connsiteY80" fmla="*/ 20637 h 1787292"/>
+              <a:gd name="connsiteX81" fmla="*/ 4605602 w 12192000"/>
+              <a:gd name="connsiteY81" fmla="*/ 9525 h 1787292"/>
+              <a:gd name="connsiteX82" fmla="*/ 4665928 w 12192000"/>
+              <a:gd name="connsiteY82" fmla="*/ 3175 h 1787292"/>
+              <a:gd name="connsiteX83" fmla="*/ 4734189 w 12192000"/>
+              <a:gd name="connsiteY83" fmla="*/ 0 h 1787292"/>
+              <a:gd name="connsiteX84" fmla="*/ 4802453 w 12192000"/>
+              <a:gd name="connsiteY84" fmla="*/ 3175 h 1787292"/>
+              <a:gd name="connsiteX85" fmla="*/ 4862777 w 12192000"/>
+              <a:gd name="connsiteY85" fmla="*/ 9525 h 1787292"/>
+              <a:gd name="connsiteX86" fmla="*/ 4915165 w 12192000"/>
+              <a:gd name="connsiteY86" fmla="*/ 20637 h 1787292"/>
+              <a:gd name="connsiteX87" fmla="*/ 4961201 w 12192000"/>
+              <a:gd name="connsiteY87" fmla="*/ 36512 h 1787292"/>
+              <a:gd name="connsiteX88" fmla="*/ 5002476 w 12192000"/>
+              <a:gd name="connsiteY88" fmla="*/ 52387 h 1787292"/>
+              <a:gd name="connsiteX89" fmla="*/ 5038989 w 12192000"/>
+              <a:gd name="connsiteY89" fmla="*/ 68262 h 1787292"/>
+              <a:gd name="connsiteX90" fmla="*/ 5077089 w 12192000"/>
+              <a:gd name="connsiteY90" fmla="*/ 87312 h 1787292"/>
+              <a:gd name="connsiteX91" fmla="*/ 5115189 w 12192000"/>
+              <a:gd name="connsiteY91" fmla="*/ 106362 h 1787292"/>
+              <a:gd name="connsiteX92" fmla="*/ 5151701 w 12192000"/>
+              <a:gd name="connsiteY92" fmla="*/ 125412 h 1787292"/>
+              <a:gd name="connsiteX93" fmla="*/ 5192976 w 12192000"/>
+              <a:gd name="connsiteY93" fmla="*/ 141287 h 1787292"/>
+              <a:gd name="connsiteX94" fmla="*/ 5239014 w 12192000"/>
+              <a:gd name="connsiteY94" fmla="*/ 155575 h 1787292"/>
+              <a:gd name="connsiteX95" fmla="*/ 5291401 w 12192000"/>
+              <a:gd name="connsiteY95" fmla="*/ 166687 h 1787292"/>
+              <a:gd name="connsiteX96" fmla="*/ 5351727 w 12192000"/>
+              <a:gd name="connsiteY96" fmla="*/ 174625 h 1787292"/>
+              <a:gd name="connsiteX97" fmla="*/ 5410199 w 12192000"/>
+              <a:gd name="connsiteY97" fmla="*/ 175985 h 1787292"/>
+              <a:gd name="connsiteX98" fmla="*/ 5468671 w 12192000"/>
+              <a:gd name="connsiteY98" fmla="*/ 174625 h 1787292"/>
+              <a:gd name="connsiteX99" fmla="*/ 5528996 w 12192000"/>
+              <a:gd name="connsiteY99" fmla="*/ 166687 h 1787292"/>
+              <a:gd name="connsiteX100" fmla="*/ 5581383 w 12192000"/>
+              <a:gd name="connsiteY100" fmla="*/ 155575 h 1787292"/>
+              <a:gd name="connsiteX101" fmla="*/ 5627421 w 12192000"/>
+              <a:gd name="connsiteY101" fmla="*/ 141287 h 1787292"/>
+              <a:gd name="connsiteX102" fmla="*/ 5668696 w 12192000"/>
+              <a:gd name="connsiteY102" fmla="*/ 125412 h 1787292"/>
+              <a:gd name="connsiteX103" fmla="*/ 5705209 w 12192000"/>
+              <a:gd name="connsiteY103" fmla="*/ 106362 h 1787292"/>
+              <a:gd name="connsiteX104" fmla="*/ 5743308 w 12192000"/>
+              <a:gd name="connsiteY104" fmla="*/ 87312 h 1787292"/>
+              <a:gd name="connsiteX105" fmla="*/ 5781408 w 12192000"/>
+              <a:gd name="connsiteY105" fmla="*/ 68262 h 1787292"/>
+              <a:gd name="connsiteX106" fmla="*/ 5817921 w 12192000"/>
+              <a:gd name="connsiteY106" fmla="*/ 52387 h 1787292"/>
+              <a:gd name="connsiteX107" fmla="*/ 5859196 w 12192000"/>
+              <a:gd name="connsiteY107" fmla="*/ 36512 h 1787292"/>
+              <a:gd name="connsiteX108" fmla="*/ 5905234 w 12192000"/>
+              <a:gd name="connsiteY108" fmla="*/ 20637 h 1787292"/>
+              <a:gd name="connsiteX109" fmla="*/ 5957621 w 12192000"/>
+              <a:gd name="connsiteY109" fmla="*/ 9525 h 1787292"/>
+              <a:gd name="connsiteX110" fmla="*/ 6017947 w 12192000"/>
+              <a:gd name="connsiteY110" fmla="*/ 3175 h 1787292"/>
+              <a:gd name="connsiteX111" fmla="*/ 6086208 w 12192000"/>
+              <a:gd name="connsiteY111" fmla="*/ 0 h 1787292"/>
+              <a:gd name="connsiteX112" fmla="*/ 6095999 w 12192000"/>
+              <a:gd name="connsiteY112" fmla="*/ 455 h 1787292"/>
+              <a:gd name="connsiteX113" fmla="*/ 6105789 w 12192000"/>
+              <a:gd name="connsiteY113" fmla="*/ 0 h 1787292"/>
+              <a:gd name="connsiteX114" fmla="*/ 6174052 w 12192000"/>
+              <a:gd name="connsiteY114" fmla="*/ 3175 h 1787292"/>
+              <a:gd name="connsiteX115" fmla="*/ 6234377 w 12192000"/>
+              <a:gd name="connsiteY115" fmla="*/ 9525 h 1787292"/>
+              <a:gd name="connsiteX116" fmla="*/ 6286764 w 12192000"/>
+              <a:gd name="connsiteY116" fmla="*/ 20637 h 1787292"/>
+              <a:gd name="connsiteX117" fmla="*/ 6332802 w 12192000"/>
+              <a:gd name="connsiteY117" fmla="*/ 36512 h 1787292"/>
+              <a:gd name="connsiteX118" fmla="*/ 6374077 w 12192000"/>
+              <a:gd name="connsiteY118" fmla="*/ 52387 h 1787292"/>
+              <a:gd name="connsiteX119" fmla="*/ 6410589 w 12192000"/>
+              <a:gd name="connsiteY119" fmla="*/ 68262 h 1787292"/>
+              <a:gd name="connsiteX120" fmla="*/ 6448689 w 12192000"/>
+              <a:gd name="connsiteY120" fmla="*/ 87312 h 1787292"/>
+              <a:gd name="connsiteX121" fmla="*/ 6486789 w 12192000"/>
+              <a:gd name="connsiteY121" fmla="*/ 106362 h 1787292"/>
+              <a:gd name="connsiteX122" fmla="*/ 6523302 w 12192000"/>
+              <a:gd name="connsiteY122" fmla="*/ 125412 h 1787292"/>
+              <a:gd name="connsiteX123" fmla="*/ 6564577 w 12192000"/>
+              <a:gd name="connsiteY123" fmla="*/ 141287 h 1787292"/>
+              <a:gd name="connsiteX124" fmla="*/ 6610614 w 12192000"/>
+              <a:gd name="connsiteY124" fmla="*/ 155575 h 1787292"/>
+              <a:gd name="connsiteX125" fmla="*/ 6663002 w 12192000"/>
+              <a:gd name="connsiteY125" fmla="*/ 166687 h 1787292"/>
+              <a:gd name="connsiteX126" fmla="*/ 6723327 w 12192000"/>
+              <a:gd name="connsiteY126" fmla="*/ 174625 h 1787292"/>
+              <a:gd name="connsiteX127" fmla="*/ 6781799 w 12192000"/>
+              <a:gd name="connsiteY127" fmla="*/ 175985 h 1787292"/>
+              <a:gd name="connsiteX128" fmla="*/ 6840271 w 12192000"/>
+              <a:gd name="connsiteY128" fmla="*/ 174625 h 1787292"/>
+              <a:gd name="connsiteX129" fmla="*/ 6900596 w 12192000"/>
+              <a:gd name="connsiteY129" fmla="*/ 166687 h 1787292"/>
+              <a:gd name="connsiteX130" fmla="*/ 6952983 w 12192000"/>
+              <a:gd name="connsiteY130" fmla="*/ 155575 h 1787292"/>
+              <a:gd name="connsiteX131" fmla="*/ 6999021 w 12192000"/>
+              <a:gd name="connsiteY131" fmla="*/ 141287 h 1787292"/>
+              <a:gd name="connsiteX132" fmla="*/ 7040296 w 12192000"/>
+              <a:gd name="connsiteY132" fmla="*/ 125412 h 1787292"/>
+              <a:gd name="connsiteX133" fmla="*/ 7076808 w 12192000"/>
+              <a:gd name="connsiteY133" fmla="*/ 106362 h 1787292"/>
+              <a:gd name="connsiteX134" fmla="*/ 7114908 w 12192000"/>
+              <a:gd name="connsiteY134" fmla="*/ 87312 h 1787292"/>
+              <a:gd name="connsiteX135" fmla="*/ 7153008 w 12192000"/>
+              <a:gd name="connsiteY135" fmla="*/ 68262 h 1787292"/>
+              <a:gd name="connsiteX136" fmla="*/ 7189521 w 12192000"/>
+              <a:gd name="connsiteY136" fmla="*/ 52387 h 1787292"/>
+              <a:gd name="connsiteX137" fmla="*/ 7230796 w 12192000"/>
+              <a:gd name="connsiteY137" fmla="*/ 36512 h 1787292"/>
+              <a:gd name="connsiteX138" fmla="*/ 7276833 w 12192000"/>
+              <a:gd name="connsiteY138" fmla="*/ 20637 h 1787292"/>
+              <a:gd name="connsiteX139" fmla="*/ 7329221 w 12192000"/>
+              <a:gd name="connsiteY139" fmla="*/ 9525 h 1787292"/>
+              <a:gd name="connsiteX140" fmla="*/ 7389546 w 12192000"/>
+              <a:gd name="connsiteY140" fmla="*/ 3175 h 1787292"/>
+              <a:gd name="connsiteX141" fmla="*/ 7457808 w 12192000"/>
+              <a:gd name="connsiteY141" fmla="*/ 0 h 1787292"/>
+              <a:gd name="connsiteX142" fmla="*/ 7526071 w 12192000"/>
+              <a:gd name="connsiteY142" fmla="*/ 3175 h 1787292"/>
+              <a:gd name="connsiteX143" fmla="*/ 7586396 w 12192000"/>
+              <a:gd name="connsiteY143" fmla="*/ 9525 h 1787292"/>
+              <a:gd name="connsiteX144" fmla="*/ 7638783 w 12192000"/>
+              <a:gd name="connsiteY144" fmla="*/ 20637 h 1787292"/>
+              <a:gd name="connsiteX145" fmla="*/ 7684821 w 12192000"/>
+              <a:gd name="connsiteY145" fmla="*/ 36512 h 1787292"/>
+              <a:gd name="connsiteX146" fmla="*/ 7726096 w 12192000"/>
+              <a:gd name="connsiteY146" fmla="*/ 52387 h 1787292"/>
+              <a:gd name="connsiteX147" fmla="*/ 7762608 w 12192000"/>
+              <a:gd name="connsiteY147" fmla="*/ 68262 h 1787292"/>
+              <a:gd name="connsiteX148" fmla="*/ 7800708 w 12192000"/>
+              <a:gd name="connsiteY148" fmla="*/ 87312 h 1787292"/>
+              <a:gd name="connsiteX149" fmla="*/ 7838808 w 12192000"/>
+              <a:gd name="connsiteY149" fmla="*/ 106362 h 1787292"/>
+              <a:gd name="connsiteX150" fmla="*/ 7875321 w 12192000"/>
+              <a:gd name="connsiteY150" fmla="*/ 125412 h 1787292"/>
+              <a:gd name="connsiteX151" fmla="*/ 7916596 w 12192000"/>
+              <a:gd name="connsiteY151" fmla="*/ 141287 h 1787292"/>
+              <a:gd name="connsiteX152" fmla="*/ 7962633 w 12192000"/>
+              <a:gd name="connsiteY152" fmla="*/ 155575 h 1787292"/>
+              <a:gd name="connsiteX153" fmla="*/ 8015021 w 12192000"/>
+              <a:gd name="connsiteY153" fmla="*/ 166687 h 1787292"/>
+              <a:gd name="connsiteX154" fmla="*/ 8075346 w 12192000"/>
+              <a:gd name="connsiteY154" fmla="*/ 174625 h 1787292"/>
+              <a:gd name="connsiteX155" fmla="*/ 8143608 w 12192000"/>
+              <a:gd name="connsiteY155" fmla="*/ 176212 h 1787292"/>
+              <a:gd name="connsiteX156" fmla="*/ 8211871 w 12192000"/>
+              <a:gd name="connsiteY156" fmla="*/ 174625 h 1787292"/>
+              <a:gd name="connsiteX157" fmla="*/ 8272196 w 12192000"/>
+              <a:gd name="connsiteY157" fmla="*/ 166687 h 1787292"/>
+              <a:gd name="connsiteX158" fmla="*/ 8324583 w 12192000"/>
+              <a:gd name="connsiteY158" fmla="*/ 155575 h 1787292"/>
+              <a:gd name="connsiteX159" fmla="*/ 8370621 w 12192000"/>
+              <a:gd name="connsiteY159" fmla="*/ 141287 h 1787292"/>
+              <a:gd name="connsiteX160" fmla="*/ 8411896 w 12192000"/>
+              <a:gd name="connsiteY160" fmla="*/ 125412 h 1787292"/>
+              <a:gd name="connsiteX161" fmla="*/ 8448408 w 12192000"/>
+              <a:gd name="connsiteY161" fmla="*/ 106362 h 1787292"/>
+              <a:gd name="connsiteX162" fmla="*/ 8486508 w 12192000"/>
+              <a:gd name="connsiteY162" fmla="*/ 87312 h 1787292"/>
+              <a:gd name="connsiteX163" fmla="*/ 8524608 w 12192000"/>
+              <a:gd name="connsiteY163" fmla="*/ 68262 h 1787292"/>
+              <a:gd name="connsiteX164" fmla="*/ 8561120 w 12192000"/>
+              <a:gd name="connsiteY164" fmla="*/ 52387 h 1787292"/>
+              <a:gd name="connsiteX165" fmla="*/ 8602396 w 12192000"/>
+              <a:gd name="connsiteY165" fmla="*/ 36512 h 1787292"/>
+              <a:gd name="connsiteX166" fmla="*/ 8648432 w 12192000"/>
+              <a:gd name="connsiteY166" fmla="*/ 20637 h 1787292"/>
+              <a:gd name="connsiteX167" fmla="*/ 8700820 w 12192000"/>
+              <a:gd name="connsiteY167" fmla="*/ 9525 h 1787292"/>
+              <a:gd name="connsiteX168" fmla="*/ 8761146 w 12192000"/>
+              <a:gd name="connsiteY168" fmla="*/ 3175 h 1787292"/>
+              <a:gd name="connsiteX169" fmla="*/ 8827820 w 12192000"/>
+              <a:gd name="connsiteY169" fmla="*/ 0 h 1787292"/>
+              <a:gd name="connsiteX170" fmla="*/ 8897670 w 12192000"/>
+              <a:gd name="connsiteY170" fmla="*/ 3175 h 1787292"/>
+              <a:gd name="connsiteX171" fmla="*/ 8957996 w 12192000"/>
+              <a:gd name="connsiteY171" fmla="*/ 9525 h 1787292"/>
+              <a:gd name="connsiteX172" fmla="*/ 9010382 w 12192000"/>
+              <a:gd name="connsiteY172" fmla="*/ 20637 h 1787292"/>
+              <a:gd name="connsiteX173" fmla="*/ 9056420 w 12192000"/>
+              <a:gd name="connsiteY173" fmla="*/ 36512 h 1787292"/>
+              <a:gd name="connsiteX174" fmla="*/ 9097696 w 12192000"/>
+              <a:gd name="connsiteY174" fmla="*/ 52387 h 1787292"/>
+              <a:gd name="connsiteX175" fmla="*/ 9134208 w 12192000"/>
+              <a:gd name="connsiteY175" fmla="*/ 68262 h 1787292"/>
+              <a:gd name="connsiteX176" fmla="*/ 9172308 w 12192000"/>
+              <a:gd name="connsiteY176" fmla="*/ 87312 h 1787292"/>
+              <a:gd name="connsiteX177" fmla="*/ 9210408 w 12192000"/>
+              <a:gd name="connsiteY177" fmla="*/ 106362 h 1787292"/>
+              <a:gd name="connsiteX178" fmla="*/ 9246920 w 12192000"/>
+              <a:gd name="connsiteY178" fmla="*/ 125412 h 1787292"/>
+              <a:gd name="connsiteX179" fmla="*/ 9288196 w 12192000"/>
+              <a:gd name="connsiteY179" fmla="*/ 141287 h 1787292"/>
+              <a:gd name="connsiteX180" fmla="*/ 9334232 w 12192000"/>
+              <a:gd name="connsiteY180" fmla="*/ 155575 h 1787292"/>
+              <a:gd name="connsiteX181" fmla="*/ 9386620 w 12192000"/>
+              <a:gd name="connsiteY181" fmla="*/ 166687 h 1787292"/>
+              <a:gd name="connsiteX182" fmla="*/ 9446946 w 12192000"/>
+              <a:gd name="connsiteY182" fmla="*/ 174625 h 1787292"/>
+              <a:gd name="connsiteX183" fmla="*/ 9515208 w 12192000"/>
+              <a:gd name="connsiteY183" fmla="*/ 176212 h 1787292"/>
+              <a:gd name="connsiteX184" fmla="*/ 9583470 w 12192000"/>
+              <a:gd name="connsiteY184" fmla="*/ 174625 h 1787292"/>
+              <a:gd name="connsiteX185" fmla="*/ 9643796 w 12192000"/>
+              <a:gd name="connsiteY185" fmla="*/ 166687 h 1787292"/>
+              <a:gd name="connsiteX186" fmla="*/ 9696182 w 12192000"/>
+              <a:gd name="connsiteY186" fmla="*/ 155575 h 1787292"/>
+              <a:gd name="connsiteX187" fmla="*/ 9742220 w 12192000"/>
+              <a:gd name="connsiteY187" fmla="*/ 141287 h 1787292"/>
+              <a:gd name="connsiteX188" fmla="*/ 9783496 w 12192000"/>
+              <a:gd name="connsiteY188" fmla="*/ 125412 h 1787292"/>
+              <a:gd name="connsiteX189" fmla="*/ 9820008 w 12192000"/>
+              <a:gd name="connsiteY189" fmla="*/ 106362 h 1787292"/>
+              <a:gd name="connsiteX190" fmla="*/ 9896208 w 12192000"/>
+              <a:gd name="connsiteY190" fmla="*/ 68262 h 1787292"/>
+              <a:gd name="connsiteX191" fmla="*/ 9932720 w 12192000"/>
+              <a:gd name="connsiteY191" fmla="*/ 52387 h 1787292"/>
+              <a:gd name="connsiteX192" fmla="*/ 9973996 w 12192000"/>
+              <a:gd name="connsiteY192" fmla="*/ 36512 h 1787292"/>
+              <a:gd name="connsiteX193" fmla="*/ 10020032 w 12192000"/>
+              <a:gd name="connsiteY193" fmla="*/ 20637 h 1787292"/>
+              <a:gd name="connsiteX194" fmla="*/ 10072420 w 12192000"/>
+              <a:gd name="connsiteY194" fmla="*/ 9525 h 1787292"/>
+              <a:gd name="connsiteX195" fmla="*/ 10132746 w 12192000"/>
+              <a:gd name="connsiteY195" fmla="*/ 3175 h 1787292"/>
+              <a:gd name="connsiteX196" fmla="*/ 10201008 w 12192000"/>
+              <a:gd name="connsiteY196" fmla="*/ 0 h 1787292"/>
+              <a:gd name="connsiteX197" fmla="*/ 10269270 w 12192000"/>
+              <a:gd name="connsiteY197" fmla="*/ 3175 h 1787292"/>
+              <a:gd name="connsiteX198" fmla="*/ 10329596 w 12192000"/>
+              <a:gd name="connsiteY198" fmla="*/ 9525 h 1787292"/>
+              <a:gd name="connsiteX199" fmla="*/ 10381982 w 12192000"/>
+              <a:gd name="connsiteY199" fmla="*/ 20637 h 1787292"/>
+              <a:gd name="connsiteX200" fmla="*/ 10428020 w 12192000"/>
+              <a:gd name="connsiteY200" fmla="*/ 36512 h 1787292"/>
+              <a:gd name="connsiteX201" fmla="*/ 10469296 w 12192000"/>
+              <a:gd name="connsiteY201" fmla="*/ 52387 h 1787292"/>
+              <a:gd name="connsiteX202" fmla="*/ 10505808 w 12192000"/>
+              <a:gd name="connsiteY202" fmla="*/ 68262 h 1787292"/>
+              <a:gd name="connsiteX203" fmla="*/ 10543908 w 12192000"/>
+              <a:gd name="connsiteY203" fmla="*/ 87312 h 1787292"/>
+              <a:gd name="connsiteX204" fmla="*/ 10582008 w 12192000"/>
+              <a:gd name="connsiteY204" fmla="*/ 106362 h 1787292"/>
+              <a:gd name="connsiteX205" fmla="*/ 10618520 w 12192000"/>
+              <a:gd name="connsiteY205" fmla="*/ 125412 h 1787292"/>
+              <a:gd name="connsiteX206" fmla="*/ 10659796 w 12192000"/>
+              <a:gd name="connsiteY206" fmla="*/ 141287 h 1787292"/>
+              <a:gd name="connsiteX207" fmla="*/ 10705832 w 12192000"/>
+              <a:gd name="connsiteY207" fmla="*/ 155575 h 1787292"/>
+              <a:gd name="connsiteX208" fmla="*/ 10758220 w 12192000"/>
+              <a:gd name="connsiteY208" fmla="*/ 166687 h 1787292"/>
+              <a:gd name="connsiteX209" fmla="*/ 10818546 w 12192000"/>
+              <a:gd name="connsiteY209" fmla="*/ 174625 h 1787292"/>
+              <a:gd name="connsiteX210" fmla="*/ 10886808 w 12192000"/>
+              <a:gd name="connsiteY210" fmla="*/ 176212 h 1787292"/>
+              <a:gd name="connsiteX211" fmla="*/ 10955070 w 12192000"/>
+              <a:gd name="connsiteY211" fmla="*/ 174625 h 1787292"/>
+              <a:gd name="connsiteX212" fmla="*/ 11015396 w 12192000"/>
+              <a:gd name="connsiteY212" fmla="*/ 166687 h 1787292"/>
+              <a:gd name="connsiteX213" fmla="*/ 11067782 w 12192000"/>
+              <a:gd name="connsiteY213" fmla="*/ 155575 h 1787292"/>
+              <a:gd name="connsiteX214" fmla="*/ 11113820 w 12192000"/>
+              <a:gd name="connsiteY214" fmla="*/ 141287 h 1787292"/>
+              <a:gd name="connsiteX215" fmla="*/ 11155096 w 12192000"/>
+              <a:gd name="connsiteY215" fmla="*/ 125412 h 1787292"/>
+              <a:gd name="connsiteX216" fmla="*/ 11191608 w 12192000"/>
+              <a:gd name="connsiteY216" fmla="*/ 106362 h 1787292"/>
+              <a:gd name="connsiteX217" fmla="*/ 11229708 w 12192000"/>
+              <a:gd name="connsiteY217" fmla="*/ 87312 h 1787292"/>
+              <a:gd name="connsiteX218" fmla="*/ 11267808 w 12192000"/>
+              <a:gd name="connsiteY218" fmla="*/ 68262 h 1787292"/>
+              <a:gd name="connsiteX219" fmla="*/ 11304320 w 12192000"/>
+              <a:gd name="connsiteY219" fmla="*/ 52387 h 1787292"/>
+              <a:gd name="connsiteX220" fmla="*/ 11345596 w 12192000"/>
+              <a:gd name="connsiteY220" fmla="*/ 36512 h 1787292"/>
+              <a:gd name="connsiteX221" fmla="*/ 11391632 w 12192000"/>
+              <a:gd name="connsiteY221" fmla="*/ 20637 h 1787292"/>
+              <a:gd name="connsiteX222" fmla="*/ 11444020 w 12192000"/>
+              <a:gd name="connsiteY222" fmla="*/ 9525 h 1787292"/>
+              <a:gd name="connsiteX223" fmla="*/ 11504346 w 12192000"/>
+              <a:gd name="connsiteY223" fmla="*/ 3175 h 1787292"/>
+              <a:gd name="connsiteX224" fmla="*/ 11572608 w 12192000"/>
+              <a:gd name="connsiteY224" fmla="*/ 0 h 1787292"/>
+              <a:gd name="connsiteX225" fmla="*/ 11640870 w 12192000"/>
+              <a:gd name="connsiteY225" fmla="*/ 3175 h 1787292"/>
+              <a:gd name="connsiteX226" fmla="*/ 11701196 w 12192000"/>
+              <a:gd name="connsiteY226" fmla="*/ 9525 h 1787292"/>
+              <a:gd name="connsiteX227" fmla="*/ 11753582 w 12192000"/>
+              <a:gd name="connsiteY227" fmla="*/ 20637 h 1787292"/>
+              <a:gd name="connsiteX228" fmla="*/ 11799620 w 12192000"/>
+              <a:gd name="connsiteY228" fmla="*/ 36512 h 1787292"/>
+              <a:gd name="connsiteX229" fmla="*/ 11840896 w 12192000"/>
+              <a:gd name="connsiteY229" fmla="*/ 52387 h 1787292"/>
+              <a:gd name="connsiteX230" fmla="*/ 11877408 w 12192000"/>
+              <a:gd name="connsiteY230" fmla="*/ 68262 h 1787292"/>
+              <a:gd name="connsiteX231" fmla="*/ 11915508 w 12192000"/>
+              <a:gd name="connsiteY231" fmla="*/ 87312 h 1787292"/>
+              <a:gd name="connsiteX232" fmla="*/ 11953608 w 12192000"/>
+              <a:gd name="connsiteY232" fmla="*/ 106362 h 1787292"/>
+              <a:gd name="connsiteX233" fmla="*/ 11990120 w 12192000"/>
+              <a:gd name="connsiteY233" fmla="*/ 125412 h 1787292"/>
+              <a:gd name="connsiteX234" fmla="*/ 12031396 w 12192000"/>
+              <a:gd name="connsiteY234" fmla="*/ 141287 h 1787292"/>
+              <a:gd name="connsiteX235" fmla="*/ 12077432 w 12192000"/>
+              <a:gd name="connsiteY235" fmla="*/ 155575 h 1787292"/>
+              <a:gd name="connsiteX236" fmla="*/ 12129820 w 12192000"/>
+              <a:gd name="connsiteY236" fmla="*/ 166688 h 1787292"/>
+              <a:gd name="connsiteX237" fmla="*/ 12190146 w 12192000"/>
+              <a:gd name="connsiteY237" fmla="*/ 174625 h 1787292"/>
+              <a:gd name="connsiteX238" fmla="*/ 12192000 w 12192000"/>
+              <a:gd name="connsiteY238" fmla="*/ 174668 h 1787292"/>
+              <a:gd name="connsiteX239" fmla="*/ 12192000 w 12192000"/>
+              <a:gd name="connsiteY239" fmla="*/ 885826 h 1787292"/>
+              <a:gd name="connsiteX240" fmla="*/ 12192000 w 12192000"/>
+              <a:gd name="connsiteY240" fmla="*/ 1787292 h 1787292"/>
+              <a:gd name="connsiteX241" fmla="*/ 0 w 12192000"/>
+              <a:gd name="connsiteY241" fmla="*/ 1787292 h 1787292"/>
+              <a:gd name="connsiteX242" fmla="*/ 0 w 12192000"/>
+              <a:gd name="connsiteY242" fmla="*/ 885826 h 1787292"/>
+              <a:gd name="connsiteX243" fmla="*/ 0 w 12192000"/>
+              <a:gd name="connsiteY243" fmla="*/ 174668 h 1787292"/>
+              <a:gd name="connsiteX244" fmla="*/ 1852 w 12192000"/>
+              <a:gd name="connsiteY244" fmla="*/ 174625 h 1787292"/>
+              <a:gd name="connsiteX245" fmla="*/ 62177 w 12192000"/>
+              <a:gd name="connsiteY245" fmla="*/ 166687 h 1787292"/>
+              <a:gd name="connsiteX246" fmla="*/ 114564 w 12192000"/>
+              <a:gd name="connsiteY246" fmla="*/ 155575 h 1787292"/>
+              <a:gd name="connsiteX247" fmla="*/ 160602 w 12192000"/>
+              <a:gd name="connsiteY247" fmla="*/ 141287 h 1787292"/>
+              <a:gd name="connsiteX248" fmla="*/ 201877 w 12192000"/>
+              <a:gd name="connsiteY248" fmla="*/ 125412 h 1787292"/>
+              <a:gd name="connsiteX249" fmla="*/ 238389 w 12192000"/>
+              <a:gd name="connsiteY249" fmla="*/ 106362 h 1787292"/>
+              <a:gd name="connsiteX250" fmla="*/ 276489 w 12192000"/>
+              <a:gd name="connsiteY250" fmla="*/ 87312 h 1787292"/>
+              <a:gd name="connsiteX251" fmla="*/ 314589 w 12192000"/>
+              <a:gd name="connsiteY251" fmla="*/ 68262 h 1787292"/>
+              <a:gd name="connsiteX252" fmla="*/ 351102 w 12192000"/>
+              <a:gd name="connsiteY252" fmla="*/ 52387 h 1787292"/>
+              <a:gd name="connsiteX253" fmla="*/ 392377 w 12192000"/>
+              <a:gd name="connsiteY253" fmla="*/ 36512 h 1787292"/>
+              <a:gd name="connsiteX254" fmla="*/ 438414 w 12192000"/>
+              <a:gd name="connsiteY254" fmla="*/ 20637 h 1787292"/>
+              <a:gd name="connsiteX255" fmla="*/ 490802 w 12192000"/>
+              <a:gd name="connsiteY255" fmla="*/ 9525 h 1787292"/>
+              <a:gd name="connsiteX256" fmla="*/ 551127 w 12192000"/>
+              <a:gd name="connsiteY256" fmla="*/ 3175 h 1787292"/>
+            </a:gdLst>
+            <a:ahLst/>
+            <a:cxnLst>
+              <a:cxn ang="0">
+                <a:pos x="connsiteX0" y="connsiteY0"/>
+              </a:cxn>
+              <a:cxn ang="0">
+                <a:pos x="connsiteX1" y="connsiteY1"/>
+              </a:cxn>
+              <a:cxn ang="0">
+                <a:pos x="connsiteX2" y="connsiteY2"/>
+              </a:cxn>
+              <a:cxn ang="0">
+                <a:pos x="connsiteX3" y="connsiteY3"/>
+              </a:cxn>
+              <a:cxn ang="0">
+                <a:pos x="connsiteX4" y="connsiteY4"/>
+              </a:cxn>
+              <a:cxn ang="0">
+                <a:pos x="connsiteX5" y="connsiteY5"/>
+              </a:cxn>
+              <a:cxn ang="0">
+                <a:pos x="connsiteX6" y="connsiteY6"/>
+              </a:cxn>
+              <a:cxn ang="0">
+                <a:pos x="connsiteX7" y="connsiteY7"/>
+              </a:cxn>
+              <a:cxn ang="0">
+                <a:pos x="connsiteX8" y="connsiteY8"/>
+              </a:cxn>
+              <a:cxn ang="0">
+                <a:pos x="connsiteX9" y="connsiteY9"/>
+              </a:cxn>
+              <a:cxn ang="0">
+                <a:pos x="connsiteX10" y="connsiteY10"/>
+              </a:cxn>
+              <a:cxn ang="0">
+                <a:pos x="connsiteX11" y="connsiteY11"/>
+              </a:cxn>
+              <a:cxn ang="0">
+                <a:pos x="connsiteX12" y="connsiteY12"/>
+              </a:cxn>
+              <a:cxn ang="0">
+                <a:pos x="connsiteX13" y="connsiteY13"/>
+              </a:cxn>
+              <a:cxn ang="0">
+                <a:pos x="connsiteX14" y="connsiteY14"/>
+              </a:cxn>
+              <a:cxn ang="0">
+                <a:pos x="connsiteX15" y="connsiteY15"/>
+              </a:cxn>
+              <a:cxn ang="0">
+                <a:pos x="connsiteX16" y="connsiteY16"/>
+              </a:cxn>
+              <a:cxn ang="0">
+                <a:pos x="connsiteX17" y="connsiteY17"/>
+              </a:cxn>
+              <a:cxn ang="0">
+                <a:pos x="connsiteX18" y="connsiteY18"/>
+              </a:cxn>
+              <a:cxn ang="0">
+                <a:pos x="connsiteX19" y="connsiteY19"/>
+              </a:cxn>
+              <a:cxn ang="0">
+                <a:pos x="connsiteX20" y="connsiteY20"/>
+              </a:cxn>
+              <a:cxn ang="0">
+                <a:pos x="connsiteX21" y="connsiteY21"/>
+              </a:cxn>
+              <a:cxn ang="0">
+                <a:pos x="connsiteX22" y="connsiteY22"/>
+              </a:cxn>
+              <a:cxn ang="0">
+                <a:pos x="connsiteX23" y="connsiteY23"/>
+              </a:cxn>
+              <a:cxn ang="0">
+                <a:pos x="connsiteX24" y="connsiteY24"/>
+              </a:cxn>
+              <a:cxn ang="0">
+                <a:pos x="connsiteX25" y="connsiteY25"/>
+              </a:cxn>
+              <a:cxn ang="0">
+                <a:pos x="connsiteX26" y="connsiteY26"/>
+              </a:cxn>
+              <a:cxn ang="0">
+                <a:pos x="connsiteX27" y="connsiteY27"/>
+              </a:cxn>
+              <a:cxn ang="0">
+                <a:pos x="connsiteX28" y="connsiteY28"/>
+              </a:cxn>
+              <a:cxn ang="0">
+                <a:pos x="connsiteX29" y="connsiteY29"/>
+              </a:cxn>
+              <a:cxn ang="0">
+                <a:pos x="connsiteX30" y="connsiteY30"/>
+              </a:cxn>
+              <a:cxn ang="0">
+                <a:pos x="connsiteX31" y="connsiteY31"/>
+              </a:cxn>
+              <a:cxn ang="0">
+                <a:pos x="connsiteX32" y="connsiteY32"/>
+              </a:cxn>
+              <a:cxn ang="0">
+                <a:pos x="connsiteX33" y="connsiteY33"/>
+              </a:cxn>
+              <a:cxn ang="0">
+                <a:pos x="connsiteX34" y="connsiteY34"/>
+              </a:cxn>
+              <a:cxn ang="0">
+                <a:pos x="connsiteX35" y="connsiteY35"/>
+              </a:cxn>
+              <a:cxn ang="0">
+                <a:pos x="connsiteX36" y="connsiteY36"/>
+              </a:cxn>
+              <a:cxn ang="0">
+                <a:pos x="connsiteX37" y="connsiteY37"/>
+              </a:cxn>
+              <a:cxn ang="0">
+                <a:pos x="connsiteX38" y="connsiteY38"/>
+              </a:cxn>
+              <a:cxn ang="0">
+                <a:pos x="connsiteX39" y="connsiteY39"/>
+              </a:cxn>
+              <a:cxn ang="0">
+                <a:pos x="connsiteX40" y="connsiteY40"/>
+              </a:cxn>
+              <a:cxn ang="0">
+                <a:pos x="connsiteX41" y="connsiteY41"/>
+              </a:cxn>
+              <a:cxn ang="0">
+                <a:pos x="connsiteX42" y="connsiteY42"/>
+              </a:cxn>
+              <a:cxn ang="0">
+                <a:pos x="connsiteX43" y="connsiteY43"/>
+              </a:cxn>
+              <a:cxn ang="0">
+                <a:pos x="connsiteX44" y="connsiteY44"/>
+              </a:cxn>
+              <a:cxn ang="0">
+                <a:pos x="connsiteX45" y="connsiteY45"/>
+              </a:cxn>
+              <a:cxn ang="0">
+                <a:pos x="connsiteX46" y="connsiteY46"/>
+              </a:cxn>
+              <a:cxn ang="0">
+                <a:pos x="connsiteX47" y="connsiteY47"/>
+              </a:cxn>
+              <a:cxn ang="0">
+                <a:pos x="connsiteX48" y="connsiteY48"/>
+              </a:cxn>
+              <a:cxn ang="0">
+                <a:pos x="connsiteX49" y="connsiteY49"/>
+              </a:cxn>
+              <a:cxn ang="0">
+                <a:pos x="connsiteX50" y="connsiteY50"/>
+              </a:cxn>
+              <a:cxn ang="0">
+                <a:pos x="connsiteX51" y="connsiteY51"/>
+              </a:cxn>
+              <a:cxn ang="0">
+                <a:pos x="connsiteX52" y="connsiteY52"/>
+              </a:cxn>
+              <a:cxn ang="0">
+                <a:pos x="connsiteX53" y="connsiteY53"/>
+              </a:cxn>
+              <a:cxn ang="0">
+                <a:pos x="connsiteX54" y="connsiteY54"/>
+              </a:cxn>
+              <a:cxn ang="0">
+                <a:pos x="connsiteX55" y="connsiteY55"/>
+              </a:cxn>
+              <a:cxn ang="0">
+                <a:pos x="connsiteX56" y="connsiteY56"/>
+              </a:cxn>
+              <a:cxn ang="0">
+                <a:pos x="connsiteX57" y="connsiteY57"/>
+              </a:cxn>
+              <a:cxn ang="0">
+                <a:pos x="connsiteX58" y="connsiteY58"/>
+              </a:cxn>
+              <a:cxn ang="0">
+                <a:pos x="connsiteX59" y="connsiteY59"/>
+              </a:cxn>
+              <a:cxn ang="0">
+                <a:pos x="connsiteX60" y="connsiteY60"/>
+              </a:cxn>
+              <a:cxn ang="0">
+                <a:pos x="connsiteX61" y="connsiteY61"/>
+              </a:cxn>
+              <a:cxn ang="0">
+                <a:pos x="connsiteX62" y="connsiteY62"/>
+              </a:cxn>
+              <a:cxn ang="0">
+                <a:pos x="connsiteX63" y="connsiteY63"/>
+              </a:cxn>
+              <a:cxn ang="0">
+                <a:pos x="connsiteX64" y="connsiteY64"/>
+              </a:cxn>
+              <a:cxn ang="0">
+                <a:pos x="connsiteX65" y="connsiteY65"/>
+              </a:cxn>
+              <a:cxn ang="0">
+                <a:pos x="connsiteX66" y="connsiteY66"/>
+              </a:cxn>
+              <a:cxn ang="0">
+                <a:pos x="connsiteX67" y="connsiteY67"/>
+              </a:cxn>
+              <a:cxn ang="0">
+                <a:pos x="connsiteX68" y="connsiteY68"/>
+              </a:cxn>
+              <a:cxn ang="0">
+                <a:pos x="connsiteX69" y="connsiteY69"/>
+              </a:cxn>
+              <a:cxn ang="0">
+                <a:pos x="connsiteX70" y="connsiteY70"/>
+              </a:cxn>
+              <a:cxn ang="0">
+                <a:pos x="connsiteX71" y="connsiteY71"/>
+              </a:cxn>
+              <a:cxn ang="0">
+                <a:pos x="connsiteX72" y="connsiteY72"/>
+              </a:cxn>
+              <a:cxn ang="0">
+                <a:pos x="connsiteX73" y="connsiteY73"/>
+              </a:cxn>
+              <a:cxn ang="0">
+                <a:pos x="connsiteX74" y="connsiteY74"/>
+              </a:cxn>
+              <a:cxn ang="0">
+                <a:pos x="connsiteX75" y="connsiteY75"/>
+              </a:cxn>
+              <a:cxn ang="0">
+                <a:pos x="connsiteX76" y="connsiteY76"/>
+              </a:cxn>
+              <a:cxn ang="0">
+                <a:pos x="connsiteX77" y="connsiteY77"/>
+              </a:cxn>
+              <a:cxn ang="0">
+                <a:pos x="connsiteX78" y="connsiteY78"/>
+              </a:cxn>
+              <a:cxn ang="0">
+                <a:pos x="connsiteX79" y="connsiteY79"/>
+              </a:cxn>
+              <a:cxn ang="0">
+                <a:pos x="connsiteX80" y="connsiteY80"/>
+              </a:cxn>
+              <a:cxn ang="0">
+                <a:pos x="connsiteX81" y="connsiteY81"/>
+              </a:cxn>
+              <a:cxn ang="0">
+                <a:pos x="connsiteX82" y="connsiteY82"/>
+              </a:cxn>
+              <a:cxn ang="0">
+                <a:pos x="connsiteX83" y="connsiteY83"/>
+              </a:cxn>
+              <a:cxn ang="0">
+                <a:pos x="connsiteX84" y="connsiteY84"/>
+              </a:cxn>
+              <a:cxn ang="0">
+                <a:pos x="connsiteX85" y="connsiteY85"/>
+              </a:cxn>
+              <a:cxn ang="0">
+                <a:pos x="connsiteX86" y="connsiteY86"/>
+              </a:cxn>
+              <a:cxn ang="0">
+                <a:pos x="connsiteX87" y="connsiteY87"/>
+              </a:cxn>
+              <a:cxn ang="0">
+                <a:pos x="connsiteX88" y="connsiteY88"/>
+              </a:cxn>
+              <a:cxn ang="0">
+                <a:pos x="connsiteX89" y="connsiteY89"/>
+              </a:cxn>
+              <a:cxn ang="0">
+                <a:pos x="connsiteX90" y="connsiteY90"/>
+              </a:cxn>
+              <a:cxn ang="0">
+                <a:pos x="connsiteX91" y="connsiteY91"/>
+              </a:cxn>
+              <a:cxn ang="0">
+                <a:pos x="connsiteX92" y="connsiteY92"/>
+              </a:cxn>
+              <a:cxn ang="0">
+                <a:pos x="connsiteX93" y="connsiteY93"/>
+              </a:cxn>
+              <a:cxn ang="0">
+                <a:pos x="connsiteX94" y="connsiteY94"/>
+              </a:cxn>
+              <a:cxn ang="0">
+                <a:pos x="connsiteX95" y="connsiteY95"/>
+              </a:cxn>
+              <a:cxn ang="0">
+                <a:pos x="connsiteX96" y="connsiteY96"/>
+              </a:cxn>
+              <a:cxn ang="0">
+                <a:pos x="connsiteX97" y="connsiteY97"/>
+              </a:cxn>
+              <a:cxn ang="0">
+                <a:pos x="connsiteX98" y="connsiteY98"/>
+              </a:cxn>
+              <a:cxn ang="0">
+                <a:pos x="connsiteX99" y="connsiteY99"/>
+              </a:cxn>
+              <a:cxn ang="0">
+                <a:pos x="connsiteX100" y="connsiteY100"/>
+              </a:cxn>
+              <a:cxn ang="0">
+                <a:pos x="connsiteX101" y="connsiteY101"/>
+              </a:cxn>
+              <a:cxn ang="0">
+                <a:pos x="connsiteX102" y="connsiteY102"/>
+              </a:cxn>
+              <a:cxn ang="0">
+                <a:pos x="connsiteX103" y="connsiteY103"/>
+              </a:cxn>
+              <a:cxn ang="0">
+                <a:pos x="connsiteX104" y="connsiteY104"/>
+              </a:cxn>
+              <a:cxn ang="0">
+                <a:pos x="connsiteX105" y="connsiteY105"/>
+              </a:cxn>
+              <a:cxn ang="0">
+                <a:pos x="connsiteX106" y="connsiteY106"/>
+              </a:cxn>
+              <a:cxn ang="0">
+                <a:pos x="connsiteX107" y="connsiteY107"/>
+              </a:cxn>
+              <a:cxn ang="0">
+                <a:pos x="connsiteX108" y="connsiteY108"/>
+              </a:cxn>
+              <a:cxn ang="0">
+                <a:pos x="connsiteX109" y="connsiteY109"/>
+              </a:cxn>
+              <a:cxn ang="0">
+                <a:pos x="connsiteX110" y="connsiteY110"/>
+              </a:cxn>
+              <a:cxn ang="0">
+                <a:pos x="connsiteX111" y="connsiteY111"/>
+              </a:cxn>
+              <a:cxn ang="0">
+                <a:pos x="connsiteX112" y="connsiteY112"/>
+              </a:cxn>
+              <a:cxn ang="0">
+                <a:pos x="connsiteX113" y="connsiteY113"/>
+              </a:cxn>
+              <a:cxn ang="0">
+                <a:pos x="connsiteX114" y="connsiteY114"/>
+              </a:cxn>
+              <a:cxn ang="0">
+                <a:pos x="connsiteX115" y="connsiteY115"/>
+              </a:cxn>
+              <a:cxn ang="0">
+                <a:pos x="connsiteX116" y="connsiteY116"/>
+              </a:cxn>
+              <a:cxn ang="0">
+                <a:pos x="connsiteX117" y="connsiteY117"/>
+              </a:cxn>
+              <a:cxn ang="0">
+                <a:pos x="connsiteX118" y="connsiteY118"/>
+              </a:cxn>
+              <a:cxn ang="0">
+                <a:pos x="connsiteX119" y="connsiteY119"/>
+              </a:cxn>
+              <a:cxn ang="0">
+                <a:pos x="connsiteX120" y="connsiteY120"/>
+              </a:cxn>
+              <a:cxn ang="0">
+                <a:pos x="connsiteX121" y="connsiteY121"/>
+              </a:cxn>
+              <a:cxn ang="0">
+                <a:pos x="connsiteX122" y="connsiteY122"/>
+              </a:cxn>
+              <a:cxn ang="0">
+                <a:pos x="connsiteX123" y="connsiteY123"/>
+              </a:cxn>
+              <a:cxn ang="0">
+                <a:pos x="connsiteX124" y="connsiteY124"/>
+              </a:cxn>
+              <a:cxn ang="0">
+                <a:pos x="connsiteX125" y="connsiteY125"/>
+              </a:cxn>
+              <a:cxn ang="0">
+                <a:pos x="connsiteX126" y="connsiteY126"/>
+              </a:cxn>
+              <a:cxn ang="0">
+                <a:pos x="connsiteX127" y="connsiteY127"/>
+              </a:cxn>
+              <a:cxn ang="0">
+                <a:pos x="connsiteX128" y="connsiteY128"/>
+              </a:cxn>
+              <a:cxn ang="0">
+                <a:pos x="connsiteX129" y="connsiteY129"/>
+              </a:cxn>
+              <a:cxn ang="0">
+                <a:pos x="connsiteX130" y="connsiteY130"/>
+              </a:cxn>
+              <a:cxn ang="0">
+                <a:pos x="connsiteX131" y="connsiteY131"/>
+              </a:cxn>
+              <a:cxn ang="0">
+                <a:pos x="connsiteX132" y="connsiteY132"/>
+              </a:cxn>
+              <a:cxn ang="0">
+                <a:pos x="connsiteX133" y="connsiteY133"/>
+              </a:cxn>
+              <a:cxn ang="0">
+                <a:pos x="connsiteX134" y="connsiteY134"/>
+              </a:cxn>
+              <a:cxn ang="0">
+                <a:pos x="connsiteX135" y="connsiteY135"/>
+              </a:cxn>
+              <a:cxn ang="0">
+                <a:pos x="connsiteX136" y="connsiteY136"/>
+              </a:cxn>
+              <a:cxn ang="0">
+                <a:pos x="connsiteX137" y="connsiteY137"/>
+              </a:cxn>
+              <a:cxn ang="0">
+                <a:pos x="connsiteX138" y="connsiteY138"/>
+              </a:cxn>
+              <a:cxn ang="0">
+                <a:pos x="connsiteX139" y="connsiteY139"/>
+              </a:cxn>
+              <a:cxn ang="0">
+                <a:pos x="connsiteX140" y="connsiteY140"/>
+              </a:cxn>
+              <a:cxn ang="0">
+                <a:pos x="connsiteX141" y="connsiteY141"/>
+              </a:cxn>
+              <a:cxn ang="0">
+                <a:pos x="connsiteX142" y="connsiteY142"/>
+              </a:cxn>
+              <a:cxn ang="0">
+                <a:pos x="connsiteX143" y="connsiteY143"/>
+              </a:cxn>
+              <a:cxn ang="0">
+                <a:pos x="connsiteX144" y="connsiteY144"/>
+              </a:cxn>
+              <a:cxn ang="0">
+                <a:pos x="connsiteX145" y="connsiteY145"/>
+              </a:cxn>
+              <a:cxn ang="0">
+                <a:pos x="connsiteX146" y="connsiteY146"/>
+              </a:cxn>
+              <a:cxn ang="0">
+                <a:pos x="connsiteX147" y="connsiteY147"/>
+              </a:cxn>
+              <a:cxn ang="0">
+                <a:pos x="connsiteX148" y="connsiteY148"/>
+              </a:cxn>
+              <a:cxn ang="0">
+                <a:pos x="connsiteX149" y="connsiteY149"/>
+              </a:cxn>
+              <a:cxn ang="0">
+                <a:pos x="connsiteX150" y="connsiteY150"/>
+              </a:cxn>
+              <a:cxn ang="0">
+                <a:pos x="connsiteX151" y="connsiteY151"/>
+              </a:cxn>
+              <a:cxn ang="0">
+                <a:pos x="connsiteX152" y="connsiteY152"/>
+              </a:cxn>
+              <a:cxn ang="0">
+                <a:pos x="connsiteX153" y="connsiteY153"/>
+              </a:cxn>
+              <a:cxn ang="0">
+                <a:pos x="connsiteX154" y="connsiteY154"/>
+              </a:cxn>
+              <a:cxn ang="0">
+                <a:pos x="connsiteX155" y="connsiteY155"/>
+              </a:cxn>
+              <a:cxn ang="0">
+                <a:pos x="connsiteX156" y="connsiteY156"/>
+              </a:cxn>
+              <a:cxn ang="0">
+                <a:pos x="connsiteX157" y="connsiteY157"/>
+              </a:cxn>
+              <a:cxn ang="0">
+                <a:pos x="connsiteX158" y="connsiteY158"/>
+              </a:cxn>
+              <a:cxn ang="0">
+                <a:pos x="connsiteX159" y="connsiteY159"/>
+              </a:cxn>
+              <a:cxn ang="0">
+                <a:pos x="connsiteX160" y="connsiteY160"/>
+              </a:cxn>
+              <a:cxn ang="0">
+                <a:pos x="connsiteX161" y="connsiteY161"/>
+              </a:cxn>
+              <a:cxn ang="0">
+                <a:pos x="connsiteX162" y="connsiteY162"/>
+              </a:cxn>
+              <a:cxn ang="0">
+                <a:pos x="connsiteX163" y="connsiteY163"/>
+              </a:cxn>
+              <a:cxn ang="0">
+                <a:pos x="connsiteX164" y="connsiteY164"/>
+              </a:cxn>
+              <a:cxn ang="0">
+                <a:pos x="connsiteX165" y="connsiteY165"/>
+              </a:cxn>
+              <a:cxn ang="0">
+                <a:pos x="connsiteX166" y="connsiteY166"/>
+              </a:cxn>
+              <a:cxn ang="0">
+                <a:pos x="connsiteX167" y="connsiteY167"/>
+              </a:cxn>
+              <a:cxn ang="0">
+                <a:pos x="connsiteX168" y="connsiteY168"/>
+              </a:cxn>
+              <a:cxn ang="0">
+                <a:pos x="connsiteX169" y="connsiteY169"/>
+              </a:cxn>
+              <a:cxn ang="0">
+                <a:pos x="connsiteX170" y="connsiteY170"/>
+              </a:cxn>
+              <a:cxn ang="0">
+                <a:pos x="connsiteX171" y="connsiteY171"/>
+              </a:cxn>
+              <a:cxn ang="0">
+                <a:pos x="connsiteX172" y="connsiteY172"/>
+              </a:cxn>
+              <a:cxn ang="0">
+                <a:pos x="connsiteX173" y="connsiteY173"/>
+              </a:cxn>
+              <a:cxn ang="0">
+                <a:pos x="connsiteX174" y="connsiteY174"/>
+              </a:cxn>
+              <a:cxn ang="0">
+                <a:pos x="connsiteX175" y="connsiteY175"/>
+              </a:cxn>
+              <a:cxn ang="0">
+                <a:pos x="connsiteX176" y="connsiteY176"/>
+              </a:cxn>
+              <a:cxn ang="0">
+                <a:pos x="connsiteX177" y="connsiteY177"/>
+              </a:cxn>
+              <a:cxn ang="0">
+                <a:pos x="connsiteX178" y="connsiteY178"/>
+              </a:cxn>
+              <a:cxn ang="0">
+                <a:pos x="connsiteX179" y="connsiteY179"/>
+              </a:cxn>
+              <a:cxn ang="0">
+                <a:pos x="connsiteX180" y="connsiteY180"/>
+              </a:cxn>
+              <a:cxn ang="0">
+                <a:pos x="connsiteX181" y="connsiteY181"/>
+              </a:cxn>
+              <a:cxn ang="0">
+                <a:pos x="connsiteX182" y="connsiteY182"/>
+              </a:cxn>
+              <a:cxn ang="0">
+                <a:pos x="connsiteX183" y="connsiteY183"/>
+              </a:cxn>
+              <a:cxn ang="0">
+                <a:pos x="connsiteX184" y="connsiteY184"/>
+              </a:cxn>
+              <a:cxn ang="0">
+                <a:pos x="connsiteX185" y="connsiteY185"/>
+              </a:cxn>
+              <a:cxn ang="0">
+                <a:pos x="connsiteX186" y="connsiteY186"/>
+              </a:cxn>
+              <a:cxn ang="0">
+                <a:pos x="connsiteX187" y="connsiteY187"/>
+              </a:cxn>
+              <a:cxn ang="0">
+                <a:pos x="connsiteX188" y="connsiteY188"/>
+              </a:cxn>
+              <a:cxn ang="0">
+                <a:pos x="connsiteX189" y="connsiteY189"/>
+              </a:cxn>
+              <a:cxn ang="0">
+                <a:pos x="connsiteX190" y="connsiteY190"/>
+              </a:cxn>
+              <a:cxn ang="0">
+                <a:pos x="connsiteX191" y="connsiteY191"/>
+              </a:cxn>
+              <a:cxn ang="0">
+                <a:pos x="connsiteX192" y="connsiteY192"/>
+              </a:cxn>
+              <a:cxn ang="0">
+                <a:pos x="connsiteX193" y="connsiteY193"/>
+              </a:cxn>
+              <a:cxn ang="0">
+                <a:pos x="connsiteX194" y="connsiteY194"/>
+              </a:cxn>
+              <a:cxn ang="0">
+                <a:pos x="connsiteX195" y="connsiteY195"/>
+              </a:cxn>
+              <a:cxn ang="0">
+                <a:pos x="connsiteX196" y="connsiteY196"/>
+              </a:cxn>
+              <a:cxn ang="0">
+                <a:pos x="connsiteX197" y="connsiteY197"/>
+              </a:cxn>
+              <a:cxn ang="0">
+                <a:pos x="connsiteX198" y="connsiteY198"/>
+              </a:cxn>
+              <a:cxn ang="0">
+                <a:pos x="connsiteX199" y="connsiteY199"/>
+              </a:cxn>
+              <a:cxn ang="0">
+                <a:pos x="connsiteX200" y="connsiteY200"/>
+              </a:cxn>
+              <a:cxn ang="0">
+                <a:pos x="connsiteX201" y="connsiteY201"/>
+              </a:cxn>
+              <a:cxn ang="0">
+                <a:pos x="connsiteX202" y="connsiteY202"/>
+              </a:cxn>
+              <a:cxn ang="0">
+                <a:pos x="connsiteX203" y="connsiteY203"/>
+              </a:cxn>
+              <a:cxn ang="0">
+                <a:pos x="connsiteX204" y="connsiteY204"/>
+              </a:cxn>
+              <a:cxn ang="0">
+                <a:pos x="connsiteX205" y="connsiteY205"/>
+              </a:cxn>
+              <a:cxn ang="0">
+                <a:pos x="connsiteX206" y="connsiteY206"/>
+              </a:cxn>
+              <a:cxn ang="0">
+                <a:pos x="connsiteX207" y="connsiteY207"/>
+              </a:cxn>
+              <a:cxn ang="0">
+                <a:pos x="connsiteX208" y="connsiteY208"/>
+              </a:cxn>
+              <a:cxn ang="0">
+                <a:pos x="connsiteX209" y="connsiteY209"/>
+              </a:cxn>
+              <a:cxn ang="0">
+                <a:pos x="connsiteX210" y="connsiteY210"/>
+              </a:cxn>
+              <a:cxn ang="0">
+                <a:pos x="connsiteX211" y="connsiteY211"/>
+              </a:cxn>
+              <a:cxn ang="0">
+                <a:pos x="connsiteX212" y="connsiteY212"/>
+              </a:cxn>
+              <a:cxn ang="0">
+                <a:pos x="connsiteX213" y="connsiteY213"/>
+              </a:cxn>
+              <a:cxn ang="0">
+                <a:pos x="connsiteX214" y="connsiteY214"/>
+              </a:cxn>
+              <a:cxn ang="0">
+                <a:pos x="connsiteX215" y="connsiteY215"/>
+              </a:cxn>
+              <a:cxn ang="0">
+                <a:pos x="connsiteX216" y="connsiteY216"/>
+              </a:cxn>
+              <a:cxn ang="0">
+                <a:pos x="connsiteX217" y="connsiteY217"/>
+              </a:cxn>
+              <a:cxn ang="0">
+                <a:pos x="connsiteX218" y="connsiteY218"/>
+              </a:cxn>
+              <a:cxn ang="0">
+                <a:pos x="connsiteX219" y="connsiteY219"/>
+              </a:cxn>
+              <a:cxn ang="0">
+                <a:pos x="connsiteX220" y="connsiteY220"/>
+              </a:cxn>
+              <a:cxn ang="0">
+                <a:pos x="connsiteX221" y="connsiteY221"/>
+              </a:cxn>
+              <a:cxn ang="0">
+                <a:pos x="connsiteX222" y="connsiteY222"/>
+              </a:cxn>
+              <a:cxn ang="0">
+                <a:pos x="connsiteX223" y="connsiteY223"/>
+              </a:cxn>
+              <a:cxn ang="0">
+                <a:pos x="connsiteX224" y="connsiteY224"/>
+              </a:cxn>
+              <a:cxn ang="0">
+                <a:pos x="connsiteX225" y="connsiteY225"/>
+              </a:cxn>
+              <a:cxn ang="0">
+                <a:pos x="connsiteX226" y="connsiteY226"/>
+              </a:cxn>
+              <a:cxn ang="0">
+                <a:pos x="connsiteX227" y="connsiteY227"/>
+              </a:cxn>
+              <a:cxn ang="0">
+                <a:pos x="connsiteX228" y="connsiteY228"/>
+              </a:cxn>
+              <a:cxn ang="0">
+                <a:pos x="connsiteX229" y="connsiteY229"/>
+              </a:cxn>
+              <a:cxn ang="0">
+                <a:pos x="connsiteX230" y="connsiteY230"/>
+              </a:cxn>
+              <a:cxn ang="0">
+                <a:pos x="connsiteX231" y="connsiteY231"/>
+              </a:cxn>
+              <a:cxn ang="0">
+                <a:pos x="connsiteX232" y="connsiteY232"/>
+              </a:cxn>
+              <a:cxn ang="0">
+                <a:pos x="connsiteX233" y="connsiteY233"/>
+              </a:cxn>
+              <a:cxn ang="0">
+                <a:pos x="connsiteX234" y="connsiteY234"/>
+              </a:cxn>
+              <a:cxn ang="0">
+                <a:pos x="connsiteX235" y="connsiteY235"/>
+              </a:cxn>
+              <a:cxn ang="0">
+                <a:pos x="connsiteX236" y="connsiteY236"/>
+              </a:cxn>
+              <a:cxn ang="0">
+                <a:pos x="connsiteX237" y="connsiteY237"/>
+              </a:cxn>
+              <a:cxn ang="0">
+                <a:pos x="connsiteX238" y="connsiteY238"/>
+              </a:cxn>
+              <a:cxn ang="0">
+                <a:pos x="connsiteX239" y="connsiteY239"/>
+              </a:cxn>
+              <a:cxn ang="0">
+                <a:pos x="connsiteX240" y="connsiteY240"/>
+              </a:cxn>
+              <a:cxn ang="0">
+                <a:pos x="connsiteX241" y="connsiteY241"/>
+              </a:cxn>
+              <a:cxn ang="0">
+                <a:pos x="connsiteX242" y="connsiteY242"/>
+              </a:cxn>
+              <a:cxn ang="0">
+                <a:pos x="connsiteX243" y="connsiteY243"/>
+              </a:cxn>
+              <a:cxn ang="0">
+                <a:pos x="connsiteX244" y="connsiteY244"/>
+              </a:cxn>
+              <a:cxn ang="0">
+                <a:pos x="connsiteX245" y="connsiteY245"/>
+              </a:cxn>
+              <a:cxn ang="0">
+                <a:pos x="connsiteX246" y="connsiteY246"/>
+              </a:cxn>
+              <a:cxn ang="0">
+                <a:pos x="connsiteX247" y="connsiteY247"/>
+              </a:cxn>
+              <a:cxn ang="0">
+                <a:pos x="connsiteX248" y="connsiteY248"/>
+              </a:cxn>
+              <a:cxn ang="0">
+                <a:pos x="connsiteX249" y="connsiteY249"/>
+              </a:cxn>
+              <a:cxn ang="0">
+                <a:pos x="connsiteX250" y="connsiteY250"/>
+              </a:cxn>
+              <a:cxn ang="0">
+                <a:pos x="connsiteX251" y="connsiteY251"/>
+              </a:cxn>
+              <a:cxn ang="0">
+                <a:pos x="connsiteX252" y="connsiteY252"/>
+              </a:cxn>
+              <a:cxn ang="0">
+                <a:pos x="connsiteX253" y="connsiteY253"/>
+              </a:cxn>
+              <a:cxn ang="0">
+                <a:pos x="connsiteX254" y="connsiteY254"/>
+              </a:cxn>
+              <a:cxn ang="0">
+                <a:pos x="connsiteX255" y="connsiteY255"/>
+              </a:cxn>
+              <a:cxn ang="0">
+                <a:pos x="connsiteX256" y="connsiteY256"/>
+              </a:cxn>
+            </a:cxnLst>
+            <a:rect l="l" t="t" r="r" b="b"/>
+            <a:pathLst>
+              <a:path w="12192000" h="1787292">
+                <a:moveTo>
+                  <a:pt x="619389" y="0"/>
+                </a:moveTo>
+                <a:lnTo>
+                  <a:pt x="687652" y="3175"/>
+                </a:lnTo>
+                <a:lnTo>
+                  <a:pt x="747977" y="9525"/>
+                </a:lnTo>
+                <a:lnTo>
+                  <a:pt x="800364" y="20637"/>
+                </a:lnTo>
+                <a:lnTo>
+                  <a:pt x="846402" y="36512"/>
+                </a:lnTo>
+                <a:lnTo>
+                  <a:pt x="887677" y="52387"/>
+                </a:lnTo>
+                <a:lnTo>
+                  <a:pt x="924189" y="68262"/>
+                </a:lnTo>
+                <a:lnTo>
+                  <a:pt x="962289" y="87312"/>
+                </a:lnTo>
+                <a:lnTo>
+                  <a:pt x="1000389" y="106362"/>
+                </a:lnTo>
+                <a:lnTo>
+                  <a:pt x="1036902" y="125412"/>
+                </a:lnTo>
+                <a:lnTo>
+                  <a:pt x="1078177" y="141287"/>
+                </a:lnTo>
+                <a:lnTo>
+                  <a:pt x="1124214" y="155575"/>
+                </a:lnTo>
+                <a:lnTo>
+                  <a:pt x="1176602" y="166687"/>
+                </a:lnTo>
+                <a:lnTo>
+                  <a:pt x="1236927" y="174625"/>
+                </a:lnTo>
+                <a:lnTo>
+                  <a:pt x="1305189" y="176212"/>
+                </a:lnTo>
+                <a:lnTo>
+                  <a:pt x="1373452" y="174625"/>
+                </a:lnTo>
+                <a:lnTo>
+                  <a:pt x="1433777" y="166687"/>
+                </a:lnTo>
+                <a:lnTo>
+                  <a:pt x="1486164" y="155575"/>
+                </a:lnTo>
+                <a:lnTo>
+                  <a:pt x="1532202" y="141287"/>
+                </a:lnTo>
+                <a:lnTo>
+                  <a:pt x="1573477" y="125412"/>
+                </a:lnTo>
+                <a:lnTo>
+                  <a:pt x="1609989" y="106362"/>
+                </a:lnTo>
+                <a:lnTo>
+                  <a:pt x="1648089" y="87312"/>
+                </a:lnTo>
+                <a:lnTo>
+                  <a:pt x="1686189" y="68262"/>
+                </a:lnTo>
+                <a:lnTo>
+                  <a:pt x="1722702" y="52387"/>
+                </a:lnTo>
+                <a:lnTo>
+                  <a:pt x="1763977" y="36512"/>
+                </a:lnTo>
+                <a:lnTo>
+                  <a:pt x="1810014" y="20637"/>
+                </a:lnTo>
+                <a:lnTo>
+                  <a:pt x="1862402" y="9525"/>
+                </a:lnTo>
+                <a:lnTo>
+                  <a:pt x="1922727" y="3175"/>
+                </a:lnTo>
+                <a:lnTo>
+                  <a:pt x="1990989" y="0"/>
+                </a:lnTo>
+                <a:lnTo>
+                  <a:pt x="2059252" y="3175"/>
+                </a:lnTo>
+                <a:lnTo>
+                  <a:pt x="2119577" y="9525"/>
+                </a:lnTo>
+                <a:lnTo>
+                  <a:pt x="2171964" y="20637"/>
+                </a:lnTo>
+                <a:lnTo>
+                  <a:pt x="2218002" y="36512"/>
+                </a:lnTo>
+                <a:lnTo>
+                  <a:pt x="2259277" y="52387"/>
+                </a:lnTo>
+                <a:lnTo>
+                  <a:pt x="2295789" y="68262"/>
+                </a:lnTo>
+                <a:lnTo>
+                  <a:pt x="2333889" y="87312"/>
+                </a:lnTo>
+                <a:lnTo>
+                  <a:pt x="2371989" y="106362"/>
+                </a:lnTo>
+                <a:lnTo>
+                  <a:pt x="2408502" y="125412"/>
+                </a:lnTo>
+                <a:lnTo>
+                  <a:pt x="2449777" y="141287"/>
+                </a:lnTo>
+                <a:lnTo>
+                  <a:pt x="2495814" y="155575"/>
+                </a:lnTo>
+                <a:lnTo>
+                  <a:pt x="2548202" y="166687"/>
+                </a:lnTo>
+                <a:lnTo>
+                  <a:pt x="2608527" y="174625"/>
+                </a:lnTo>
+                <a:lnTo>
+                  <a:pt x="2676789" y="176212"/>
+                </a:lnTo>
+                <a:lnTo>
+                  <a:pt x="2745052" y="174625"/>
+                </a:lnTo>
+                <a:lnTo>
+                  <a:pt x="2805377" y="166687"/>
+                </a:lnTo>
+                <a:lnTo>
+                  <a:pt x="2857764" y="155575"/>
+                </a:lnTo>
+                <a:lnTo>
+                  <a:pt x="2903802" y="141287"/>
+                </a:lnTo>
+                <a:lnTo>
+                  <a:pt x="2945077" y="125412"/>
+                </a:lnTo>
+                <a:lnTo>
+                  <a:pt x="2981589" y="106362"/>
+                </a:lnTo>
+                <a:lnTo>
+                  <a:pt x="3019689" y="87312"/>
+                </a:lnTo>
+                <a:lnTo>
+                  <a:pt x="3057789" y="68262"/>
+                </a:lnTo>
+                <a:lnTo>
+                  <a:pt x="3094302" y="52387"/>
+                </a:lnTo>
+                <a:lnTo>
+                  <a:pt x="3135577" y="36512"/>
+                </a:lnTo>
+                <a:lnTo>
+                  <a:pt x="3181614" y="20637"/>
+                </a:lnTo>
+                <a:lnTo>
+                  <a:pt x="3234002" y="9525"/>
+                </a:lnTo>
+                <a:lnTo>
+                  <a:pt x="3294327" y="3175"/>
+                </a:lnTo>
+                <a:lnTo>
+                  <a:pt x="3361002" y="0"/>
+                </a:lnTo>
+                <a:lnTo>
+                  <a:pt x="3430852" y="3175"/>
+                </a:lnTo>
+                <a:lnTo>
+                  <a:pt x="3491177" y="9525"/>
+                </a:lnTo>
+                <a:lnTo>
+                  <a:pt x="3543564" y="20637"/>
+                </a:lnTo>
+                <a:lnTo>
+                  <a:pt x="3589602" y="36512"/>
+                </a:lnTo>
+                <a:lnTo>
+                  <a:pt x="3630877" y="52387"/>
+                </a:lnTo>
+                <a:lnTo>
+                  <a:pt x="3667389" y="68262"/>
+                </a:lnTo>
+                <a:lnTo>
+                  <a:pt x="3705489" y="87312"/>
+                </a:lnTo>
+                <a:lnTo>
+                  <a:pt x="3743589" y="106362"/>
+                </a:lnTo>
+                <a:lnTo>
+                  <a:pt x="3780102" y="125412"/>
+                </a:lnTo>
+                <a:lnTo>
+                  <a:pt x="3821377" y="141287"/>
+                </a:lnTo>
+                <a:lnTo>
+                  <a:pt x="3867414" y="155575"/>
+                </a:lnTo>
+                <a:lnTo>
+                  <a:pt x="3919802" y="166687"/>
+                </a:lnTo>
+                <a:lnTo>
+                  <a:pt x="3980127" y="174625"/>
+                </a:lnTo>
+                <a:lnTo>
+                  <a:pt x="4048389" y="176212"/>
+                </a:lnTo>
+                <a:lnTo>
+                  <a:pt x="4116652" y="174625"/>
+                </a:lnTo>
+                <a:lnTo>
+                  <a:pt x="4176977" y="166687"/>
+                </a:lnTo>
+                <a:lnTo>
+                  <a:pt x="4229364" y="155575"/>
+                </a:lnTo>
+                <a:lnTo>
+                  <a:pt x="4275402" y="141287"/>
+                </a:lnTo>
+                <a:lnTo>
+                  <a:pt x="4316677" y="125412"/>
+                </a:lnTo>
+                <a:lnTo>
+                  <a:pt x="4353189" y="106362"/>
+                </a:lnTo>
+                <a:lnTo>
+                  <a:pt x="4429389" y="68262"/>
+                </a:lnTo>
+                <a:lnTo>
+                  <a:pt x="4465902" y="52387"/>
+                </a:lnTo>
+                <a:lnTo>
+                  <a:pt x="4507177" y="36512"/>
+                </a:lnTo>
+                <a:lnTo>
+                  <a:pt x="4553214" y="20637"/>
+                </a:lnTo>
+                <a:lnTo>
+                  <a:pt x="4605602" y="9525"/>
+                </a:lnTo>
+                <a:lnTo>
+                  <a:pt x="4665928" y="3175"/>
+                </a:lnTo>
+                <a:lnTo>
+                  <a:pt x="4734189" y="0"/>
+                </a:lnTo>
+                <a:lnTo>
+                  <a:pt x="4802453" y="3175"/>
+                </a:lnTo>
+                <a:lnTo>
+                  <a:pt x="4862777" y="9525"/>
+                </a:lnTo>
+                <a:lnTo>
+                  <a:pt x="4915165" y="20637"/>
+                </a:lnTo>
+                <a:lnTo>
+                  <a:pt x="4961201" y="36512"/>
+                </a:lnTo>
+                <a:lnTo>
+                  <a:pt x="5002476" y="52387"/>
+                </a:lnTo>
+                <a:lnTo>
+                  <a:pt x="5038989" y="68262"/>
+                </a:lnTo>
+                <a:lnTo>
+                  <a:pt x="5077089" y="87312"/>
+                </a:lnTo>
+                <a:lnTo>
+                  <a:pt x="5115189" y="106362"/>
+                </a:lnTo>
+                <a:lnTo>
+                  <a:pt x="5151701" y="125412"/>
+                </a:lnTo>
+                <a:lnTo>
+                  <a:pt x="5192976" y="141287"/>
+                </a:lnTo>
+                <a:lnTo>
+                  <a:pt x="5239014" y="155575"/>
+                </a:lnTo>
+                <a:lnTo>
+                  <a:pt x="5291401" y="166687"/>
+                </a:lnTo>
+                <a:lnTo>
+                  <a:pt x="5351727" y="174625"/>
+                </a:lnTo>
+                <a:lnTo>
+                  <a:pt x="5410199" y="175985"/>
+                </a:lnTo>
+                <a:lnTo>
+                  <a:pt x="5468671" y="174625"/>
+                </a:lnTo>
+                <a:lnTo>
+                  <a:pt x="5528996" y="166687"/>
+                </a:lnTo>
+                <a:lnTo>
+                  <a:pt x="5581383" y="155575"/>
+                </a:lnTo>
+                <a:lnTo>
+                  <a:pt x="5627421" y="141287"/>
+                </a:lnTo>
+                <a:lnTo>
+                  <a:pt x="5668696" y="125412"/>
+                </a:lnTo>
+                <a:lnTo>
+                  <a:pt x="5705209" y="106362"/>
+                </a:lnTo>
+                <a:lnTo>
+                  <a:pt x="5743308" y="87312"/>
+                </a:lnTo>
+                <a:lnTo>
+                  <a:pt x="5781408" y="68262"/>
+                </a:lnTo>
+                <a:lnTo>
+                  <a:pt x="5817921" y="52387"/>
+                </a:lnTo>
+                <a:lnTo>
+                  <a:pt x="5859196" y="36512"/>
+                </a:lnTo>
+                <a:lnTo>
+                  <a:pt x="5905234" y="20637"/>
+                </a:lnTo>
+                <a:lnTo>
+                  <a:pt x="5957621" y="9525"/>
+                </a:lnTo>
+                <a:lnTo>
+                  <a:pt x="6017947" y="3175"/>
+                </a:lnTo>
+                <a:lnTo>
+                  <a:pt x="6086208" y="0"/>
+                </a:lnTo>
+                <a:lnTo>
+                  <a:pt x="6095999" y="455"/>
+                </a:lnTo>
+                <a:lnTo>
+                  <a:pt x="6105789" y="0"/>
+                </a:lnTo>
+                <a:lnTo>
+                  <a:pt x="6174052" y="3175"/>
+                </a:lnTo>
+                <a:lnTo>
+                  <a:pt x="6234377" y="9525"/>
+                </a:lnTo>
+                <a:lnTo>
+                  <a:pt x="6286764" y="20637"/>
+                </a:lnTo>
+                <a:lnTo>
+                  <a:pt x="6332802" y="36512"/>
+                </a:lnTo>
+                <a:lnTo>
+                  <a:pt x="6374077" y="52387"/>
+                </a:lnTo>
+                <a:lnTo>
+                  <a:pt x="6410589" y="68262"/>
+                </a:lnTo>
+                <a:lnTo>
+                  <a:pt x="6448689" y="87312"/>
+                </a:lnTo>
+                <a:lnTo>
+                  <a:pt x="6486789" y="106362"/>
+                </a:lnTo>
+                <a:lnTo>
+                  <a:pt x="6523302" y="125412"/>
+                </a:lnTo>
+                <a:lnTo>
+                  <a:pt x="6564577" y="141287"/>
+                </a:lnTo>
+                <a:lnTo>
+                  <a:pt x="6610614" y="155575"/>
+                </a:lnTo>
+                <a:lnTo>
+                  <a:pt x="6663002" y="166687"/>
+                </a:lnTo>
+                <a:lnTo>
+                  <a:pt x="6723327" y="174625"/>
+                </a:lnTo>
+                <a:lnTo>
+                  <a:pt x="6781799" y="175985"/>
+                </a:lnTo>
+                <a:lnTo>
+                  <a:pt x="6840271" y="174625"/>
+                </a:lnTo>
+                <a:lnTo>
+                  <a:pt x="6900596" y="166687"/>
+                </a:lnTo>
+                <a:lnTo>
+                  <a:pt x="6952983" y="155575"/>
+                </a:lnTo>
+                <a:lnTo>
+                  <a:pt x="6999021" y="141287"/>
+                </a:lnTo>
+                <a:lnTo>
+                  <a:pt x="7040296" y="125412"/>
+                </a:lnTo>
+                <a:lnTo>
+                  <a:pt x="7076808" y="106362"/>
+                </a:lnTo>
+                <a:lnTo>
+                  <a:pt x="7114908" y="87312"/>
+                </a:lnTo>
+                <a:lnTo>
+                  <a:pt x="7153008" y="68262"/>
+                </a:lnTo>
+                <a:lnTo>
+                  <a:pt x="7189521" y="52387"/>
+                </a:lnTo>
+                <a:lnTo>
+                  <a:pt x="7230796" y="36512"/>
+                </a:lnTo>
+                <a:lnTo>
+                  <a:pt x="7276833" y="20637"/>
+                </a:lnTo>
+                <a:lnTo>
+                  <a:pt x="7329221" y="9525"/>
+                </a:lnTo>
+                <a:lnTo>
+                  <a:pt x="7389546" y="3175"/>
+                </a:lnTo>
+                <a:lnTo>
+                  <a:pt x="7457808" y="0"/>
+                </a:lnTo>
+                <a:lnTo>
+                  <a:pt x="7526071" y="3175"/>
+                </a:lnTo>
+                <a:lnTo>
+                  <a:pt x="7586396" y="9525"/>
+                </a:lnTo>
+                <a:lnTo>
+                  <a:pt x="7638783" y="20637"/>
+                </a:lnTo>
+                <a:lnTo>
+                  <a:pt x="7684821" y="36512"/>
+                </a:lnTo>
+                <a:lnTo>
+                  <a:pt x="7726096" y="52387"/>
+                </a:lnTo>
+                <a:lnTo>
+                  <a:pt x="7762608" y="68262"/>
+                </a:lnTo>
+                <a:lnTo>
+                  <a:pt x="7800708" y="87312"/>
+                </a:lnTo>
+                <a:lnTo>
+                  <a:pt x="7838808" y="106362"/>
+                </a:lnTo>
+                <a:lnTo>
+                  <a:pt x="7875321" y="125412"/>
+                </a:lnTo>
+                <a:lnTo>
+                  <a:pt x="7916596" y="141287"/>
+                </a:lnTo>
+                <a:lnTo>
+                  <a:pt x="7962633" y="155575"/>
+                </a:lnTo>
+                <a:lnTo>
+                  <a:pt x="8015021" y="166687"/>
+                </a:lnTo>
+                <a:lnTo>
+                  <a:pt x="8075346" y="174625"/>
+                </a:lnTo>
+                <a:lnTo>
+                  <a:pt x="8143608" y="176212"/>
+                </a:lnTo>
+                <a:lnTo>
+                  <a:pt x="8211871" y="174625"/>
+                </a:lnTo>
+                <a:lnTo>
+                  <a:pt x="8272196" y="166687"/>
+                </a:lnTo>
+                <a:lnTo>
+                  <a:pt x="8324583" y="155575"/>
+                </a:lnTo>
+                <a:lnTo>
+                  <a:pt x="8370621" y="141287"/>
+                </a:lnTo>
+                <a:lnTo>
+                  <a:pt x="8411896" y="125412"/>
+                </a:lnTo>
+                <a:lnTo>
+                  <a:pt x="8448408" y="106362"/>
+                </a:lnTo>
+                <a:lnTo>
+                  <a:pt x="8486508" y="87312"/>
+                </a:lnTo>
+                <a:lnTo>
+                  <a:pt x="8524608" y="68262"/>
+                </a:lnTo>
+                <a:lnTo>
+                  <a:pt x="8561120" y="52387"/>
+                </a:lnTo>
+                <a:lnTo>
+                  <a:pt x="8602396" y="36512"/>
+                </a:lnTo>
+                <a:lnTo>
+                  <a:pt x="8648432" y="20637"/>
+                </a:lnTo>
+                <a:lnTo>
+                  <a:pt x="8700820" y="9525"/>
+                </a:lnTo>
+                <a:lnTo>
+                  <a:pt x="8761146" y="3175"/>
+                </a:lnTo>
+                <a:lnTo>
+                  <a:pt x="8827820" y="0"/>
+                </a:lnTo>
+                <a:lnTo>
+                  <a:pt x="8897670" y="3175"/>
+                </a:lnTo>
+                <a:lnTo>
+                  <a:pt x="8957996" y="9525"/>
+                </a:lnTo>
+                <a:lnTo>
+                  <a:pt x="9010382" y="20637"/>
+                </a:lnTo>
+                <a:lnTo>
+                  <a:pt x="9056420" y="36512"/>
+                </a:lnTo>
+                <a:lnTo>
+                  <a:pt x="9097696" y="52387"/>
+                </a:lnTo>
+                <a:lnTo>
+                  <a:pt x="9134208" y="68262"/>
+                </a:lnTo>
+                <a:lnTo>
+                  <a:pt x="9172308" y="87312"/>
+                </a:lnTo>
+                <a:lnTo>
+                  <a:pt x="9210408" y="106362"/>
+                </a:lnTo>
+                <a:lnTo>
+                  <a:pt x="9246920" y="125412"/>
+                </a:lnTo>
+                <a:lnTo>
+                  <a:pt x="9288196" y="141287"/>
+                </a:lnTo>
+                <a:lnTo>
+                  <a:pt x="9334232" y="155575"/>
+                </a:lnTo>
+                <a:lnTo>
+                  <a:pt x="9386620" y="166687"/>
+                </a:lnTo>
+                <a:lnTo>
+                  <a:pt x="9446946" y="174625"/>
+                </a:lnTo>
+                <a:lnTo>
+                  <a:pt x="9515208" y="176212"/>
+                </a:lnTo>
+                <a:lnTo>
+                  <a:pt x="9583470" y="174625"/>
+                </a:lnTo>
+                <a:lnTo>
+                  <a:pt x="9643796" y="166687"/>
+                </a:lnTo>
+                <a:lnTo>
+                  <a:pt x="9696182" y="155575"/>
+                </a:lnTo>
+                <a:lnTo>
+                  <a:pt x="9742220" y="141287"/>
+                </a:lnTo>
+                <a:lnTo>
+                  <a:pt x="9783496" y="125412"/>
+                </a:lnTo>
+                <a:lnTo>
+                  <a:pt x="9820008" y="106362"/>
+                </a:lnTo>
+                <a:lnTo>
+                  <a:pt x="9896208" y="68262"/>
+                </a:lnTo>
+                <a:lnTo>
+                  <a:pt x="9932720" y="52387"/>
+                </a:lnTo>
+                <a:lnTo>
+                  <a:pt x="9973996" y="36512"/>
+                </a:lnTo>
+                <a:lnTo>
+                  <a:pt x="10020032" y="20637"/>
+                </a:lnTo>
+                <a:lnTo>
+                  <a:pt x="10072420" y="9525"/>
+                </a:lnTo>
+                <a:lnTo>
+                  <a:pt x="10132746" y="3175"/>
+                </a:lnTo>
+                <a:lnTo>
+                  <a:pt x="10201008" y="0"/>
+                </a:lnTo>
+                <a:lnTo>
+                  <a:pt x="10269270" y="3175"/>
+                </a:lnTo>
+                <a:lnTo>
+                  <a:pt x="10329596" y="9525"/>
+                </a:lnTo>
+                <a:lnTo>
+                  <a:pt x="10381982" y="20637"/>
+                </a:lnTo>
+                <a:lnTo>
+                  <a:pt x="10428020" y="36512"/>
+                </a:lnTo>
+                <a:lnTo>
+                  <a:pt x="10469296" y="52387"/>
+                </a:lnTo>
+                <a:lnTo>
+                  <a:pt x="10505808" y="68262"/>
+                </a:lnTo>
+                <a:lnTo>
+                  <a:pt x="10543908" y="87312"/>
+                </a:lnTo>
+                <a:lnTo>
+                  <a:pt x="10582008" y="106362"/>
+                </a:lnTo>
+                <a:lnTo>
+                  <a:pt x="10618520" y="125412"/>
+                </a:lnTo>
+                <a:lnTo>
+                  <a:pt x="10659796" y="141287"/>
+                </a:lnTo>
+                <a:lnTo>
+                  <a:pt x="10705832" y="155575"/>
+                </a:lnTo>
+                <a:lnTo>
+                  <a:pt x="10758220" y="166687"/>
+                </a:lnTo>
+                <a:lnTo>
+                  <a:pt x="10818546" y="174625"/>
+                </a:lnTo>
+                <a:lnTo>
+                  <a:pt x="10886808" y="176212"/>
+                </a:lnTo>
+                <a:lnTo>
+                  <a:pt x="10955070" y="174625"/>
+                </a:lnTo>
+                <a:lnTo>
+                  <a:pt x="11015396" y="166687"/>
+                </a:lnTo>
+                <a:lnTo>
+                  <a:pt x="11067782" y="155575"/>
+                </a:lnTo>
+                <a:lnTo>
+                  <a:pt x="11113820" y="141287"/>
+                </a:lnTo>
+                <a:lnTo>
+                  <a:pt x="11155096" y="125412"/>
+                </a:lnTo>
+                <a:lnTo>
+                  <a:pt x="11191608" y="106362"/>
+                </a:lnTo>
+                <a:lnTo>
+                  <a:pt x="11229708" y="87312"/>
+                </a:lnTo>
+                <a:lnTo>
+                  <a:pt x="11267808" y="68262"/>
+                </a:lnTo>
+                <a:lnTo>
+                  <a:pt x="11304320" y="52387"/>
+                </a:lnTo>
+                <a:lnTo>
+                  <a:pt x="11345596" y="36512"/>
+                </a:lnTo>
+                <a:lnTo>
+                  <a:pt x="11391632" y="20637"/>
+                </a:lnTo>
+                <a:lnTo>
+                  <a:pt x="11444020" y="9525"/>
+                </a:lnTo>
+                <a:lnTo>
+                  <a:pt x="11504346" y="3175"/>
+                </a:lnTo>
+                <a:lnTo>
+                  <a:pt x="11572608" y="0"/>
+                </a:lnTo>
+                <a:lnTo>
+                  <a:pt x="11640870" y="3175"/>
+                </a:lnTo>
+                <a:lnTo>
+                  <a:pt x="11701196" y="9525"/>
+                </a:lnTo>
+                <a:lnTo>
+                  <a:pt x="11753582" y="20637"/>
+                </a:lnTo>
+                <a:lnTo>
+                  <a:pt x="11799620" y="36512"/>
+                </a:lnTo>
+                <a:lnTo>
+                  <a:pt x="11840896" y="52387"/>
+                </a:lnTo>
+                <a:lnTo>
+                  <a:pt x="11877408" y="68262"/>
+                </a:lnTo>
+                <a:lnTo>
+                  <a:pt x="11915508" y="87312"/>
+                </a:lnTo>
+                <a:lnTo>
+                  <a:pt x="11953608" y="106362"/>
+                </a:lnTo>
+                <a:lnTo>
+                  <a:pt x="11990120" y="125412"/>
+                </a:lnTo>
+                <a:lnTo>
+                  <a:pt x="12031396" y="141287"/>
+                </a:lnTo>
+                <a:lnTo>
+                  <a:pt x="12077432" y="155575"/>
+                </a:lnTo>
+                <a:lnTo>
+                  <a:pt x="12129820" y="166688"/>
+                </a:lnTo>
+                <a:lnTo>
+                  <a:pt x="12190146" y="174625"/>
+                </a:lnTo>
+                <a:lnTo>
+                  <a:pt x="12192000" y="174668"/>
+                </a:lnTo>
+                <a:lnTo>
+                  <a:pt x="12192000" y="885826"/>
+                </a:lnTo>
+                <a:lnTo>
+                  <a:pt x="12192000" y="1787292"/>
+                </a:lnTo>
+                <a:lnTo>
+                  <a:pt x="0" y="1787292"/>
+                </a:lnTo>
+                <a:lnTo>
+                  <a:pt x="0" y="885826"/>
+                </a:lnTo>
+                <a:lnTo>
+                  <a:pt x="0" y="174668"/>
+                </a:lnTo>
+                <a:lnTo>
+                  <a:pt x="1852" y="174625"/>
+                </a:lnTo>
+                <a:lnTo>
+                  <a:pt x="62177" y="166687"/>
+                </a:lnTo>
+                <a:lnTo>
+                  <a:pt x="114564" y="155575"/>
+                </a:lnTo>
+                <a:lnTo>
+                  <a:pt x="160602" y="141287"/>
+                </a:lnTo>
+                <a:lnTo>
+                  <a:pt x="201877" y="125412"/>
+                </a:lnTo>
+                <a:lnTo>
+                  <a:pt x="238389" y="106362"/>
+                </a:lnTo>
+                <a:lnTo>
+                  <a:pt x="276489" y="87312"/>
+                </a:lnTo>
+                <a:lnTo>
+                  <a:pt x="314589" y="68262"/>
+                </a:lnTo>
+                <a:lnTo>
+                  <a:pt x="351102" y="52387"/>
+                </a:lnTo>
+                <a:lnTo>
+                  <a:pt x="392377" y="36512"/>
+                </a:lnTo>
+                <a:lnTo>
+                  <a:pt x="438414" y="20637"/>
+                </a:lnTo>
+                <a:lnTo>
+                  <a:pt x="490802" y="9525"/>
+                </a:lnTo>
+                <a:lnTo>
+                  <a:pt x="551127" y="3175"/>
+                </a:lnTo>
+                <a:close/>
+              </a:path>
+            </a:pathLst>
+          </a:custGeom>
+          <a:solidFill>
+            <a:schemeClr val="accent1"/>
+          </a:solidFill>
+          <a:ln>
+            <a:noFill/>
+          </a:ln>
+        </p:spPr>
+        <p:style>
+          <a:lnRef idx="2">
+            <a:schemeClr val="accent1">
+              <a:shade val="50000"/>
+            </a:schemeClr>
+          </a:lnRef>
+          <a:fillRef idx="1">
+            <a:schemeClr val="accent1"/>
+          </a:fillRef>
+          <a:effectRef idx="0">
+            <a:schemeClr val="accent1"/>
+          </a:effectRef>
+          <a:fontRef idx="minor">
+            <a:schemeClr val="lt1"/>
+          </a:fontRef>
+        </p:style>
+        <p:txBody>
+          <a:bodyPr rtlCol="0" anchor="ctr"/>
+          <a:lstStyle/>
+          <a:p>
+            <a:pPr algn="ctr"/>
+            <a:endParaRPr lang="en-US"/>
+          </a:p>
+        </p:txBody>
+      </p:sp>
+      <p:sp>
+        <p:nvSpPr>
+          <p:cNvPr id="3" name="內容版面配置區 2">
+            <a:extLst>
+              <a:ext uri="{FF2B5EF4-FFF2-40B4-BE49-F238E27FC236}">
+                <a16:creationId xmlns:a16="http://schemas.microsoft.com/office/drawing/2014/main" id="{7DC44925-0201-47BA-BD4A-A528A233F1C3}"/>
+              </a:ext>
+            </a:extLst>
+          </p:cNvPr>
+          <p:cNvSpPr>
+            <a:spLocks noGrp="1"/>
+          </p:cNvSpPr>
+          <p:nvPr>
+            <p:ph idx="4294967295"/>
+          </p:nvPr>
+        </p:nvSpPr>
+        <p:spPr>
+          <a:xfrm>
+            <a:off x="2437156" y="1861794"/>
+            <a:ext cx="10179050" cy="3594100"/>
+          </a:xfrm>
+        </p:spPr>
+        <p:txBody>
+          <a:bodyPr>
+            <a:normAutofit/>
+          </a:bodyPr>
+          <a:lstStyle/>
+          <a:p>
+            <a:pPr marL="0" indent="0">
+              <a:buNone/>
+            </a:pPr>
+            <a:r>
+              <a:rPr lang="zh-TW" altLang="en-US" sz="6000" dirty="0"/>
+              <a:t>情緒分析教學課程</a:t>
+            </a:r>
+          </a:p>
+        </p:txBody>
+      </p:sp>
+    </p:spTree>
+    <p:extLst>
+      <p:ext uri="{BB962C8B-B14F-4D97-AF65-F5344CB8AC3E}">
+        <p14:creationId xmlns:p14="http://schemas.microsoft.com/office/powerpoint/2010/main" val="3053791358"/>
+      </p:ext>
+    </p:extLst>
+  </p:cSld>
+  <p:clrMapOvr>
+    <a:masterClrMapping/>
+  </p:clrMapOvr>
+</p:sld>
+</file>
+
+<file path=ppt/slides/slide13.xml><?xml version="1.0" encoding="utf-8"?>
+<p:sld xmlns:a="http://schemas.openxmlformats.org/drawingml/2006/main" xmlns:r="http://schemas.openxmlformats.org/officeDocument/2006/relationships" xmlns:p="http://schemas.openxmlformats.org/presentationml/2006/main">
+  <p:cSld>
+    <p:spTree>
+      <p:nvGrpSpPr>
+        <p:cNvPr id="1" name=""/>
+        <p:cNvGrpSpPr/>
+        <p:nvPr/>
+      </p:nvGrpSpPr>
+      <p:grpSpPr>
+        <a:xfrm>
+          <a:off x="0" y="0"/>
+          <a:ext cx="0" cy="0"/>
+          <a:chOff x="0" y="0"/>
+          <a:chExt cx="0" cy="0"/>
+        </a:xfrm>
+      </p:grpSpPr>
+      <p:sp>
+        <p:nvSpPr>
+          <p:cNvPr id="3" name="內容版面配置區 2">
+            <a:extLst>
+              <a:ext uri="{FF2B5EF4-FFF2-40B4-BE49-F238E27FC236}">
+                <a16:creationId xmlns:a16="http://schemas.microsoft.com/office/drawing/2014/main" id="{8D4B0DA4-E40D-4275-B921-310D3D3A8098}"/>
+              </a:ext>
+            </a:extLst>
+          </p:cNvPr>
+          <p:cNvSpPr>
+            <a:spLocks noGrp="1"/>
+          </p:cNvSpPr>
+          <p:nvPr>
+            <p:ph idx="1"/>
+          </p:nvPr>
+        </p:nvSpPr>
+        <p:spPr>
+          <a:xfrm>
+            <a:off x="1348034" y="263950"/>
+            <a:ext cx="9935852" cy="6268825"/>
+          </a:xfrm>
+        </p:spPr>
+        <p:txBody>
+          <a:bodyPr>
+            <a:noAutofit/>
+          </a:bodyPr>
+          <a:lstStyle/>
+          <a:p>
+            <a:pPr marL="0" indent="0">
+              <a:buNone/>
+            </a:pPr>
+            <a:r>
+              <a:rPr lang="en-US" altLang="zh-TW" sz="1800" b="1" dirty="0"/>
+              <a:t>import </a:t>
+            </a:r>
+            <a:r>
+              <a:rPr lang="en-US" altLang="zh-TW" sz="1800" b="1" dirty="0" err="1"/>
+              <a:t>argparse</a:t>
+            </a:r>
+            <a:endParaRPr lang="en-US" altLang="zh-TW" sz="1800" b="1" dirty="0"/>
+          </a:p>
+          <a:p>
+            <a:pPr marL="0" indent="0">
+              <a:buNone/>
+            </a:pPr>
+            <a:r>
+              <a:rPr lang="en-US" altLang="zh-TW" sz="1800" b="1" dirty="0"/>
+              <a:t>from </a:t>
+            </a:r>
+            <a:r>
+              <a:rPr lang="en-US" altLang="zh-TW" sz="1800" b="1" dirty="0" err="1"/>
+              <a:t>google.cloud</a:t>
+            </a:r>
+            <a:r>
+              <a:rPr lang="en-US" altLang="zh-TW" sz="1800" b="1" dirty="0"/>
+              <a:t> import language</a:t>
+            </a:r>
+          </a:p>
+          <a:p>
+            <a:pPr marL="0" indent="0">
+              <a:buNone/>
+            </a:pPr>
+            <a:r>
+              <a:rPr lang="en-US" altLang="zh-TW" sz="1800" b="1" dirty="0"/>
+              <a:t>from </a:t>
+            </a:r>
+            <a:r>
+              <a:rPr lang="en-US" altLang="zh-TW" sz="1800" b="1" dirty="0" err="1"/>
+              <a:t>google.cloud.language</a:t>
+            </a:r>
+            <a:r>
+              <a:rPr lang="en-US" altLang="zh-TW" sz="1800" b="1" dirty="0"/>
+              <a:t> import </a:t>
+            </a:r>
+            <a:r>
+              <a:rPr lang="en-US" altLang="zh-TW" sz="1800" b="1" dirty="0" err="1"/>
+              <a:t>enums</a:t>
+            </a:r>
+            <a:endParaRPr lang="en-US" altLang="zh-TW" sz="1800" b="1" dirty="0"/>
+          </a:p>
+          <a:p>
+            <a:pPr marL="0" indent="0">
+              <a:buNone/>
+            </a:pPr>
+            <a:r>
+              <a:rPr lang="en-US" altLang="zh-TW" sz="1800" b="1" dirty="0"/>
+              <a:t>from </a:t>
+            </a:r>
+            <a:r>
+              <a:rPr lang="en-US" altLang="zh-TW" sz="1800" b="1" dirty="0" err="1"/>
+              <a:t>google.cloud.language</a:t>
+            </a:r>
+            <a:r>
+              <a:rPr lang="en-US" altLang="zh-TW" sz="1800" b="1" dirty="0"/>
+              <a:t> import types</a:t>
+            </a:r>
+          </a:p>
+          <a:p>
+            <a:pPr marL="0" indent="0">
+              <a:buNone/>
+            </a:pPr>
+            <a:r>
+              <a:rPr lang="en-US" altLang="zh-TW" sz="1800" b="1" dirty="0"/>
+              <a:t>def </a:t>
+            </a:r>
+            <a:r>
+              <a:rPr lang="en-US" altLang="zh-TW" sz="1800" b="1" dirty="0" err="1"/>
+              <a:t>print_result</a:t>
+            </a:r>
+            <a:r>
+              <a:rPr lang="en-US" altLang="zh-TW" sz="1800" b="1" dirty="0"/>
+              <a:t>(annotations):</a:t>
+            </a:r>
+          </a:p>
+          <a:p>
+            <a:pPr marL="0" indent="0">
+              <a:buNone/>
+            </a:pPr>
+            <a:r>
+              <a:rPr lang="en-US" altLang="zh-TW" sz="1800" b="1" dirty="0"/>
+              <a:t>    score = </a:t>
+            </a:r>
+            <a:r>
+              <a:rPr lang="en-US" altLang="zh-TW" sz="1800" b="1" dirty="0" err="1"/>
+              <a:t>annotations.document_sentiment.score</a:t>
+            </a:r>
+            <a:endParaRPr lang="en-US" altLang="zh-TW" sz="1800" b="1" dirty="0"/>
+          </a:p>
+          <a:p>
+            <a:pPr marL="0" indent="0">
+              <a:buNone/>
+            </a:pPr>
+            <a:r>
+              <a:rPr lang="en-US" altLang="zh-TW" sz="1800" b="1" dirty="0"/>
+              <a:t>    magnitude = </a:t>
+            </a:r>
+            <a:r>
+              <a:rPr lang="en-US" altLang="zh-TW" sz="1800" b="1" dirty="0" err="1"/>
+              <a:t>annotations.document_sentiment.magnitude</a:t>
+            </a:r>
+            <a:endParaRPr lang="en-US" altLang="zh-TW" sz="1800" b="1" dirty="0"/>
+          </a:p>
+          <a:p>
+            <a:pPr marL="0" indent="0">
+              <a:buNone/>
+            </a:pPr>
+            <a:r>
+              <a:rPr lang="en-US" altLang="zh-TW" sz="1800" b="1" dirty="0"/>
+              <a:t>    for index, sentence in enumerate(</a:t>
+            </a:r>
+            <a:r>
+              <a:rPr lang="en-US" altLang="zh-TW" sz="1800" b="1" dirty="0" err="1"/>
+              <a:t>annotations.sentences</a:t>
+            </a:r>
+            <a:r>
+              <a:rPr lang="en-US" altLang="zh-TW" sz="1800" b="1" dirty="0"/>
+              <a:t>):</a:t>
+            </a:r>
+          </a:p>
+          <a:p>
+            <a:pPr marL="0" indent="0">
+              <a:buNone/>
+            </a:pPr>
+            <a:r>
+              <a:rPr lang="en-US" altLang="zh-TW" sz="1800" b="1" dirty="0"/>
+              <a:t>        </a:t>
+            </a:r>
+            <a:r>
+              <a:rPr lang="en-US" altLang="zh-TW" sz="1800" b="1" dirty="0" err="1"/>
+              <a:t>sentence_sentiment</a:t>
+            </a:r>
+            <a:r>
+              <a:rPr lang="en-US" altLang="zh-TW" sz="1800" b="1" dirty="0"/>
+              <a:t> = </a:t>
+            </a:r>
+            <a:r>
+              <a:rPr lang="en-US" altLang="zh-TW" sz="1800" b="1" dirty="0" err="1"/>
+              <a:t>sentence.sentiment.score</a:t>
+            </a:r>
+            <a:endParaRPr lang="en-US" altLang="zh-TW" sz="1800" b="1" dirty="0"/>
+          </a:p>
+          <a:p>
+            <a:pPr marL="0" indent="0">
+              <a:buNone/>
+            </a:pPr>
+            <a:r>
+              <a:rPr lang="en-US" altLang="zh-TW" sz="1800" b="1" dirty="0"/>
+              <a:t>        print('Sentence {} has a sentiment score of {}'.format(</a:t>
+            </a:r>
+          </a:p>
+          <a:p>
+            <a:pPr marL="0" indent="0">
+              <a:buNone/>
+            </a:pPr>
+            <a:r>
+              <a:rPr lang="en-US" altLang="zh-TW" sz="1800" b="1" dirty="0"/>
+              <a:t>            index, </a:t>
+            </a:r>
+            <a:r>
+              <a:rPr lang="en-US" altLang="zh-TW" sz="1800" b="1" dirty="0" err="1"/>
+              <a:t>sentence_sentiment</a:t>
+            </a:r>
+            <a:r>
+              <a:rPr lang="en-US" altLang="zh-TW" sz="1800" b="1" dirty="0"/>
+              <a:t>))</a:t>
+            </a:r>
+          </a:p>
+          <a:p>
+            <a:pPr marL="0" indent="0">
+              <a:buNone/>
+            </a:pPr>
+            <a:r>
+              <a:rPr lang="en-US" altLang="zh-TW" sz="1800" b="1" dirty="0"/>
+              <a:t>    print('Overall Sentiment: score of {} with magnitude of {}'.format(</a:t>
+            </a:r>
+          </a:p>
+          <a:p>
+            <a:pPr marL="0" indent="0">
+              <a:buNone/>
+            </a:pPr>
+            <a:r>
+              <a:rPr lang="en-US" altLang="zh-TW" sz="1800" b="1" dirty="0"/>
+              <a:t>        score, magnitude))</a:t>
+            </a:r>
+          </a:p>
+          <a:p>
+            <a:pPr marL="0" indent="0">
+              <a:buNone/>
+            </a:pPr>
+            <a:r>
+              <a:rPr lang="en-US" altLang="zh-TW" sz="1800" b="1" dirty="0"/>
+              <a:t>    return 0</a:t>
+            </a:r>
+          </a:p>
+          <a:p>
+            <a:pPr marL="0" indent="0">
+              <a:buNone/>
+            </a:pPr>
+            <a:r>
+              <a:rPr lang="en-US" altLang="zh-TW" sz="1800" b="1" dirty="0"/>
+              <a:t>def analyze(</a:t>
+            </a:r>
+            <a:r>
+              <a:rPr lang="en-US" altLang="zh-TW" sz="1800" b="1" dirty="0" err="1"/>
+              <a:t>movie_review_filename</a:t>
+            </a:r>
+            <a:r>
+              <a:rPr lang="en-US" altLang="zh-TW" sz="1800" b="1" dirty="0"/>
+              <a:t>):</a:t>
+            </a:r>
+          </a:p>
+          <a:p>
+            <a:pPr marL="0" indent="0">
+              <a:buNone/>
+            </a:pPr>
+            <a:r>
+              <a:rPr lang="en-US" altLang="zh-TW" sz="1800" b="1" dirty="0"/>
+              <a:t>client = </a:t>
+            </a:r>
+            <a:r>
+              <a:rPr lang="en-US" altLang="zh-TW" sz="1800" b="1" dirty="0" err="1"/>
+              <a:t>language.LanguageServiceClient</a:t>
+            </a:r>
+            <a:r>
+              <a:rPr lang="en-US" altLang="zh-TW" sz="1800" b="1" dirty="0"/>
+              <a:t>()</a:t>
+            </a:r>
+          </a:p>
+          <a:p>
+            <a:endParaRPr lang="en-US" altLang="zh-TW" sz="1800" dirty="0"/>
+          </a:p>
+        </p:txBody>
+      </p:sp>
+    </p:spTree>
+    <p:extLst>
+      <p:ext uri="{BB962C8B-B14F-4D97-AF65-F5344CB8AC3E}">
+        <p14:creationId xmlns:p14="http://schemas.microsoft.com/office/powerpoint/2010/main" val="3547328077"/>
+      </p:ext>
+    </p:extLst>
+  </p:cSld>
+  <p:clrMapOvr>
+    <a:masterClrMapping/>
+  </p:clrMapOvr>
+</p:sld>
+</file>
+
+<file path=ppt/slides/slide14.xml><?xml version="1.0" encoding="utf-8"?>
+<p:sld xmlns:a="http://schemas.openxmlformats.org/drawingml/2006/main" xmlns:r="http://schemas.openxmlformats.org/officeDocument/2006/relationships" xmlns:p="http://schemas.openxmlformats.org/presentationml/2006/main">
+  <p:cSld>
+    <p:spTree>
+      <p:nvGrpSpPr>
+        <p:cNvPr id="1" name=""/>
+        <p:cNvGrpSpPr/>
+        <p:nvPr/>
+      </p:nvGrpSpPr>
+      <p:grpSpPr>
+        <a:xfrm>
+          <a:off x="0" y="0"/>
+          <a:ext cx="0" cy="0"/>
+          <a:chOff x="0" y="0"/>
+          <a:chExt cx="0" cy="0"/>
+        </a:xfrm>
+      </p:grpSpPr>
+      <p:sp>
+        <p:nvSpPr>
+          <p:cNvPr id="4" name="標題 1">
+            <a:extLst>
+              <a:ext uri="{FF2B5EF4-FFF2-40B4-BE49-F238E27FC236}">
+                <a16:creationId xmlns:a16="http://schemas.microsoft.com/office/drawing/2014/main" id="{55B9A287-51C5-460E-A477-F53F0A613EB0}"/>
+              </a:ext>
+            </a:extLst>
+          </p:cNvPr>
+          <p:cNvSpPr txBox="1">
+            <a:spLocks/>
+          </p:cNvSpPr>
+          <p:nvPr/>
+        </p:nvSpPr>
+        <p:spPr>
+          <a:xfrm>
+            <a:off x="1404078" y="534785"/>
+            <a:ext cx="10178322" cy="1492132"/>
+          </a:xfrm>
+          <a:prstGeom prst="rect">
+            <a:avLst/>
+          </a:prstGeom>
+        </p:spPr>
+        <p:txBody>
+          <a:bodyPr vert="horz" lIns="91440" tIns="45720" rIns="91440" bIns="45720" rtlCol="0" anchor="t">
+            <a:noAutofit/>
+          </a:bodyPr>
+          <a:lstStyle>
+            <a:lvl1pPr algn="l" defTabSz="914400" rtl="0" eaLnBrk="1" latinLnBrk="0" hangingPunct="1">
+              <a:lnSpc>
+                <a:spcPct val="90000"/>
+              </a:lnSpc>
+              <a:spcBef>
+                <a:spcPct val="0"/>
+              </a:spcBef>
+              <a:buNone/>
+              <a:defRPr sz="5100" kern="1200" cap="all" spc="200" baseline="0">
+                <a:solidFill>
+                  <a:schemeClr val="tx2"/>
+                </a:solidFill>
+                <a:latin typeface="+mj-lt"/>
+                <a:ea typeface="+mj-ea"/>
+                <a:cs typeface="+mj-cs"/>
+              </a:defRPr>
+            </a:lvl1pPr>
+          </a:lstStyle>
+          <a:p>
+            <a:r>
+              <a:rPr lang="en-US" altLang="zh-TW" sz="1800"/>
+              <a:t> with open(movie_review_filename, 'r') as review_file:</a:t>
+            </a:r>
+            <a:br>
+              <a:rPr lang="en-US" altLang="zh-TW" sz="1800"/>
+            </a:br>
+            <a:r>
+              <a:rPr lang="en-US" altLang="zh-TW" sz="1800"/>
+              <a:t>        # Instantiates a plain text document.</a:t>
+            </a:r>
+            <a:br>
+              <a:rPr lang="en-US" altLang="zh-TW" sz="1800"/>
+            </a:br>
+            <a:r>
+              <a:rPr lang="en-US" altLang="zh-TW" sz="1800"/>
+              <a:t>        content = review_file.read()</a:t>
+            </a:r>
+            <a:br>
+              <a:rPr lang="en-US" altLang="zh-TW" sz="1800"/>
+            </a:br>
+            <a:br>
+              <a:rPr lang="en-US" altLang="zh-TW" sz="1800"/>
+            </a:br>
+            <a:r>
+              <a:rPr lang="en-US" altLang="zh-TW" sz="1800"/>
+              <a:t>    document = types.Document(</a:t>
+            </a:r>
+            <a:br>
+              <a:rPr lang="en-US" altLang="zh-TW" sz="1800"/>
+            </a:br>
+            <a:r>
+              <a:rPr lang="en-US" altLang="zh-TW" sz="1800"/>
+              <a:t>        content=content,</a:t>
+            </a:r>
+            <a:br>
+              <a:rPr lang="en-US" altLang="zh-TW" sz="1800"/>
+            </a:br>
+            <a:r>
+              <a:rPr lang="en-US" altLang="zh-TW" sz="1800"/>
+              <a:t>        type=enums.Document.Type.PLAIN_TEXT)</a:t>
+            </a:r>
+            <a:br>
+              <a:rPr lang="en-US" altLang="zh-TW" sz="1800"/>
+            </a:br>
+            <a:r>
+              <a:rPr lang="en-US" altLang="zh-TW" sz="1800"/>
+              <a:t>    annotations = client.analyze_sentiment(document=document)</a:t>
+            </a:r>
+            <a:br>
+              <a:rPr lang="en-US" altLang="zh-TW" sz="1800"/>
+            </a:br>
+            <a:br>
+              <a:rPr lang="en-US" altLang="zh-TW" sz="1800"/>
+            </a:br>
+            <a:r>
+              <a:rPr lang="en-US" altLang="zh-TW" sz="1800"/>
+              <a:t>    # Print the results</a:t>
+            </a:r>
+            <a:br>
+              <a:rPr lang="en-US" altLang="zh-TW" sz="1800"/>
+            </a:br>
+            <a:r>
+              <a:rPr lang="en-US" altLang="zh-TW" sz="1800"/>
+              <a:t>    print_result(annotations)</a:t>
+            </a:r>
+            <a:br>
+              <a:rPr lang="en-US" altLang="zh-TW" sz="1800"/>
+            </a:br>
+            <a:br>
+              <a:rPr lang="en-US" altLang="zh-TW" sz="1800"/>
+            </a:br>
+            <a:r>
+              <a:rPr lang="en-US" altLang="zh-TW" sz="1800"/>
+              <a:t>if __name__ == '__main__':</a:t>
+            </a:r>
+            <a:br>
+              <a:rPr lang="en-US" altLang="zh-TW" sz="1800"/>
+            </a:br>
+            <a:r>
+              <a:rPr lang="en-US" altLang="zh-TW" sz="1800"/>
+              <a:t>    parser = argparse.ArgumentParser(</a:t>
+            </a:r>
+            <a:br>
+              <a:rPr lang="en-US" altLang="zh-TW" sz="1800"/>
+            </a:br>
+            <a:r>
+              <a:rPr lang="en-US" altLang="zh-TW" sz="1800"/>
+              <a:t>        description=__doc__,</a:t>
+            </a:r>
+            <a:br>
+              <a:rPr lang="en-US" altLang="zh-TW" sz="1800"/>
+            </a:br>
+            <a:r>
+              <a:rPr lang="en-US" altLang="zh-TW" sz="1800"/>
+              <a:t>        formatter_class=argparse.RawDescriptionHelpFormatter)</a:t>
+            </a:r>
+            <a:br>
+              <a:rPr lang="en-US" altLang="zh-TW" sz="1800"/>
+            </a:br>
+            <a:r>
+              <a:rPr lang="en-US" altLang="zh-TW" sz="1800"/>
+              <a:t>    parser.add_argument(</a:t>
+            </a:r>
+            <a:br>
+              <a:rPr lang="en-US" altLang="zh-TW" sz="1800"/>
+            </a:br>
+            <a:r>
+              <a:rPr lang="en-US" altLang="zh-TW" sz="1800"/>
+              <a:t>        'movie_review_filename',</a:t>
+            </a:r>
+            <a:br>
+              <a:rPr lang="en-US" altLang="zh-TW" sz="1800"/>
+            </a:br>
+            <a:r>
+              <a:rPr lang="en-US" altLang="zh-TW" sz="1800"/>
+              <a:t>        help='The filename of the movie review you\'d like to analyze.')</a:t>
+            </a:r>
+            <a:br>
+              <a:rPr lang="en-US" altLang="zh-TW" sz="1800"/>
+            </a:br>
+            <a:r>
+              <a:rPr lang="en-US" altLang="zh-TW" sz="1800"/>
+              <a:t>    args = parser.parse_args()</a:t>
+            </a:r>
+            <a:br>
+              <a:rPr lang="en-US" altLang="zh-TW" sz="1800"/>
+            </a:br>
+            <a:br>
+              <a:rPr lang="en-US" altLang="zh-TW" sz="1800"/>
+            </a:br>
+            <a:r>
+              <a:rPr lang="en-US" altLang="zh-TW" sz="1800"/>
+              <a:t>    analyze(args.movie_review_filename)</a:t>
+            </a:r>
+            <a:endParaRPr lang="zh-TW" altLang="en-US" sz="1800" dirty="0"/>
+          </a:p>
+        </p:txBody>
+      </p:sp>
+    </p:spTree>
+    <p:extLst>
+      <p:ext uri="{BB962C8B-B14F-4D97-AF65-F5344CB8AC3E}">
+        <p14:creationId xmlns:p14="http://schemas.microsoft.com/office/powerpoint/2010/main" val="3872535303"/>
+      </p:ext>
+    </p:extLst>
+  </p:cSld>
+  <p:clrMapOvr>
+    <a:masterClrMapping/>
+  </p:clrMapOvr>
+</p:sld>
+</file>
+
+<file path=ppt/slides/slide15.xml><?xml version="1.0" encoding="utf-8"?>
+<p:sld xmlns:a="http://schemas.openxmlformats.org/drawingml/2006/main" xmlns:r="http://schemas.openxmlformats.org/officeDocument/2006/relationships" xmlns:p="http://schemas.openxmlformats.org/presentationml/2006/main">
+  <p:cSld>
+    <p:spTree>
+      <p:nvGrpSpPr>
+        <p:cNvPr id="1" name=""/>
+        <p:cNvGrpSpPr/>
+        <p:nvPr/>
+      </p:nvGrpSpPr>
+      <p:grpSpPr>
+        <a:xfrm>
+          <a:off x="0" y="0"/>
+          <a:ext cx="0" cy="0"/>
+          <a:chOff x="0" y="0"/>
+          <a:chExt cx="0" cy="0"/>
+        </a:xfrm>
+      </p:grpSpPr>
+      <p:sp>
+        <p:nvSpPr>
+          <p:cNvPr id="2" name="標題 1">
+            <a:extLst>
+              <a:ext uri="{FF2B5EF4-FFF2-40B4-BE49-F238E27FC236}">
+                <a16:creationId xmlns:a16="http://schemas.microsoft.com/office/drawing/2014/main" id="{79C7BFAF-219E-4F47-92FC-C722D11AECFD}"/>
+              </a:ext>
+            </a:extLst>
+          </p:cNvPr>
+          <p:cNvSpPr>
+            <a:spLocks noGrp="1"/>
+          </p:cNvSpPr>
+          <p:nvPr>
+            <p:ph type="title"/>
+          </p:nvPr>
+        </p:nvSpPr>
+        <p:spPr>
+          <a:xfrm>
+            <a:off x="1251678" y="382385"/>
+            <a:ext cx="10178322" cy="1003355"/>
+          </a:xfrm>
+        </p:spPr>
+        <p:txBody>
+          <a:bodyPr/>
+          <a:lstStyle/>
+          <a:p>
+            <a:pPr algn="ctr"/>
+            <a:r>
+              <a:rPr lang="en-US" altLang="zh-TW" dirty="0"/>
+              <a:t>bladerunner-pos.txt</a:t>
+            </a:r>
+            <a:endParaRPr lang="zh-TW" altLang="en-US" dirty="0"/>
+          </a:p>
+        </p:txBody>
+      </p:sp>
+      <p:pic>
+        <p:nvPicPr>
+          <p:cNvPr id="4" name="內容版面配置區 3">
+            <a:extLst>
+              <a:ext uri="{FF2B5EF4-FFF2-40B4-BE49-F238E27FC236}">
+                <a16:creationId xmlns:a16="http://schemas.microsoft.com/office/drawing/2014/main" id="{F58C7812-16D6-4FEE-A628-9C29DFD73491}"/>
+              </a:ext>
+            </a:extLst>
+          </p:cNvPr>
+          <p:cNvPicPr>
+            <a:picLocks noGrp="1" noChangeAspect="1"/>
+          </p:cNvPicPr>
+          <p:nvPr>
+            <p:ph idx="1"/>
+          </p:nvPr>
+        </p:nvPicPr>
+        <p:blipFill>
+          <a:blip r:embed="rId2"/>
+          <a:stretch>
+            <a:fillRect/>
+          </a:stretch>
+        </p:blipFill>
+        <p:spPr>
+          <a:xfrm>
+            <a:off x="1335791" y="1555423"/>
+            <a:ext cx="10179050" cy="4015882"/>
+          </a:xfrm>
+          <a:prstGeom prst="rect">
+            <a:avLst/>
+          </a:prstGeom>
+        </p:spPr>
+      </p:pic>
+    </p:spTree>
+    <p:extLst>
+      <p:ext uri="{BB962C8B-B14F-4D97-AF65-F5344CB8AC3E}">
+        <p14:creationId xmlns:p14="http://schemas.microsoft.com/office/powerpoint/2010/main" val="1137106659"/>
+      </p:ext>
+    </p:extLst>
+  </p:cSld>
+  <p:clrMapOvr>
+    <a:masterClrMapping/>
+  </p:clrMapOvr>
+</p:sld>
+</file>
+
+<file path=ppt/slides/slide16.xml><?xml version="1.0" encoding="utf-8"?>
+<p:sld xmlns:a="http://schemas.openxmlformats.org/drawingml/2006/main" xmlns:r="http://schemas.openxmlformats.org/officeDocument/2006/relationships" xmlns:p="http://schemas.openxmlformats.org/presentationml/2006/main">
+  <p:cSld>
+    <p:spTree>
+      <p:nvGrpSpPr>
+        <p:cNvPr id="1" name=""/>
+        <p:cNvGrpSpPr/>
+        <p:nvPr/>
+      </p:nvGrpSpPr>
+      <p:grpSpPr>
+        <a:xfrm>
+          <a:off x="0" y="0"/>
+          <a:ext cx="0" cy="0"/>
+          <a:chOff x="0" y="0"/>
+          <a:chExt cx="0" cy="0"/>
+        </a:xfrm>
+      </p:grpSpPr>
+      <p:sp>
+        <p:nvSpPr>
+          <p:cNvPr id="2" name="標題 1">
+            <a:extLst>
+              <a:ext uri="{FF2B5EF4-FFF2-40B4-BE49-F238E27FC236}">
+                <a16:creationId xmlns:a16="http://schemas.microsoft.com/office/drawing/2014/main" id="{3DD08B68-A7DF-4282-940E-08910068AC9B}"/>
+              </a:ext>
+            </a:extLst>
+          </p:cNvPr>
+          <p:cNvSpPr>
+            <a:spLocks noGrp="1"/>
+          </p:cNvSpPr>
+          <p:nvPr>
+            <p:ph type="title"/>
+          </p:nvPr>
+        </p:nvSpPr>
+        <p:spPr>
+          <a:xfrm>
+            <a:off x="1251678" y="382385"/>
+            <a:ext cx="10178322" cy="975075"/>
+          </a:xfrm>
+        </p:spPr>
+        <p:txBody>
+          <a:bodyPr>
+            <a:normAutofit fontScale="90000"/>
+          </a:bodyPr>
+          <a:lstStyle/>
+          <a:p>
+            <a:pPr algn="ctr"/>
+            <a:r>
+              <a:rPr lang="zh-TW" altLang="en-US" dirty="0">
+                <a:hlinkClick r:id="rId2"/>
+              </a:rPr>
+              <a:t>情緒分析教學課程</a:t>
+            </a:r>
+            <a:br>
+              <a:rPr lang="zh-TW" altLang="en-US" dirty="0"/>
+            </a:br>
+            <a:endParaRPr lang="zh-TW" altLang="en-US" dirty="0"/>
+          </a:p>
+        </p:txBody>
+      </p:sp>
+      <p:pic>
+        <p:nvPicPr>
+          <p:cNvPr id="5" name="內容版面配置區 4">
+            <a:extLst>
+              <a:ext uri="{FF2B5EF4-FFF2-40B4-BE49-F238E27FC236}">
+                <a16:creationId xmlns:a16="http://schemas.microsoft.com/office/drawing/2014/main" id="{999570EB-09BB-47CA-9128-B9F048C46AC0}"/>
+              </a:ext>
+            </a:extLst>
+          </p:cNvPr>
+          <p:cNvPicPr>
+            <a:picLocks noGrp="1" noChangeAspect="1"/>
+          </p:cNvPicPr>
+          <p:nvPr>
+            <p:ph idx="1"/>
+          </p:nvPr>
+        </p:nvPicPr>
+        <p:blipFill>
+          <a:blip r:embed="rId3">
+            <a:extLst>
+              <a:ext uri="{28A0092B-C50C-407E-A947-70E740481C1C}">
+                <a14:useLocalDpi xmlns:a14="http://schemas.microsoft.com/office/drawing/2010/main" val="0"/>
+              </a:ext>
+            </a:extLst>
+          </a:blip>
+          <a:stretch>
+            <a:fillRect/>
+          </a:stretch>
+        </p:blipFill>
+        <p:spPr>
+          <a:xfrm>
+            <a:off x="1048406" y="1272619"/>
+            <a:ext cx="10715580" cy="5043841"/>
+          </a:xfrm>
+        </p:spPr>
+      </p:pic>
+    </p:spTree>
+    <p:extLst>
+      <p:ext uri="{BB962C8B-B14F-4D97-AF65-F5344CB8AC3E}">
+        <p14:creationId xmlns:p14="http://schemas.microsoft.com/office/powerpoint/2010/main" val="1404692340"/>
+      </p:ext>
+    </p:extLst>
+  </p:cSld>
+  <p:clrMapOvr>
+    <a:masterClrMapping/>
+  </p:clrMapOvr>
+</p:sld>
+</file>
+
+<file path=ppt/slides/slide17.xml><?xml version="1.0" encoding="utf-8"?>
+<p:sld xmlns:a="http://schemas.openxmlformats.org/drawingml/2006/main" xmlns:r="http://schemas.openxmlformats.org/officeDocument/2006/relationships" xmlns:p="http://schemas.openxmlformats.org/presentationml/2006/main">
+  <p:cSld>
+    <p:spTree>
+      <p:nvGrpSpPr>
+        <p:cNvPr id="1" name=""/>
+        <p:cNvGrpSpPr/>
+        <p:nvPr/>
+      </p:nvGrpSpPr>
+      <p:grpSpPr>
+        <a:xfrm>
+          <a:off x="0" y="0"/>
+          <a:ext cx="0" cy="0"/>
+          <a:chOff x="0" y="0"/>
+          <a:chExt cx="0" cy="0"/>
+        </a:xfrm>
+      </p:grpSpPr>
+      <p:sp>
+        <p:nvSpPr>
+          <p:cNvPr id="2" name="標題 1">
+            <a:extLst>
+              <a:ext uri="{FF2B5EF4-FFF2-40B4-BE49-F238E27FC236}">
+                <a16:creationId xmlns:a16="http://schemas.microsoft.com/office/drawing/2014/main" id="{104AA1BC-F685-4A2E-9FC1-C0A52166F7BB}"/>
+              </a:ext>
+            </a:extLst>
+          </p:cNvPr>
+          <p:cNvSpPr>
+            <a:spLocks noGrp="1"/>
+          </p:cNvSpPr>
+          <p:nvPr>
+            <p:ph type="title"/>
+          </p:nvPr>
+        </p:nvSpPr>
+        <p:spPr>
+          <a:xfrm>
+            <a:off x="1251678" y="382385"/>
+            <a:ext cx="10178322" cy="795966"/>
+          </a:xfrm>
+        </p:spPr>
+        <p:txBody>
+          <a:bodyPr/>
+          <a:lstStyle/>
+          <a:p>
+            <a:pPr algn="ctr"/>
+            <a:r>
+              <a:rPr lang="zh-TW" altLang="en-US" dirty="0"/>
+              <a:t>評論範例</a:t>
+            </a:r>
+          </a:p>
+        </p:txBody>
+      </p:sp>
+      <p:pic>
+        <p:nvPicPr>
+          <p:cNvPr id="4" name="內容版面配置區 3">
+            <a:extLst>
+              <a:ext uri="{FF2B5EF4-FFF2-40B4-BE49-F238E27FC236}">
+                <a16:creationId xmlns:a16="http://schemas.microsoft.com/office/drawing/2014/main" id="{06D65CEA-4A0B-48F9-9C5A-7B72A48EF874}"/>
+              </a:ext>
+            </a:extLst>
+          </p:cNvPr>
+          <p:cNvPicPr>
+            <a:picLocks noGrp="1" noChangeAspect="1"/>
+          </p:cNvPicPr>
+          <p:nvPr>
+            <p:ph idx="1"/>
+          </p:nvPr>
+        </p:nvPicPr>
+        <p:blipFill>
+          <a:blip r:embed="rId2"/>
+          <a:stretch>
+            <a:fillRect/>
+          </a:stretch>
+        </p:blipFill>
+        <p:spPr>
+          <a:xfrm>
+            <a:off x="1981878" y="2410247"/>
+            <a:ext cx="9270052" cy="2037505"/>
+          </a:xfrm>
+          <a:prstGeom prst="rect">
+            <a:avLst/>
+          </a:prstGeom>
+        </p:spPr>
+      </p:pic>
+    </p:spTree>
+    <p:extLst>
+      <p:ext uri="{BB962C8B-B14F-4D97-AF65-F5344CB8AC3E}">
+        <p14:creationId xmlns:p14="http://schemas.microsoft.com/office/powerpoint/2010/main" val="2725303790"/>
+      </p:ext>
+    </p:extLst>
+  </p:cSld>
+  <p:clrMapOvr>
+    <a:masterClrMapping/>
+  </p:clrMapOvr>
+</p:sld>
+</file>
+
+<file path=ppt/slides/slide18.xml><?xml version="1.0" encoding="utf-8"?>
+<p:sld xmlns:a="http://schemas.openxmlformats.org/drawingml/2006/main" xmlns:r="http://schemas.openxmlformats.org/officeDocument/2006/relationships" xmlns:p="http://schemas.openxmlformats.org/presentationml/2006/main">
+  <p:cSld>
+    <p:spTree>
+      <p:nvGrpSpPr>
+        <p:cNvPr id="1" name=""/>
+        <p:cNvGrpSpPr/>
+        <p:nvPr/>
+      </p:nvGrpSpPr>
+      <p:grpSpPr>
+        <a:xfrm>
+          <a:off x="0" y="0"/>
+          <a:ext cx="0" cy="0"/>
+          <a:chOff x="0" y="0"/>
+          <a:chExt cx="0" cy="0"/>
+        </a:xfrm>
+      </p:grpSpPr>
+      <p:sp>
+        <p:nvSpPr>
+          <p:cNvPr id="4" name="標題 3">
+            <a:extLst>
+              <a:ext uri="{FF2B5EF4-FFF2-40B4-BE49-F238E27FC236}">
+                <a16:creationId xmlns:a16="http://schemas.microsoft.com/office/drawing/2014/main" id="{73C33EBB-A52F-47EF-8E6A-27FF1611E057}"/>
+              </a:ext>
+            </a:extLst>
+          </p:cNvPr>
+          <p:cNvSpPr>
+            <a:spLocks noGrp="1"/>
+          </p:cNvSpPr>
+          <p:nvPr>
+            <p:ph type="title"/>
+          </p:nvPr>
+        </p:nvSpPr>
+        <p:spPr>
+          <a:xfrm>
+            <a:off x="3469585" y="2969943"/>
+            <a:ext cx="10178322" cy="1492132"/>
+          </a:xfrm>
+        </p:spPr>
+        <p:txBody>
+          <a:bodyPr/>
+          <a:lstStyle/>
+          <a:p>
+            <a:r>
+              <a:rPr lang="zh-TW" altLang="en-US" dirty="0">
+                <a:hlinkClick r:id="rId2"/>
+              </a:rPr>
+              <a:t>內容分類教學</a:t>
+            </a:r>
+            <a:endParaRPr lang="zh-TW" altLang="en-US" dirty="0"/>
+          </a:p>
+        </p:txBody>
+      </p:sp>
+    </p:spTree>
+    <p:extLst>
+      <p:ext uri="{BB962C8B-B14F-4D97-AF65-F5344CB8AC3E}">
+        <p14:creationId xmlns:p14="http://schemas.microsoft.com/office/powerpoint/2010/main" val="1282780696"/>
+      </p:ext>
+    </p:extLst>
+  </p:cSld>
+  <p:clrMapOvr>
+    <a:masterClrMapping/>
+  </p:clrMapOvr>
+</p:sld>
+</file>
+
+<file path=ppt/slides/slide19.xml><?xml version="1.0" encoding="utf-8"?>
+<p:sld xmlns:a="http://schemas.openxmlformats.org/drawingml/2006/main" xmlns:r="http://schemas.openxmlformats.org/officeDocument/2006/relationships" xmlns:p="http://schemas.openxmlformats.org/presentationml/2006/main">
+  <p:cSld>
+    <p:spTree>
+      <p:nvGrpSpPr>
+        <p:cNvPr id="1" name=""/>
+        <p:cNvGrpSpPr/>
+        <p:nvPr/>
+      </p:nvGrpSpPr>
+      <p:grpSpPr>
+        <a:xfrm>
+          <a:off x="0" y="0"/>
+          <a:ext cx="0" cy="0"/>
+          <a:chOff x="0" y="0"/>
+          <a:chExt cx="0" cy="0"/>
+        </a:xfrm>
+      </p:grpSpPr>
+      <p:sp>
+        <p:nvSpPr>
+          <p:cNvPr id="3" name="矩形 2">
+            <a:extLst>
+              <a:ext uri="{FF2B5EF4-FFF2-40B4-BE49-F238E27FC236}">
+                <a16:creationId xmlns:a16="http://schemas.microsoft.com/office/drawing/2014/main" id="{CD0BE22C-6243-41B5-8C0A-69482F19B21A}"/>
+              </a:ext>
+            </a:extLst>
+          </p:cNvPr>
+          <p:cNvSpPr/>
+          <p:nvPr/>
+        </p:nvSpPr>
+        <p:spPr>
+          <a:xfrm>
+            <a:off x="1272618" y="1843950"/>
+            <a:ext cx="10680569" cy="3785652"/>
+          </a:xfrm>
+          <a:prstGeom prst="rect">
+            <a:avLst/>
+          </a:prstGeom>
+        </p:spPr>
+        <p:txBody>
+          <a:bodyPr wrap="square">
+            <a:spAutoFit/>
+          </a:bodyPr>
+          <a:lstStyle/>
+          <a:p>
+            <a:r>
+              <a:rPr lang="zh-TW" altLang="en-US" sz="4000" dirty="0"/>
+              <a:t>步驟 </a:t>
+            </a:r>
+            <a:r>
+              <a:rPr lang="en-US" altLang="zh-TW" sz="4000" dirty="0"/>
+              <a:t>1</a:t>
+            </a:r>
+            <a:r>
+              <a:rPr lang="zh-TW" altLang="en-US" sz="4000" dirty="0"/>
+              <a:t>：將內容分類</a:t>
+            </a:r>
+          </a:p>
+          <a:p>
+            <a:r>
+              <a:rPr lang="zh-TW" altLang="en-US" sz="4000" dirty="0"/>
+              <a:t>您可以使用 </a:t>
+            </a:r>
+            <a:r>
+              <a:rPr lang="en-US" altLang="zh-TW" sz="4000" dirty="0"/>
+              <a:t>Python </a:t>
+            </a:r>
+            <a:r>
+              <a:rPr lang="zh-TW" altLang="en-US" sz="4000" dirty="0"/>
+              <a:t>用戶端程式庫建立要求來呼叫 </a:t>
+            </a:r>
+            <a:r>
+              <a:rPr lang="en-US" altLang="zh-TW" sz="4000" dirty="0"/>
+              <a:t>Natural Language API </a:t>
+            </a:r>
+            <a:r>
+              <a:rPr lang="zh-TW" altLang="en-US" sz="4000" dirty="0"/>
+              <a:t>以分類內容。</a:t>
+            </a:r>
+            <a:r>
+              <a:rPr lang="en-US" altLang="zh-TW" sz="4000" dirty="0"/>
+              <a:t>Python </a:t>
+            </a:r>
+            <a:r>
+              <a:rPr lang="zh-TW" altLang="en-US" sz="4000" dirty="0"/>
+              <a:t>用戶端程式庫會封裝傳送至 </a:t>
+            </a:r>
+            <a:r>
+              <a:rPr lang="en-US" altLang="zh-TW" sz="4000" dirty="0"/>
+              <a:t>Natural Language API </a:t>
+            </a:r>
+            <a:r>
+              <a:rPr lang="zh-TW" altLang="en-US" sz="4000" dirty="0"/>
+              <a:t>的要求詳細資料及其回應。</a:t>
+            </a:r>
+            <a:endParaRPr lang="en-US" altLang="zh-TW" sz="4000" dirty="0"/>
+          </a:p>
+          <a:p>
+            <a:r>
+              <a:rPr lang="en-US" altLang="zh-TW" sz="4000" dirty="0"/>
+              <a:t>[</a:t>
+            </a:r>
+            <a:r>
+              <a:rPr lang="zh-TW" altLang="en-US" sz="4000" dirty="0">
+                <a:hlinkClick r:id="rId2"/>
+              </a:rPr>
+              <a:t>程式碼</a:t>
+            </a:r>
+            <a:r>
+              <a:rPr lang="en-US" altLang="zh-TW" sz="4000" dirty="0"/>
+              <a:t>]</a:t>
+            </a:r>
+            <a:endParaRPr lang="zh-TW" altLang="en-US" sz="4000" dirty="0"/>
+          </a:p>
+        </p:txBody>
+      </p:sp>
+    </p:spTree>
+    <p:extLst>
+      <p:ext uri="{BB962C8B-B14F-4D97-AF65-F5344CB8AC3E}">
+        <p14:creationId xmlns:p14="http://schemas.microsoft.com/office/powerpoint/2010/main" val="281581257"/>
+      </p:ext>
+    </p:extLst>
+  </p:cSld>
+  <p:clrMapOvr>
+    <a:masterClrMapping/>
+  </p:clrMapOvr>
+</p:sld>
+</file>
+
 <file path=ppt/slides/slide2.xml><?xml version="1.0" encoding="utf-8"?>
+<p:sld xmlns:a="http://schemas.openxmlformats.org/drawingml/2006/main" xmlns:r="http://schemas.openxmlformats.org/officeDocument/2006/relationships" xmlns:p="http://schemas.openxmlformats.org/presentationml/2006/main">
+  <p:cSld>
+    <p:spTree>
+      <p:nvGrpSpPr>
+        <p:cNvPr id="1" name=""/>
+        <p:cNvGrpSpPr/>
+        <p:nvPr/>
+      </p:nvGrpSpPr>
+      <p:grpSpPr>
+        <a:xfrm>
+          <a:off x="0" y="0"/>
+          <a:ext cx="0" cy="0"/>
+          <a:chOff x="0" y="0"/>
+          <a:chExt cx="0" cy="0"/>
+        </a:xfrm>
+      </p:grpSpPr>
+      <p:sp>
+        <p:nvSpPr>
+          <p:cNvPr id="4" name="標題 3">
+            <a:extLst>
+              <a:ext uri="{FF2B5EF4-FFF2-40B4-BE49-F238E27FC236}">
+                <a16:creationId xmlns:a16="http://schemas.microsoft.com/office/drawing/2014/main" id="{A9A7A85F-742E-4309-BF25-CE5B4E3FF94E}"/>
+              </a:ext>
+            </a:extLst>
+          </p:cNvPr>
+          <p:cNvSpPr>
+            <a:spLocks noGrp="1"/>
+          </p:cNvSpPr>
+          <p:nvPr>
+            <p:ph type="title"/>
+          </p:nvPr>
+        </p:nvSpPr>
+        <p:spPr>
+          <a:xfrm>
+            <a:off x="1826713" y="2814500"/>
+            <a:ext cx="10178322" cy="1492132"/>
+          </a:xfrm>
+        </p:spPr>
+        <p:txBody>
+          <a:bodyPr/>
+          <a:lstStyle/>
+          <a:p>
+            <a:r>
+              <a:rPr lang="zh-TW" altLang="en-US" dirty="0"/>
+              <a:t>快速入門：使用用戶端程式庫</a:t>
+            </a:r>
+          </a:p>
+        </p:txBody>
+      </p:sp>
+    </p:spTree>
+    <p:extLst>
+      <p:ext uri="{BB962C8B-B14F-4D97-AF65-F5344CB8AC3E}">
+        <p14:creationId xmlns:p14="http://schemas.microsoft.com/office/powerpoint/2010/main" val="565815972"/>
+      </p:ext>
+    </p:extLst>
+  </p:cSld>
+  <p:clrMapOvr>
+    <a:masterClrMapping/>
+  </p:clrMapOvr>
+</p:sld>
+</file>
+
+<file path=ppt/slides/slide20.xml><?xml version="1.0" encoding="utf-8"?>
+<p:sld xmlns:a="http://schemas.openxmlformats.org/drawingml/2006/main" xmlns:r="http://schemas.openxmlformats.org/officeDocument/2006/relationships" xmlns:p="http://schemas.openxmlformats.org/presentationml/2006/main">
+  <p:cSld>
+    <p:spTree>
+      <p:nvGrpSpPr>
+        <p:cNvPr id="1" name=""/>
+        <p:cNvGrpSpPr/>
+        <p:nvPr/>
+      </p:nvGrpSpPr>
+      <p:grpSpPr>
+        <a:xfrm>
+          <a:off x="0" y="0"/>
+          <a:ext cx="0" cy="0"/>
+          <a:chOff x="0" y="0"/>
+          <a:chExt cx="0" cy="0"/>
+        </a:xfrm>
+      </p:grpSpPr>
+      <p:sp>
+        <p:nvSpPr>
+          <p:cNvPr id="2" name="矩形 1">
+            <a:extLst>
+              <a:ext uri="{FF2B5EF4-FFF2-40B4-BE49-F238E27FC236}">
+                <a16:creationId xmlns:a16="http://schemas.microsoft.com/office/drawing/2014/main" id="{A00DCE14-F7C8-4399-A5A5-6776D555A7D6}"/>
+              </a:ext>
+            </a:extLst>
+          </p:cNvPr>
+          <p:cNvSpPr/>
+          <p:nvPr/>
+        </p:nvSpPr>
+        <p:spPr>
+          <a:xfrm>
+            <a:off x="1074656" y="443060"/>
+            <a:ext cx="10646004" cy="523220"/>
+          </a:xfrm>
+          <a:prstGeom prst="rect">
+            <a:avLst/>
+          </a:prstGeom>
+        </p:spPr>
+        <p:txBody>
+          <a:bodyPr wrap="square">
+            <a:spAutoFit/>
+          </a:bodyPr>
+          <a:lstStyle/>
+          <a:p>
+            <a:r>
+              <a:rPr lang="zh-TW" altLang="en-US" sz="2800" dirty="0"/>
+              <a:t>傳回的結果是使用類別標籤做為索引鍵並以信心分數做為值的字典</a:t>
+            </a:r>
+            <a:endParaRPr lang="zh-TW" altLang="en-US" dirty="0"/>
+          </a:p>
+        </p:txBody>
+      </p:sp>
+      <p:sp>
+        <p:nvSpPr>
+          <p:cNvPr id="3" name="矩形 2">
+            <a:extLst>
+              <a:ext uri="{FF2B5EF4-FFF2-40B4-BE49-F238E27FC236}">
+                <a16:creationId xmlns:a16="http://schemas.microsoft.com/office/drawing/2014/main" id="{BA3175A2-850C-4B1D-BF97-7D23D667D8F6}"/>
+              </a:ext>
+            </a:extLst>
+          </p:cNvPr>
+          <p:cNvSpPr/>
+          <p:nvPr/>
+        </p:nvSpPr>
+        <p:spPr>
+          <a:xfrm>
+            <a:off x="1489435" y="1366887"/>
+            <a:ext cx="9775596" cy="1200329"/>
+          </a:xfrm>
+          <a:prstGeom prst="rect">
+            <a:avLst/>
+          </a:prstGeom>
+        </p:spPr>
+        <p:txBody>
+          <a:bodyPr wrap="square">
+            <a:spAutoFit/>
+          </a:bodyPr>
+          <a:lstStyle/>
+          <a:p>
+            <a:r>
+              <a:rPr lang="en-US" altLang="zh-TW" dirty="0"/>
+              <a:t>{</a:t>
+            </a:r>
+          </a:p>
+          <a:p>
+            <a:r>
+              <a:rPr lang="en-US" altLang="zh-TW" dirty="0"/>
+              <a:t>    "/Computers &amp; Electronics": 0.800000011920929,</a:t>
+            </a:r>
+          </a:p>
+          <a:p>
+            <a:r>
+              <a:rPr lang="en-US" altLang="zh-TW" dirty="0"/>
+              <a:t>    "/Internet &amp; Telecom/Mobile &amp; Wireless/Mobile Apps &amp; Add-Ons": 0.6499999761581421</a:t>
+            </a:r>
+          </a:p>
+          <a:p>
+            <a:r>
+              <a:rPr lang="en-US" altLang="zh-TW" dirty="0"/>
+              <a:t>}</a:t>
+            </a:r>
+            <a:endParaRPr lang="zh-TW" altLang="en-US" dirty="0"/>
+          </a:p>
+        </p:txBody>
+      </p:sp>
+      <p:sp>
+        <p:nvSpPr>
+          <p:cNvPr id="4" name="矩形 3">
+            <a:extLst>
+              <a:ext uri="{FF2B5EF4-FFF2-40B4-BE49-F238E27FC236}">
+                <a16:creationId xmlns:a16="http://schemas.microsoft.com/office/drawing/2014/main" id="{54DAB88F-A689-499C-BC3C-EB06F79B4DF1}"/>
+              </a:ext>
+            </a:extLst>
+          </p:cNvPr>
+          <p:cNvSpPr/>
+          <p:nvPr/>
+        </p:nvSpPr>
+        <p:spPr>
+          <a:xfrm>
+            <a:off x="1074656" y="4341044"/>
+            <a:ext cx="10737130" cy="1200329"/>
+          </a:xfrm>
+          <a:prstGeom prst="rect">
+            <a:avLst/>
+          </a:prstGeom>
+        </p:spPr>
+        <p:txBody>
+          <a:bodyPr wrap="square">
+            <a:spAutoFit/>
+          </a:bodyPr>
+          <a:lstStyle/>
+          <a:p>
+            <a:r>
+              <a:rPr lang="en-US" altLang="zh-TW" dirty="0"/>
+              <a:t>python classify_text_tutorial.py classify "Google Home enables users to speak voice commands to interact with services through the Home's intelligent personal assistant called Google Assistant. A large number of services, both in-house and third-party, are integrated, allowing users to listen to music, look at videos or photos, or receive news updates entirely by voice. "</a:t>
+            </a:r>
+            <a:endParaRPr lang="zh-TW" altLang="en-US" dirty="0"/>
+          </a:p>
+        </p:txBody>
+      </p:sp>
+      <p:sp>
+        <p:nvSpPr>
+          <p:cNvPr id="5" name="文字方塊 4">
+            <a:extLst>
+              <a:ext uri="{FF2B5EF4-FFF2-40B4-BE49-F238E27FC236}">
+                <a16:creationId xmlns:a16="http://schemas.microsoft.com/office/drawing/2014/main" id="{6E545694-280D-4604-AFDB-7A9A84E5AAA5}"/>
+              </a:ext>
+            </a:extLst>
+          </p:cNvPr>
+          <p:cNvSpPr txBox="1"/>
+          <p:nvPr/>
+        </p:nvSpPr>
+        <p:spPr>
+          <a:xfrm>
+            <a:off x="1140621" y="3344159"/>
+            <a:ext cx="1000595" cy="523220"/>
+          </a:xfrm>
+          <a:prstGeom prst="rect">
+            <a:avLst/>
+          </a:prstGeom>
+          <a:noFill/>
+        </p:spPr>
+        <p:txBody>
+          <a:bodyPr wrap="none" rtlCol="0">
+            <a:spAutoFit/>
+          </a:bodyPr>
+          <a:lstStyle/>
+          <a:p>
+            <a:r>
+              <a:rPr lang="zh-TW" altLang="en-US" sz="2800" b="1" dirty="0"/>
+              <a:t>例如</a:t>
+            </a:r>
+            <a:r>
+              <a:rPr lang="en-US" altLang="zh-TW" sz="2800" b="1" dirty="0"/>
+              <a:t>:</a:t>
+            </a:r>
+          </a:p>
+        </p:txBody>
+      </p:sp>
+    </p:spTree>
+    <p:extLst>
+      <p:ext uri="{BB962C8B-B14F-4D97-AF65-F5344CB8AC3E}">
+        <p14:creationId xmlns:p14="http://schemas.microsoft.com/office/powerpoint/2010/main" val="4262814942"/>
+      </p:ext>
+    </p:extLst>
+  </p:cSld>
+  <p:clrMapOvr>
+    <a:masterClrMapping/>
+  </p:clrMapOvr>
+</p:sld>
+</file>
+
+<file path=ppt/slides/slide21.xml><?xml version="1.0" encoding="utf-8"?>
+<p:sld xmlns:a="http://schemas.openxmlformats.org/drawingml/2006/main" xmlns:r="http://schemas.openxmlformats.org/officeDocument/2006/relationships" xmlns:p="http://schemas.openxmlformats.org/presentationml/2006/main">
+  <p:cSld>
+    <p:spTree>
+      <p:nvGrpSpPr>
+        <p:cNvPr id="1" name=""/>
+        <p:cNvGrpSpPr/>
+        <p:nvPr/>
+      </p:nvGrpSpPr>
+      <p:grpSpPr>
+        <a:xfrm>
+          <a:off x="0" y="0"/>
+          <a:ext cx="0" cy="0"/>
+          <a:chOff x="0" y="0"/>
+          <a:chExt cx="0" cy="0"/>
+        </a:xfrm>
+      </p:grpSpPr>
+      <p:sp>
+        <p:nvSpPr>
+          <p:cNvPr id="2" name="標題 1">
+            <a:extLst>
+              <a:ext uri="{FF2B5EF4-FFF2-40B4-BE49-F238E27FC236}">
+                <a16:creationId xmlns:a16="http://schemas.microsoft.com/office/drawing/2014/main" id="{903C9695-0218-41BD-BD72-0F3223653571}"/>
+              </a:ext>
+            </a:extLst>
+          </p:cNvPr>
+          <p:cNvSpPr>
+            <a:spLocks noGrp="1"/>
+          </p:cNvSpPr>
+          <p:nvPr>
+            <p:ph type="title"/>
+          </p:nvPr>
+        </p:nvSpPr>
+        <p:spPr>
+          <a:xfrm>
+            <a:off x="1468495" y="2937049"/>
+            <a:ext cx="10178322" cy="1492132"/>
+          </a:xfrm>
+        </p:spPr>
+        <p:txBody>
+          <a:bodyPr/>
+          <a:lstStyle/>
+          <a:p>
+            <a:r>
+              <a:rPr lang="zh-TW" altLang="en-US" dirty="0"/>
+              <a:t>步驟 </a:t>
+            </a:r>
+            <a:r>
+              <a:rPr lang="en-US" altLang="zh-TW" dirty="0"/>
+              <a:t>2</a:t>
+            </a:r>
+            <a:r>
+              <a:rPr lang="zh-TW" altLang="en-US" dirty="0"/>
+              <a:t>：建立多個文字檔案的索引</a:t>
+            </a:r>
+          </a:p>
+        </p:txBody>
+      </p:sp>
+    </p:spTree>
+    <p:extLst>
+      <p:ext uri="{BB962C8B-B14F-4D97-AF65-F5344CB8AC3E}">
+        <p14:creationId xmlns:p14="http://schemas.microsoft.com/office/powerpoint/2010/main" val="3522693621"/>
+      </p:ext>
+    </p:extLst>
+  </p:cSld>
+  <p:clrMapOvr>
+    <a:masterClrMapping/>
+  </p:clrMapOvr>
+</p:sld>
+</file>
+
+<file path=ppt/slides/slide22.xml><?xml version="1.0" encoding="utf-8"?>
+<p:sld xmlns:a="http://schemas.openxmlformats.org/drawingml/2006/main" xmlns:r="http://schemas.openxmlformats.org/officeDocument/2006/relationships" xmlns:p="http://schemas.openxmlformats.org/presentationml/2006/main">
+  <p:cSld>
+    <p:spTree>
+      <p:nvGrpSpPr>
+        <p:cNvPr id="1" name=""/>
+        <p:cNvGrpSpPr/>
+        <p:nvPr/>
+      </p:nvGrpSpPr>
+      <p:grpSpPr>
+        <a:xfrm>
+          <a:off x="0" y="0"/>
+          <a:ext cx="0" cy="0"/>
+          <a:chOff x="0" y="0"/>
+          <a:chExt cx="0" cy="0"/>
+        </a:xfrm>
+      </p:grpSpPr>
+      <p:sp>
+        <p:nvSpPr>
+          <p:cNvPr id="2" name="標題 1">
+            <a:extLst>
+              <a:ext uri="{FF2B5EF4-FFF2-40B4-BE49-F238E27FC236}">
+                <a16:creationId xmlns:a16="http://schemas.microsoft.com/office/drawing/2014/main" id="{BA821B3C-9E78-4F15-BB28-DFAEE4D3C330}"/>
+              </a:ext>
+            </a:extLst>
+          </p:cNvPr>
+          <p:cNvSpPr>
+            <a:spLocks noGrp="1"/>
+          </p:cNvSpPr>
+          <p:nvPr>
+            <p:ph type="title"/>
+          </p:nvPr>
+        </p:nvSpPr>
+        <p:spPr>
+          <a:xfrm>
+            <a:off x="1157411" y="222128"/>
+            <a:ext cx="10178322" cy="6103257"/>
+          </a:xfrm>
+        </p:spPr>
+        <p:txBody>
+          <a:bodyPr>
+            <a:noAutofit/>
+          </a:bodyPr>
+          <a:lstStyle/>
+          <a:p>
+            <a:r>
+              <a:rPr lang="zh-TW" altLang="en-US" sz="2800" dirty="0"/>
+              <a:t>如要使用教學課程指令碼中的 </a:t>
+            </a:r>
+            <a:r>
+              <a:rPr lang="en-US" altLang="zh-TW" sz="2800" dirty="0"/>
+              <a:t>index </a:t>
+            </a:r>
+            <a:r>
+              <a:rPr lang="zh-TW" altLang="en-US" sz="2800" dirty="0"/>
+              <a:t>函式，</a:t>
+            </a:r>
+            <a:br>
+              <a:rPr lang="en-US" altLang="zh-TW" sz="2800" dirty="0"/>
+            </a:br>
+            <a:br>
+              <a:rPr lang="en-US" altLang="zh-TW" sz="2800" dirty="0"/>
+            </a:br>
+            <a:r>
+              <a:rPr lang="zh-TW" altLang="en-US" sz="2800" dirty="0"/>
+              <a:t>您需要提供包含多個文字檔案的目錄 </a:t>
+            </a:r>
+            <a:r>
+              <a:rPr lang="en-US" altLang="zh-TW" sz="2800" dirty="0"/>
+              <a:t>(</a:t>
+            </a:r>
+            <a:r>
+              <a:rPr lang="zh-TW" altLang="en-US" sz="2800" dirty="0"/>
+              <a:t>作為輸入內容</a:t>
+            </a:r>
+            <a:r>
+              <a:rPr lang="en-US" altLang="zh-TW" sz="2800" dirty="0"/>
+              <a:t>)</a:t>
+            </a:r>
+            <a:br>
+              <a:rPr lang="en-US" altLang="zh-TW" sz="2800" dirty="0"/>
+            </a:br>
+            <a:br>
+              <a:rPr lang="en-US" altLang="zh-TW" sz="2800" dirty="0"/>
+            </a:br>
+            <a:r>
+              <a:rPr lang="en-US" altLang="zh-TW" sz="2800" dirty="0"/>
+              <a:t> </a:t>
+            </a:r>
+            <a:r>
+              <a:rPr lang="zh-TW" altLang="en-US" sz="2800" dirty="0"/>
+              <a:t>以及儲存索引後輸出內容的檔案路徑 </a:t>
+            </a:r>
+            <a:br>
+              <a:rPr lang="en-US" altLang="zh-TW" sz="2800" dirty="0"/>
+            </a:br>
+            <a:br>
+              <a:rPr lang="en-US" altLang="zh-TW" sz="2800" dirty="0"/>
+            </a:br>
+            <a:r>
+              <a:rPr lang="en-US" altLang="zh-TW" sz="2800" dirty="0"/>
+              <a:t>(</a:t>
+            </a:r>
+            <a:r>
+              <a:rPr lang="zh-TW" altLang="en-US" sz="2800" dirty="0"/>
+              <a:t>預設檔案名稱為 </a:t>
+            </a:r>
+            <a:r>
+              <a:rPr lang="en-US" altLang="zh-TW" sz="2800" dirty="0" err="1"/>
+              <a:t>index.json</a:t>
+            </a:r>
+            <a:r>
+              <a:rPr lang="en-US" altLang="zh-TW" sz="2800" dirty="0"/>
+              <a:t>)</a:t>
+            </a:r>
+            <a:r>
+              <a:rPr lang="zh-TW" altLang="en-US" sz="2800" dirty="0"/>
+              <a:t>。</a:t>
+            </a:r>
+            <a:br>
+              <a:rPr lang="en-US" altLang="zh-TW" sz="2800" dirty="0"/>
+            </a:br>
+            <a:br>
+              <a:rPr lang="en-US" altLang="zh-TW" sz="2800" dirty="0"/>
+            </a:br>
+            <a:r>
+              <a:rPr lang="en-US" altLang="zh-TW" sz="2800" dirty="0"/>
+              <a:t>index </a:t>
+            </a:r>
+            <a:r>
+              <a:rPr lang="zh-TW" altLang="en-US" sz="2800" dirty="0"/>
+              <a:t>函式會讀取輸入目錄的各個文字檔案內容，</a:t>
+            </a:r>
+            <a:br>
+              <a:rPr lang="en-US" altLang="zh-TW" sz="2800" dirty="0"/>
+            </a:br>
+            <a:br>
+              <a:rPr lang="en-US" altLang="zh-TW" sz="2800" dirty="0"/>
+            </a:br>
+            <a:r>
+              <a:rPr lang="zh-TW" altLang="en-US" sz="2800" dirty="0"/>
+              <a:t>然後將文字檔案傳遞至 </a:t>
+            </a:r>
+            <a:br>
+              <a:rPr lang="en-US" altLang="zh-TW" sz="2800" dirty="0"/>
+            </a:br>
+            <a:br>
+              <a:rPr lang="en-US" altLang="zh-TW" sz="2800" dirty="0"/>
+            </a:br>
+            <a:r>
+              <a:rPr lang="en-US" altLang="zh-TW" sz="2800" dirty="0"/>
+              <a:t>Cloud Natural Language API </a:t>
+            </a:r>
+            <a:br>
+              <a:rPr lang="en-US" altLang="zh-TW" sz="2800" dirty="0"/>
+            </a:br>
+            <a:br>
+              <a:rPr lang="en-US" altLang="zh-TW" sz="2800" dirty="0"/>
+            </a:br>
+            <a:r>
+              <a:rPr lang="zh-TW" altLang="en-US" sz="2800" dirty="0"/>
+              <a:t>以分類為各個內容類別。</a:t>
+            </a:r>
+          </a:p>
+        </p:txBody>
+      </p:sp>
+    </p:spTree>
+    <p:extLst>
+      <p:ext uri="{BB962C8B-B14F-4D97-AF65-F5344CB8AC3E}">
+        <p14:creationId xmlns:p14="http://schemas.microsoft.com/office/powerpoint/2010/main" val="2454819094"/>
+      </p:ext>
+    </p:extLst>
+  </p:cSld>
+  <p:clrMapOvr>
+    <a:masterClrMapping/>
+  </p:clrMapOvr>
+</p:sld>
+</file>
+
+<file path=ppt/slides/slide23.xml><?xml version="1.0" encoding="utf-8"?>
+<p:sld xmlns:a="http://schemas.openxmlformats.org/drawingml/2006/main" xmlns:r="http://schemas.openxmlformats.org/officeDocument/2006/relationships" xmlns:p="http://schemas.openxmlformats.org/presentationml/2006/main">
+  <p:cSld>
+    <p:spTree>
+      <p:nvGrpSpPr>
+        <p:cNvPr id="1" name=""/>
+        <p:cNvGrpSpPr/>
+        <p:nvPr/>
+      </p:nvGrpSpPr>
+      <p:grpSpPr>
+        <a:xfrm>
+          <a:off x="0" y="0"/>
+          <a:ext cx="0" cy="0"/>
+          <a:chOff x="0" y="0"/>
+          <a:chExt cx="0" cy="0"/>
+        </a:xfrm>
+      </p:grpSpPr>
+      <p:sp>
+        <p:nvSpPr>
+          <p:cNvPr id="2" name="標題 1">
+            <a:extLst>
+              <a:ext uri="{FF2B5EF4-FFF2-40B4-BE49-F238E27FC236}">
+                <a16:creationId xmlns:a16="http://schemas.microsoft.com/office/drawing/2014/main" id="{065E4739-7167-4D9C-8883-320B4F73A23F}"/>
+              </a:ext>
+            </a:extLst>
+          </p:cNvPr>
+          <p:cNvSpPr>
+            <a:spLocks noGrp="1"/>
+          </p:cNvSpPr>
+          <p:nvPr>
+            <p:ph type="title"/>
+          </p:nvPr>
+        </p:nvSpPr>
+        <p:spPr>
+          <a:xfrm>
+            <a:off x="1251678" y="382385"/>
+            <a:ext cx="10178322" cy="1719792"/>
+          </a:xfrm>
+        </p:spPr>
+        <p:txBody>
+          <a:bodyPr>
+            <a:normAutofit/>
+          </a:bodyPr>
+          <a:lstStyle/>
+          <a:p>
+            <a:r>
+              <a:rPr lang="en-US" altLang="zh-TW" dirty="0"/>
+              <a:t>Cloud Natural Language API </a:t>
+            </a:r>
+            <a:br>
+              <a:rPr lang="en-US" altLang="zh-TW" dirty="0"/>
+            </a:br>
+            <a:r>
+              <a:rPr lang="zh-TW" altLang="en-US" sz="3100" dirty="0"/>
+              <a:t>針對各個檔案傳回的結果會整理為</a:t>
+            </a:r>
+            <a:br>
+              <a:rPr lang="en-US" altLang="zh-TW" sz="3100" dirty="0"/>
+            </a:br>
+            <a:r>
+              <a:rPr lang="zh-TW" altLang="en-US" sz="3100" dirty="0"/>
+              <a:t>單一字典，接著序列化為 </a:t>
+            </a:r>
+            <a:r>
+              <a:rPr lang="en-US" altLang="zh-TW" sz="3100" dirty="0"/>
+              <a:t>JSON </a:t>
+            </a:r>
+            <a:r>
+              <a:rPr lang="zh-TW" altLang="en-US" sz="3100" dirty="0"/>
+              <a:t>字串並寫入檔案。</a:t>
+            </a:r>
+          </a:p>
+        </p:txBody>
+      </p:sp>
+      <p:sp>
+        <p:nvSpPr>
+          <p:cNvPr id="3" name="矩形 2">
+            <a:extLst>
+              <a:ext uri="{FF2B5EF4-FFF2-40B4-BE49-F238E27FC236}">
+                <a16:creationId xmlns:a16="http://schemas.microsoft.com/office/drawing/2014/main" id="{225B896D-2D65-4ACE-BCAE-2915D25E1682}"/>
+              </a:ext>
+            </a:extLst>
+          </p:cNvPr>
+          <p:cNvSpPr/>
+          <p:nvPr/>
+        </p:nvSpPr>
+        <p:spPr>
+          <a:xfrm>
+            <a:off x="1436016" y="2179851"/>
+            <a:ext cx="9862008" cy="2862322"/>
+          </a:xfrm>
+          <a:prstGeom prst="rect">
+            <a:avLst/>
+          </a:prstGeom>
+        </p:spPr>
+        <p:txBody>
+          <a:bodyPr wrap="square">
+            <a:spAutoFit/>
+          </a:bodyPr>
+          <a:lstStyle/>
+          <a:p>
+            <a:r>
+              <a:rPr lang="en-US" altLang="zh-TW" dirty="0"/>
+              <a:t>{</a:t>
+            </a:r>
+          </a:p>
+          <a:p>
+            <a:r>
+              <a:rPr lang="en-US" altLang="zh-TW" dirty="0"/>
+              <a:t>    "android.txt": {</a:t>
+            </a:r>
+          </a:p>
+          <a:p>
+            <a:r>
+              <a:rPr lang="en-US" altLang="zh-TW" dirty="0"/>
+              <a:t>        "/Computers &amp; Electronics": 0.800000011920929,</a:t>
+            </a:r>
+          </a:p>
+          <a:p>
+            <a:r>
+              <a:rPr lang="en-US" altLang="zh-TW" dirty="0"/>
+              <a:t>        "/Internet &amp; Telecom/Mobile &amp; Wireless/Mobile Apps &amp; Add-Ons": 0.6499999761581421</a:t>
+            </a:r>
+          </a:p>
+          <a:p>
+            <a:r>
+              <a:rPr lang="en-US" altLang="zh-TW" dirty="0"/>
+              <a:t>    },</a:t>
+            </a:r>
+          </a:p>
+          <a:p>
+            <a:r>
+              <a:rPr lang="en-US" altLang="zh-TW" dirty="0"/>
+              <a:t>    "google.txt": {</a:t>
+            </a:r>
+          </a:p>
+          <a:p>
+            <a:r>
+              <a:rPr lang="en-US" altLang="zh-TW" dirty="0"/>
+              <a:t>        "/Internet &amp; Telecom": 0.5799999833106995,</a:t>
+            </a:r>
+          </a:p>
+          <a:p>
+            <a:r>
+              <a:rPr lang="en-US" altLang="zh-TW" dirty="0"/>
+              <a:t>        "/Business &amp; Industrial": 0.5400000214576721</a:t>
+            </a:r>
+          </a:p>
+          <a:p>
+            <a:r>
+              <a:rPr lang="en-US" altLang="zh-TW" dirty="0"/>
+              <a:t>    }</a:t>
+            </a:r>
+          </a:p>
+          <a:p>
+            <a:r>
+              <a:rPr lang="en-US" altLang="zh-TW" dirty="0"/>
+              <a:t>}</a:t>
+            </a:r>
+            <a:endParaRPr lang="zh-TW" altLang="en-US" dirty="0"/>
+          </a:p>
+        </p:txBody>
+      </p:sp>
+      <p:sp>
+        <p:nvSpPr>
+          <p:cNvPr id="4" name="矩形 3">
+            <a:extLst>
+              <a:ext uri="{FF2B5EF4-FFF2-40B4-BE49-F238E27FC236}">
+                <a16:creationId xmlns:a16="http://schemas.microsoft.com/office/drawing/2014/main" id="{67AD8A71-CAAE-4491-B92B-EC13CD7F956F}"/>
+              </a:ext>
+            </a:extLst>
+          </p:cNvPr>
+          <p:cNvSpPr/>
+          <p:nvPr/>
+        </p:nvSpPr>
+        <p:spPr>
+          <a:xfrm>
+            <a:off x="1436016" y="5940400"/>
+            <a:ext cx="7985199" cy="523220"/>
+          </a:xfrm>
+          <a:prstGeom prst="rect">
+            <a:avLst/>
+          </a:prstGeom>
+        </p:spPr>
+        <p:txBody>
+          <a:bodyPr wrap="none">
+            <a:spAutoFit/>
+          </a:bodyPr>
+          <a:lstStyle/>
+          <a:p>
+            <a:r>
+              <a:rPr lang="en-US" altLang="zh-TW" sz="2800" dirty="0"/>
+              <a:t>python classify_text_tutorial.py index resources/texts</a:t>
+            </a:r>
+            <a:endParaRPr lang="zh-TW" altLang="en-US" sz="2800" dirty="0"/>
+          </a:p>
+        </p:txBody>
+      </p:sp>
+      <p:pic>
+        <p:nvPicPr>
+          <p:cNvPr id="5" name="圖片 4">
+            <a:extLst>
+              <a:ext uri="{FF2B5EF4-FFF2-40B4-BE49-F238E27FC236}">
+                <a16:creationId xmlns:a16="http://schemas.microsoft.com/office/drawing/2014/main" id="{9DCE39F6-EE33-4197-AE8A-36F85BF694E5}"/>
+              </a:ext>
+            </a:extLst>
+          </p:cNvPr>
+          <p:cNvPicPr>
+            <a:picLocks noChangeAspect="1"/>
+          </p:cNvPicPr>
+          <p:nvPr/>
+        </p:nvPicPr>
+        <p:blipFill>
+          <a:blip r:embed="rId2"/>
+          <a:stretch>
+            <a:fillRect/>
+          </a:stretch>
+        </p:blipFill>
+        <p:spPr>
+          <a:xfrm>
+            <a:off x="1251678" y="5369096"/>
+            <a:ext cx="1237595" cy="755970"/>
+          </a:xfrm>
+          <a:prstGeom prst="rect">
+            <a:avLst/>
+          </a:prstGeom>
+        </p:spPr>
+      </p:pic>
+    </p:spTree>
+    <p:extLst>
+      <p:ext uri="{BB962C8B-B14F-4D97-AF65-F5344CB8AC3E}">
+        <p14:creationId xmlns:p14="http://schemas.microsoft.com/office/powerpoint/2010/main" val="249073033"/>
+      </p:ext>
+    </p:extLst>
+  </p:cSld>
+  <p:clrMapOvr>
+    <a:masterClrMapping/>
+  </p:clrMapOvr>
+</p:sld>
+</file>
+
+<file path=ppt/slides/slide24.xml><?xml version="1.0" encoding="utf-8"?>
+<p:sld xmlns:a="http://schemas.openxmlformats.org/drawingml/2006/main" xmlns:r="http://schemas.openxmlformats.org/officeDocument/2006/relationships" xmlns:p="http://schemas.openxmlformats.org/presentationml/2006/main">
+  <p:cSld>
+    <p:spTree>
+      <p:nvGrpSpPr>
+        <p:cNvPr id="1" name=""/>
+        <p:cNvGrpSpPr/>
+        <p:nvPr/>
+      </p:nvGrpSpPr>
+      <p:grpSpPr>
+        <a:xfrm>
+          <a:off x="0" y="0"/>
+          <a:ext cx="0" cy="0"/>
+          <a:chOff x="0" y="0"/>
+          <a:chExt cx="0" cy="0"/>
+        </a:xfrm>
+      </p:grpSpPr>
+      <p:sp>
+        <p:nvSpPr>
+          <p:cNvPr id="2" name="標題 1">
+            <a:extLst>
+              <a:ext uri="{FF2B5EF4-FFF2-40B4-BE49-F238E27FC236}">
+                <a16:creationId xmlns:a16="http://schemas.microsoft.com/office/drawing/2014/main" id="{1C8A256A-E8D5-41CA-9B2C-6DA8BE2A538A}"/>
+              </a:ext>
+            </a:extLst>
+          </p:cNvPr>
+          <p:cNvSpPr>
+            <a:spLocks noGrp="1"/>
+          </p:cNvSpPr>
+          <p:nvPr>
+            <p:ph type="title"/>
+          </p:nvPr>
+        </p:nvSpPr>
+        <p:spPr/>
+        <p:txBody>
+          <a:bodyPr>
+            <a:normAutofit/>
+          </a:bodyPr>
+          <a:lstStyle/>
+          <a:p>
+            <a:r>
+              <a:rPr lang="zh-TW" altLang="en-US" dirty="0"/>
+              <a:t>步驟 </a:t>
+            </a:r>
+            <a:r>
+              <a:rPr lang="en-US" altLang="zh-TW" dirty="0"/>
+              <a:t>3</a:t>
+            </a:r>
+            <a:r>
+              <a:rPr lang="zh-TW" altLang="en-US" dirty="0"/>
+              <a:t>：查詢索引</a:t>
+            </a:r>
+            <a:br>
+              <a:rPr lang="zh-TW" altLang="en-US" dirty="0"/>
+            </a:br>
+            <a:endParaRPr lang="zh-TW" altLang="en-US" dirty="0"/>
+          </a:p>
+        </p:txBody>
+      </p:sp>
+      <p:sp>
+        <p:nvSpPr>
+          <p:cNvPr id="3" name="矩形 2">
+            <a:extLst>
+              <a:ext uri="{FF2B5EF4-FFF2-40B4-BE49-F238E27FC236}">
+                <a16:creationId xmlns:a16="http://schemas.microsoft.com/office/drawing/2014/main" id="{08157E3D-DF11-4920-AFBD-38856E00E66B}"/>
+              </a:ext>
+            </a:extLst>
+          </p:cNvPr>
+          <p:cNvSpPr/>
+          <p:nvPr/>
+        </p:nvSpPr>
+        <p:spPr>
+          <a:xfrm>
+            <a:off x="1545996" y="2234153"/>
+            <a:ext cx="9521072" cy="2554545"/>
+          </a:xfrm>
+          <a:prstGeom prst="rect">
+            <a:avLst/>
+          </a:prstGeom>
+        </p:spPr>
+        <p:txBody>
+          <a:bodyPr wrap="square">
+            <a:spAutoFit/>
+          </a:bodyPr>
+          <a:lstStyle/>
+          <a:p>
+            <a:r>
+              <a:rPr lang="zh-TW" altLang="en-US" sz="3200" dirty="0"/>
+              <a:t>透過類別標籤查詢</a:t>
+            </a:r>
+            <a:br>
+              <a:rPr lang="zh-TW" altLang="en-US" sz="3200" dirty="0"/>
+            </a:br>
+            <a:endParaRPr lang="en-US" altLang="zh-TW" sz="3200" dirty="0"/>
+          </a:p>
+          <a:p>
+            <a:r>
+              <a:rPr lang="zh-TW" altLang="en-US" sz="3200" dirty="0"/>
+              <a:t>建好索引檔案 </a:t>
+            </a:r>
+            <a:r>
+              <a:rPr lang="en-US" altLang="zh-TW" sz="3200" dirty="0"/>
+              <a:t>(</a:t>
+            </a:r>
+            <a:r>
+              <a:rPr lang="zh-TW" altLang="en-US" sz="3200" dirty="0"/>
+              <a:t>預設檔案名稱 </a:t>
+            </a:r>
+            <a:r>
+              <a:rPr lang="en-US" altLang="zh-TW" sz="3200" dirty="0"/>
+              <a:t>= </a:t>
+            </a:r>
+            <a:r>
+              <a:rPr lang="en-US" altLang="zh-TW" sz="3200" dirty="0" err="1"/>
+              <a:t>index.json</a:t>
+            </a:r>
+            <a:r>
+              <a:rPr lang="en-US" altLang="zh-TW" sz="3200" dirty="0"/>
+              <a:t>)</a:t>
+            </a:r>
+            <a:r>
+              <a:rPr lang="zh-TW" altLang="en-US" sz="3200" dirty="0"/>
+              <a:t>，</a:t>
+            </a:r>
+            <a:endParaRPr lang="en-US" altLang="zh-TW" sz="3200" dirty="0"/>
+          </a:p>
+          <a:p>
+            <a:endParaRPr lang="en-US" altLang="zh-TW" sz="3200" dirty="0"/>
+          </a:p>
+          <a:p>
+            <a:r>
+              <a:rPr lang="zh-TW" altLang="en-US" sz="3200" dirty="0"/>
+              <a:t>即可查詢索引來擷取特定檔案名稱及其信心分數。</a:t>
+            </a:r>
+          </a:p>
+        </p:txBody>
+      </p:sp>
+    </p:spTree>
+    <p:extLst>
+      <p:ext uri="{BB962C8B-B14F-4D97-AF65-F5344CB8AC3E}">
+        <p14:creationId xmlns:p14="http://schemas.microsoft.com/office/powerpoint/2010/main" val="2588565582"/>
+      </p:ext>
+    </p:extLst>
+  </p:cSld>
+  <p:clrMapOvr>
+    <a:masterClrMapping/>
+  </p:clrMapOvr>
+</p:sld>
+</file>
+
+<file path=ppt/slides/slide25.xml><?xml version="1.0" encoding="utf-8"?>
+<p:sld xmlns:a="http://schemas.openxmlformats.org/drawingml/2006/main" xmlns:r="http://schemas.openxmlformats.org/officeDocument/2006/relationships" xmlns:p="http://schemas.openxmlformats.org/presentationml/2006/main">
+  <p:cSld>
+    <p:spTree>
+      <p:nvGrpSpPr>
+        <p:cNvPr id="1" name=""/>
+        <p:cNvGrpSpPr/>
+        <p:nvPr/>
+      </p:nvGrpSpPr>
+      <p:grpSpPr>
+        <a:xfrm>
+          <a:off x="0" y="0"/>
+          <a:ext cx="0" cy="0"/>
+          <a:chOff x="0" y="0"/>
+          <a:chExt cx="0" cy="0"/>
+        </a:xfrm>
+      </p:grpSpPr>
+      <p:sp>
+        <p:nvSpPr>
+          <p:cNvPr id="2" name="標題 1">
+            <a:extLst>
+              <a:ext uri="{FF2B5EF4-FFF2-40B4-BE49-F238E27FC236}">
+                <a16:creationId xmlns:a16="http://schemas.microsoft.com/office/drawing/2014/main" id="{D21C74D5-818E-4701-859A-0E50756C42E9}"/>
+              </a:ext>
+            </a:extLst>
+          </p:cNvPr>
+          <p:cNvSpPr>
+            <a:spLocks noGrp="1"/>
+          </p:cNvSpPr>
+          <p:nvPr>
+            <p:ph type="title"/>
+          </p:nvPr>
+        </p:nvSpPr>
+        <p:spPr>
+          <a:xfrm>
+            <a:off x="1223398" y="1626723"/>
+            <a:ext cx="10178322" cy="682844"/>
+          </a:xfrm>
+        </p:spPr>
+        <p:txBody>
+          <a:bodyPr>
+            <a:normAutofit/>
+          </a:bodyPr>
+          <a:lstStyle/>
+          <a:p>
+            <a:r>
+              <a:rPr lang="en-US" altLang="zh-TW" sz="1800" dirty="0">
+                <a:latin typeface="+mn-ea"/>
+                <a:ea typeface="+mn-ea"/>
+              </a:rPr>
+              <a:t>python classify_text_tutorial.py query-category </a:t>
+            </a:r>
+            <a:r>
+              <a:rPr lang="en-US" altLang="zh-TW" sz="1800" dirty="0" err="1">
+                <a:latin typeface="+mn-ea"/>
+                <a:ea typeface="+mn-ea"/>
+              </a:rPr>
+              <a:t>index.json</a:t>
+            </a:r>
+            <a:r>
+              <a:rPr lang="en-US" altLang="zh-TW" sz="1800" dirty="0">
+                <a:latin typeface="+mn-ea"/>
+                <a:ea typeface="+mn-ea"/>
+              </a:rPr>
+              <a:t> "/Internet &amp; Telecom/Mobile &amp; Wireless"</a:t>
+            </a:r>
+            <a:endParaRPr lang="zh-TW" altLang="en-US" sz="1800" dirty="0">
+              <a:latin typeface="+mn-ea"/>
+              <a:ea typeface="+mn-ea"/>
+            </a:endParaRPr>
+          </a:p>
+        </p:txBody>
+      </p:sp>
+      <p:pic>
+        <p:nvPicPr>
+          <p:cNvPr id="3" name="圖片 2">
+            <a:extLst>
+              <a:ext uri="{FF2B5EF4-FFF2-40B4-BE49-F238E27FC236}">
+                <a16:creationId xmlns:a16="http://schemas.microsoft.com/office/drawing/2014/main" id="{DA1D01AF-6F16-4DBA-8BD4-A5E22D228DE7}"/>
+              </a:ext>
+            </a:extLst>
+          </p:cNvPr>
+          <p:cNvPicPr>
+            <a:picLocks noChangeAspect="1"/>
+          </p:cNvPicPr>
+          <p:nvPr/>
+        </p:nvPicPr>
+        <p:blipFill>
+          <a:blip r:embed="rId2"/>
+          <a:stretch>
+            <a:fillRect/>
+          </a:stretch>
+        </p:blipFill>
+        <p:spPr>
+          <a:xfrm>
+            <a:off x="1074884" y="713167"/>
+            <a:ext cx="1237595" cy="755970"/>
+          </a:xfrm>
+          <a:prstGeom prst="rect">
+            <a:avLst/>
+          </a:prstGeom>
+        </p:spPr>
+      </p:pic>
+      <p:sp>
+        <p:nvSpPr>
+          <p:cNvPr id="4" name="矩形 3">
+            <a:extLst>
+              <a:ext uri="{FF2B5EF4-FFF2-40B4-BE49-F238E27FC236}">
+                <a16:creationId xmlns:a16="http://schemas.microsoft.com/office/drawing/2014/main" id="{D95EF4C0-8ABD-46F7-AD74-B9D73E5524B3}"/>
+              </a:ext>
+            </a:extLst>
+          </p:cNvPr>
+          <p:cNvSpPr/>
+          <p:nvPr/>
+        </p:nvSpPr>
+        <p:spPr>
+          <a:xfrm>
+            <a:off x="1223398" y="3429000"/>
+            <a:ext cx="6096000" cy="3139321"/>
+          </a:xfrm>
+          <a:prstGeom prst="rect">
+            <a:avLst/>
+          </a:prstGeom>
+        </p:spPr>
+        <p:txBody>
+          <a:bodyPr>
+            <a:spAutoFit/>
+          </a:bodyPr>
+          <a:lstStyle/>
+          <a:p>
+            <a:r>
+              <a:rPr lang="en-US" altLang="zh-TW" dirty="0"/>
+              <a:t>Query: /Internet &amp; Telecom/Mobile &amp; Wireless</a:t>
+            </a:r>
+          </a:p>
+          <a:p>
+            <a:endParaRPr lang="en-US" altLang="zh-TW" dirty="0"/>
+          </a:p>
+          <a:p>
+            <a:r>
+              <a:rPr lang="en-US" altLang="zh-TW" dirty="0"/>
+              <a:t>Most similar 3 indexed texts:</a:t>
+            </a:r>
+          </a:p>
+          <a:p>
+            <a:r>
+              <a:rPr lang="en-US" altLang="zh-TW" dirty="0"/>
+              <a:t>  Filename: android.txt</a:t>
+            </a:r>
+          </a:p>
+          <a:p>
+            <a:r>
+              <a:rPr lang="en-US" altLang="zh-TW" dirty="0"/>
+              <a:t>  Similarity: 0.665573579045</a:t>
+            </a:r>
+          </a:p>
+          <a:p>
+            <a:endParaRPr lang="en-US" altLang="zh-TW" dirty="0"/>
+          </a:p>
+          <a:p>
+            <a:r>
+              <a:rPr lang="en-US" altLang="zh-TW" dirty="0"/>
+              <a:t>  Filename: google.txt</a:t>
+            </a:r>
+          </a:p>
+          <a:p>
+            <a:r>
+              <a:rPr lang="en-US" altLang="zh-TW" dirty="0"/>
+              <a:t>  Similarity: 0.517527175966</a:t>
+            </a:r>
+          </a:p>
+          <a:p>
+            <a:endParaRPr lang="en-US" altLang="zh-TW" dirty="0"/>
+          </a:p>
+          <a:p>
+            <a:r>
+              <a:rPr lang="en-US" altLang="zh-TW" dirty="0"/>
+              <a:t>  Filename: gcp.txt</a:t>
+            </a:r>
+          </a:p>
+          <a:p>
+            <a:r>
+              <a:rPr lang="en-US" altLang="zh-TW" dirty="0"/>
+              <a:t>  Similarity: 0.5</a:t>
+            </a:r>
+            <a:endParaRPr lang="zh-TW" altLang="en-US" dirty="0"/>
+          </a:p>
+        </p:txBody>
+      </p:sp>
+      <p:sp>
+        <p:nvSpPr>
+          <p:cNvPr id="5" name="文字方塊 4">
+            <a:extLst>
+              <a:ext uri="{FF2B5EF4-FFF2-40B4-BE49-F238E27FC236}">
+                <a16:creationId xmlns:a16="http://schemas.microsoft.com/office/drawing/2014/main" id="{E268F774-1D0F-4CF8-AC9E-64C1DFE80776}"/>
+              </a:ext>
+            </a:extLst>
+          </p:cNvPr>
+          <p:cNvSpPr txBox="1"/>
+          <p:nvPr/>
+        </p:nvSpPr>
+        <p:spPr>
+          <a:xfrm>
+            <a:off x="1196468" y="2733773"/>
+            <a:ext cx="1116011" cy="584775"/>
+          </a:xfrm>
+          <a:prstGeom prst="rect">
+            <a:avLst/>
+          </a:prstGeom>
+          <a:noFill/>
+        </p:spPr>
+        <p:txBody>
+          <a:bodyPr wrap="none" rtlCol="0">
+            <a:spAutoFit/>
+          </a:bodyPr>
+          <a:lstStyle/>
+          <a:p>
+            <a:r>
+              <a:rPr lang="zh-TW" altLang="en-US" sz="3200" b="1" dirty="0"/>
+              <a:t>輸出</a:t>
+            </a:r>
+            <a:r>
+              <a:rPr lang="en-US" altLang="zh-TW" sz="3200" b="1" dirty="0"/>
+              <a:t>:</a:t>
+            </a:r>
+            <a:endParaRPr lang="zh-TW" altLang="en-US" sz="3200" b="1" dirty="0"/>
+          </a:p>
+        </p:txBody>
+      </p:sp>
+    </p:spTree>
+    <p:extLst>
+      <p:ext uri="{BB962C8B-B14F-4D97-AF65-F5344CB8AC3E}">
+        <p14:creationId xmlns:p14="http://schemas.microsoft.com/office/powerpoint/2010/main" val="1985986993"/>
+      </p:ext>
+    </p:extLst>
+  </p:cSld>
+  <p:clrMapOvr>
+    <a:masterClrMapping/>
+  </p:clrMapOvr>
+</p:sld>
+</file>
+
+<file path=ppt/slides/slide26.xml><?xml version="1.0" encoding="utf-8"?>
+<p:sld xmlns:a="http://schemas.openxmlformats.org/drawingml/2006/main" xmlns:r="http://schemas.openxmlformats.org/officeDocument/2006/relationships" xmlns:p="http://schemas.openxmlformats.org/presentationml/2006/main">
+  <p:cSld>
+    <p:spTree>
+      <p:nvGrpSpPr>
+        <p:cNvPr id="1" name=""/>
+        <p:cNvGrpSpPr/>
+        <p:nvPr/>
+      </p:nvGrpSpPr>
+      <p:grpSpPr>
+        <a:xfrm>
+          <a:off x="0" y="0"/>
+          <a:ext cx="0" cy="0"/>
+          <a:chOff x="0" y="0"/>
+          <a:chExt cx="0" cy="0"/>
+        </a:xfrm>
+      </p:grpSpPr>
+      <p:sp>
+        <p:nvSpPr>
+          <p:cNvPr id="2" name="標題 1">
+            <a:extLst>
+              <a:ext uri="{FF2B5EF4-FFF2-40B4-BE49-F238E27FC236}">
+                <a16:creationId xmlns:a16="http://schemas.microsoft.com/office/drawing/2014/main" id="{CDC75C85-56B5-46AE-A301-FB5EF0A74695}"/>
+              </a:ext>
+            </a:extLst>
+          </p:cNvPr>
+          <p:cNvSpPr>
+            <a:spLocks noGrp="1"/>
+          </p:cNvSpPr>
+          <p:nvPr>
+            <p:ph type="title"/>
+          </p:nvPr>
+        </p:nvSpPr>
+        <p:spPr/>
+        <p:txBody>
+          <a:bodyPr>
+            <a:normAutofit/>
+          </a:bodyPr>
+          <a:lstStyle/>
+          <a:p>
+            <a:r>
+              <a:rPr lang="zh-TW" altLang="en-US" dirty="0"/>
+              <a:t>透過文字查詢</a:t>
+            </a:r>
+            <a:br>
+              <a:rPr lang="zh-TW" altLang="en-US" dirty="0"/>
+            </a:br>
+            <a:r>
+              <a:rPr lang="zh-TW" altLang="en-US" sz="3100" dirty="0"/>
+              <a:t>您還可以使用不屬於索引的文字進行查詢。</a:t>
+            </a:r>
+          </a:p>
+        </p:txBody>
+      </p:sp>
+      <p:sp>
+        <p:nvSpPr>
+          <p:cNvPr id="3" name="矩形 2">
+            <a:extLst>
+              <a:ext uri="{FF2B5EF4-FFF2-40B4-BE49-F238E27FC236}">
+                <a16:creationId xmlns:a16="http://schemas.microsoft.com/office/drawing/2014/main" id="{5FCF1427-7649-4FE0-8345-5793801B4D9C}"/>
+              </a:ext>
+            </a:extLst>
+          </p:cNvPr>
+          <p:cNvSpPr/>
+          <p:nvPr/>
+        </p:nvSpPr>
+        <p:spPr>
+          <a:xfrm>
+            <a:off x="1251678" y="2090172"/>
+            <a:ext cx="10178322" cy="2677656"/>
+          </a:xfrm>
+          <a:prstGeom prst="rect">
+            <a:avLst/>
+          </a:prstGeom>
+        </p:spPr>
+        <p:txBody>
+          <a:bodyPr wrap="square">
+            <a:spAutoFit/>
+          </a:bodyPr>
+          <a:lstStyle/>
+          <a:p>
+            <a:r>
+              <a:rPr lang="en-US" altLang="zh-TW" sz="2800" dirty="0"/>
+              <a:t>python classify_text_tutorial.py query </a:t>
+            </a:r>
+            <a:r>
+              <a:rPr lang="en-US" altLang="zh-TW" sz="2800" dirty="0" err="1"/>
+              <a:t>index.json</a:t>
+            </a:r>
+            <a:r>
+              <a:rPr lang="en-US" altLang="zh-TW" sz="2800" dirty="0"/>
+              <a:t> "Google Home enables users to speak voice commands to interact with services through the Home's intelligent personal assistant called Google Assistant. A large number of services, both in-house and third-party, are integrated, allowing users to listen to music, look at videos or photos, or receive news updates entirely by voice. "</a:t>
+            </a:r>
+            <a:endParaRPr lang="zh-TW" altLang="en-US" sz="2800" dirty="0"/>
+          </a:p>
+        </p:txBody>
+      </p:sp>
+    </p:spTree>
+    <p:extLst>
+      <p:ext uri="{BB962C8B-B14F-4D97-AF65-F5344CB8AC3E}">
+        <p14:creationId xmlns:p14="http://schemas.microsoft.com/office/powerpoint/2010/main" val="3450354771"/>
+      </p:ext>
+    </p:extLst>
+  </p:cSld>
+  <p:clrMapOvr>
+    <a:masterClrMapping/>
+  </p:clrMapOvr>
+</p:sld>
+</file>
+
+<file path=ppt/slides/slide27.xml><?xml version="1.0" encoding="utf-8"?>
+<p:sld xmlns:a="http://schemas.openxmlformats.org/drawingml/2006/main" xmlns:r="http://schemas.openxmlformats.org/officeDocument/2006/relationships" xmlns:p="http://schemas.openxmlformats.org/presentationml/2006/main">
+  <p:cSld>
+    <p:spTree>
+      <p:nvGrpSpPr>
+        <p:cNvPr id="1" name=""/>
+        <p:cNvGrpSpPr/>
+        <p:nvPr/>
+      </p:nvGrpSpPr>
+      <p:grpSpPr>
+        <a:xfrm>
+          <a:off x="0" y="0"/>
+          <a:ext cx="0" cy="0"/>
+          <a:chOff x="0" y="0"/>
+          <a:chExt cx="0" cy="0"/>
+        </a:xfrm>
+      </p:grpSpPr>
+      <p:sp>
+        <p:nvSpPr>
+          <p:cNvPr id="2" name="標題 1">
+            <a:extLst>
+              <a:ext uri="{FF2B5EF4-FFF2-40B4-BE49-F238E27FC236}">
+                <a16:creationId xmlns:a16="http://schemas.microsoft.com/office/drawing/2014/main" id="{18DBBAE2-25E2-44E2-915E-891C72A9DD3E}"/>
+              </a:ext>
+            </a:extLst>
+          </p:cNvPr>
+          <p:cNvSpPr>
+            <a:spLocks noGrp="1"/>
+          </p:cNvSpPr>
+          <p:nvPr>
+            <p:ph type="title"/>
+          </p:nvPr>
+        </p:nvSpPr>
+        <p:spPr>
+          <a:xfrm>
+            <a:off x="1251678" y="382385"/>
+            <a:ext cx="10178322" cy="6404914"/>
+          </a:xfrm>
+        </p:spPr>
+        <p:txBody>
+          <a:bodyPr>
+            <a:noAutofit/>
+          </a:bodyPr>
+          <a:lstStyle/>
+          <a:p>
+            <a:r>
+              <a:rPr lang="en-US" altLang="zh-TW" sz="3200" b="1" dirty="0">
+                <a:latin typeface="+mn-ea"/>
+                <a:ea typeface="+mn-ea"/>
+              </a:rPr>
+              <a:t>Query</a:t>
+            </a:r>
+            <a:r>
+              <a:rPr lang="en-US" altLang="zh-TW" sz="2000" b="1" dirty="0">
+                <a:latin typeface="+mn-ea"/>
+                <a:ea typeface="+mn-ea"/>
+              </a:rPr>
+              <a:t>:</a:t>
+            </a:r>
+            <a:r>
+              <a:rPr lang="en-US" altLang="zh-TW" sz="2000" dirty="0">
+                <a:latin typeface="+mn-ea"/>
+                <a:ea typeface="+mn-ea"/>
+              </a:rPr>
+              <a:t> </a:t>
+            </a:r>
+            <a:r>
+              <a:rPr lang="en-US" altLang="zh-TW" sz="1600" dirty="0">
+                <a:latin typeface="+mn-ea"/>
+                <a:ea typeface="+mn-ea"/>
+              </a:rPr>
+              <a:t>Google Home enables users to speak voice commands to interact with services through the Home's intelligent personal assistant called Google Assistant. A large number of services, both in-house and third-party, are integrated, allowing users to listen to music, look at videos or photos, or receive news updates entirely by voice.</a:t>
+            </a:r>
+            <a:br>
+              <a:rPr lang="en-US" altLang="zh-TW" sz="2000" dirty="0">
+                <a:latin typeface="+mn-ea"/>
+                <a:ea typeface="+mn-ea"/>
+              </a:rPr>
+            </a:br>
+            <a:br>
+              <a:rPr lang="en-US" altLang="zh-TW" sz="2000" dirty="0">
+                <a:latin typeface="+mn-ea"/>
+                <a:ea typeface="+mn-ea"/>
+              </a:rPr>
+            </a:br>
+            <a:r>
+              <a:rPr lang="en-US" altLang="zh-TW" sz="2000" b="1" dirty="0">
+                <a:latin typeface="+mn-ea"/>
+                <a:ea typeface="+mn-ea"/>
+              </a:rPr>
+              <a:t> </a:t>
+            </a:r>
+            <a:r>
+              <a:rPr lang="en-US" altLang="zh-TW" sz="2800" b="1" dirty="0">
+                <a:latin typeface="+mn-ea"/>
+                <a:ea typeface="+mn-ea"/>
+              </a:rPr>
+              <a:t> Category</a:t>
+            </a:r>
+            <a:r>
+              <a:rPr lang="en-US" altLang="zh-TW" sz="2800" dirty="0">
+                <a:latin typeface="+mn-ea"/>
+                <a:ea typeface="+mn-ea"/>
+              </a:rPr>
+              <a:t>:</a:t>
+            </a:r>
+            <a:r>
+              <a:rPr lang="en-US" altLang="zh-TW" sz="2000" dirty="0">
+                <a:latin typeface="+mn-ea"/>
+                <a:ea typeface="+mn-ea"/>
+              </a:rPr>
+              <a:t> /Internet &amp; Telecom, confidence: 0.509999990463</a:t>
+            </a:r>
+            <a:br>
+              <a:rPr lang="en-US" altLang="zh-TW" sz="2000" dirty="0">
+                <a:latin typeface="+mn-ea"/>
+                <a:ea typeface="+mn-ea"/>
+              </a:rPr>
+            </a:br>
+            <a:r>
+              <a:rPr lang="en-US" altLang="zh-TW" sz="2000" b="1" dirty="0">
+                <a:latin typeface="+mn-ea"/>
+                <a:ea typeface="+mn-ea"/>
+              </a:rPr>
+              <a:t>  </a:t>
+            </a:r>
+            <a:r>
+              <a:rPr lang="en-US" altLang="zh-TW" sz="2800" b="1" dirty="0">
+                <a:latin typeface="+mn-ea"/>
+                <a:ea typeface="+mn-ea"/>
+              </a:rPr>
+              <a:t>Category</a:t>
+            </a:r>
+            <a:r>
+              <a:rPr lang="en-US" altLang="zh-TW" sz="2800" dirty="0">
+                <a:latin typeface="+mn-ea"/>
+                <a:ea typeface="+mn-ea"/>
+              </a:rPr>
+              <a:t>:</a:t>
+            </a:r>
+            <a:r>
+              <a:rPr lang="en-US" altLang="zh-TW" sz="2000" dirty="0">
+                <a:latin typeface="+mn-ea"/>
+                <a:ea typeface="+mn-ea"/>
+              </a:rPr>
+              <a:t> /Computers &amp; Electronics/Software, confidence: 0.550000011921</a:t>
+            </a:r>
+            <a:br>
+              <a:rPr lang="en-US" altLang="zh-TW" sz="2000" dirty="0">
+                <a:latin typeface="+mn-ea"/>
+                <a:ea typeface="+mn-ea"/>
+              </a:rPr>
+            </a:br>
+            <a:br>
+              <a:rPr lang="en-US" altLang="zh-TW" sz="2000" dirty="0">
+                <a:latin typeface="+mn-ea"/>
+                <a:ea typeface="+mn-ea"/>
+              </a:rPr>
+            </a:br>
+            <a:r>
+              <a:rPr lang="en-US" altLang="zh-TW" sz="2800" b="1" dirty="0">
+                <a:latin typeface="+mn-ea"/>
+                <a:ea typeface="+mn-ea"/>
+              </a:rPr>
+              <a:t>Most similar 3 indexed texts</a:t>
+            </a:r>
+            <a:r>
+              <a:rPr lang="en-US" altLang="zh-TW" sz="2800" dirty="0">
+                <a:latin typeface="+mn-ea"/>
+                <a:ea typeface="+mn-ea"/>
+              </a:rPr>
+              <a:t>:</a:t>
+            </a:r>
+            <a:br>
+              <a:rPr lang="en-US" altLang="zh-TW" sz="2000" dirty="0">
+                <a:latin typeface="+mn-ea"/>
+                <a:ea typeface="+mn-ea"/>
+              </a:rPr>
+            </a:br>
+            <a:r>
+              <a:rPr lang="en-US" altLang="zh-TW" sz="2000" dirty="0">
+                <a:latin typeface="+mn-ea"/>
+                <a:ea typeface="+mn-ea"/>
+              </a:rPr>
+              <a:t>  Filename: android.txt</a:t>
+            </a:r>
+            <a:br>
+              <a:rPr lang="en-US" altLang="zh-TW" sz="2000" dirty="0">
+                <a:latin typeface="+mn-ea"/>
+                <a:ea typeface="+mn-ea"/>
+              </a:rPr>
+            </a:br>
+            <a:r>
+              <a:rPr lang="en-US" altLang="zh-TW" sz="2000" dirty="0">
+                <a:latin typeface="+mn-ea"/>
+                <a:ea typeface="+mn-ea"/>
+              </a:rPr>
+              <a:t>  Similarity: 0.600579500049</a:t>
+            </a:r>
+            <a:br>
+              <a:rPr lang="en-US" altLang="zh-TW" sz="2000" dirty="0">
+                <a:latin typeface="+mn-ea"/>
+                <a:ea typeface="+mn-ea"/>
+              </a:rPr>
+            </a:br>
+            <a:br>
+              <a:rPr lang="en-US" altLang="zh-TW" sz="2000" dirty="0">
+                <a:latin typeface="+mn-ea"/>
+                <a:ea typeface="+mn-ea"/>
+              </a:rPr>
+            </a:br>
+            <a:r>
+              <a:rPr lang="en-US" altLang="zh-TW" sz="2000" dirty="0">
+                <a:latin typeface="+mn-ea"/>
+                <a:ea typeface="+mn-ea"/>
+              </a:rPr>
+              <a:t>  Filename: google.txt</a:t>
+            </a:r>
+            <a:br>
+              <a:rPr lang="en-US" altLang="zh-TW" sz="2000" dirty="0">
+                <a:latin typeface="+mn-ea"/>
+                <a:ea typeface="+mn-ea"/>
+              </a:rPr>
+            </a:br>
+            <a:r>
+              <a:rPr lang="en-US" altLang="zh-TW" sz="2000" dirty="0">
+                <a:latin typeface="+mn-ea"/>
+                <a:ea typeface="+mn-ea"/>
+              </a:rPr>
+              <a:t>  Similarity: 0.401314790229</a:t>
+            </a:r>
+            <a:br>
+              <a:rPr lang="en-US" altLang="zh-TW" sz="2000" dirty="0">
+                <a:latin typeface="+mn-ea"/>
+                <a:ea typeface="+mn-ea"/>
+              </a:rPr>
+            </a:br>
+            <a:br>
+              <a:rPr lang="en-US" altLang="zh-TW" sz="2000" dirty="0">
+                <a:latin typeface="+mn-ea"/>
+                <a:ea typeface="+mn-ea"/>
+              </a:rPr>
+            </a:br>
+            <a:r>
+              <a:rPr lang="en-US" altLang="zh-TW" sz="2000" dirty="0">
+                <a:latin typeface="+mn-ea"/>
+                <a:ea typeface="+mn-ea"/>
+              </a:rPr>
+              <a:t>  Filename: gcp.txt</a:t>
+            </a:r>
+            <a:br>
+              <a:rPr lang="en-US" altLang="zh-TW" sz="2000" dirty="0">
+                <a:latin typeface="+mn-ea"/>
+                <a:ea typeface="+mn-ea"/>
+              </a:rPr>
+            </a:br>
+            <a:r>
+              <a:rPr lang="en-US" altLang="zh-TW" sz="2000" dirty="0">
+                <a:latin typeface="+mn-ea"/>
+                <a:ea typeface="+mn-ea"/>
+              </a:rPr>
+              <a:t>  Similarity: 0.38772339779</a:t>
+            </a:r>
+            <a:endParaRPr lang="zh-TW" altLang="en-US" sz="2000" dirty="0">
+              <a:latin typeface="+mn-ea"/>
+              <a:ea typeface="+mn-ea"/>
+            </a:endParaRPr>
+          </a:p>
+        </p:txBody>
+      </p:sp>
+    </p:spTree>
+    <p:extLst>
+      <p:ext uri="{BB962C8B-B14F-4D97-AF65-F5344CB8AC3E}">
+        <p14:creationId xmlns:p14="http://schemas.microsoft.com/office/powerpoint/2010/main" val="1166460484"/>
+      </p:ext>
+    </p:extLst>
+  </p:cSld>
+  <p:clrMapOvr>
+    <a:masterClrMapping/>
+  </p:clrMapOvr>
+</p:sld>
+</file>
+
+<file path=ppt/slides/slide28.xml><?xml version="1.0" encoding="utf-8"?>
+<p:sld xmlns:a="http://schemas.openxmlformats.org/drawingml/2006/main" xmlns:r="http://schemas.openxmlformats.org/officeDocument/2006/relationships" xmlns:p="http://schemas.openxmlformats.org/presentationml/2006/main">
+  <p:cSld>
+    <p:spTree>
+      <p:nvGrpSpPr>
+        <p:cNvPr id="1" name=""/>
+        <p:cNvGrpSpPr/>
+        <p:nvPr/>
+      </p:nvGrpSpPr>
+      <p:grpSpPr>
+        <a:xfrm>
+          <a:off x="0" y="0"/>
+          <a:ext cx="0" cy="0"/>
+          <a:chOff x="0" y="0"/>
+          <a:chExt cx="0" cy="0"/>
+        </a:xfrm>
+      </p:grpSpPr>
+      <p:sp>
+        <p:nvSpPr>
+          <p:cNvPr id="2" name="標題 1">
+            <a:extLst>
+              <a:ext uri="{FF2B5EF4-FFF2-40B4-BE49-F238E27FC236}">
+                <a16:creationId xmlns:a16="http://schemas.microsoft.com/office/drawing/2014/main" id="{2D0FF4AD-ACB6-4B7C-98C9-B7C387ED70A7}"/>
+              </a:ext>
+            </a:extLst>
+          </p:cNvPr>
+          <p:cNvSpPr>
+            <a:spLocks noGrp="1"/>
+          </p:cNvSpPr>
+          <p:nvPr>
+            <p:ph type="title"/>
+          </p:nvPr>
+        </p:nvSpPr>
+        <p:spPr>
+          <a:xfrm>
+            <a:off x="904973" y="438946"/>
+            <a:ext cx="11161336" cy="6178670"/>
+          </a:xfrm>
+        </p:spPr>
+        <p:txBody>
+          <a:bodyPr>
+            <a:normAutofit/>
+          </a:bodyPr>
+          <a:lstStyle/>
+          <a:p>
+            <a:r>
+              <a:rPr lang="zh-TW" altLang="en-US" sz="4000" b="1" dirty="0"/>
+              <a:t>相關資源</a:t>
+            </a:r>
+            <a:br>
+              <a:rPr lang="zh-TW" altLang="en-US" sz="4000" b="1" dirty="0"/>
+            </a:br>
+            <a:br>
+              <a:rPr lang="en-US" altLang="zh-TW" sz="2800" dirty="0"/>
+            </a:br>
+            <a:r>
+              <a:rPr lang="zh-TW" altLang="en-US" sz="2800" dirty="0"/>
+              <a:t>透過內容分類 </a:t>
+            </a:r>
+            <a:r>
+              <a:rPr lang="en-US" altLang="zh-TW" sz="2800" dirty="0"/>
+              <a:t>API</a:t>
+            </a:r>
+            <a:r>
+              <a:rPr lang="zh-TW" altLang="en-US" sz="2800" dirty="0"/>
+              <a:t>，您可以建立其他應用程式。例如：</a:t>
+            </a:r>
+            <a:br>
+              <a:rPr lang="zh-TW" altLang="en-US" sz="2800" dirty="0"/>
+            </a:br>
+            <a:br>
+              <a:rPr lang="zh-TW" altLang="en-US" sz="2800" dirty="0"/>
+            </a:br>
+            <a:r>
+              <a:rPr lang="zh-TW" altLang="en-US" sz="2800" dirty="0"/>
+              <a:t>將文章的各個段落分類，藉此查看主題之間的轉換。</a:t>
+            </a:r>
+            <a:br>
+              <a:rPr lang="zh-TW" altLang="en-US" sz="2800" dirty="0"/>
+            </a:br>
+            <a:br>
+              <a:rPr lang="zh-TW" altLang="en-US" sz="2800" dirty="0"/>
+            </a:br>
+            <a:r>
+              <a:rPr lang="zh-TW" altLang="en-US" sz="2800" dirty="0"/>
+              <a:t>將具有時間戳記的內容分類並分析各段時間的趨勢主題。</a:t>
+            </a:r>
+            <a:br>
+              <a:rPr lang="zh-TW" altLang="en-US" sz="2800" dirty="0"/>
+            </a:br>
+            <a:br>
+              <a:rPr lang="zh-TW" altLang="en-US" sz="2800" dirty="0"/>
+            </a:br>
+            <a:r>
+              <a:rPr lang="zh-TW" altLang="en-US" sz="2800" dirty="0"/>
+              <a:t>比較內容類別分類以及使用 </a:t>
+            </a:r>
+            <a:r>
+              <a:rPr lang="en-US" altLang="zh-TW" sz="2800" dirty="0" err="1"/>
+              <a:t>analyzeSentiment</a:t>
+            </a:r>
+            <a:r>
+              <a:rPr lang="en-US" altLang="zh-TW" sz="2800" dirty="0"/>
+              <a:t> </a:t>
+            </a:r>
+            <a:r>
+              <a:rPr lang="zh-TW" altLang="en-US" sz="2800" dirty="0"/>
+              <a:t>方法的內容情緒分析。</a:t>
+            </a:r>
+            <a:br>
+              <a:rPr lang="zh-TW" altLang="en-US" sz="2800" dirty="0"/>
+            </a:br>
+            <a:br>
+              <a:rPr lang="zh-TW" altLang="en-US" sz="2800" dirty="0"/>
+            </a:br>
+            <a:r>
+              <a:rPr lang="zh-TW" altLang="en-US" sz="2800" dirty="0"/>
+              <a:t>比較內容類別分類以及文字提及實體的分析。</a:t>
+            </a:r>
+          </a:p>
+        </p:txBody>
+      </p:sp>
+    </p:spTree>
+    <p:extLst>
+      <p:ext uri="{BB962C8B-B14F-4D97-AF65-F5344CB8AC3E}">
+        <p14:creationId xmlns:p14="http://schemas.microsoft.com/office/powerpoint/2010/main" val="2847433604"/>
+      </p:ext>
+    </p:extLst>
+  </p:cSld>
+  <p:clrMapOvr>
+    <a:masterClrMapping/>
+  </p:clrMapOvr>
+</p:sld>
+</file>
+
+<file path=ppt/slides/slide3.xml><?xml version="1.0" encoding="utf-8"?>
 <p:sld xmlns:a="http://schemas.openxmlformats.org/drawingml/2006/main" xmlns:r="http://schemas.openxmlformats.org/officeDocument/2006/relationships" xmlns:p="http://schemas.openxmlformats.org/presentationml/2006/main">
   <p:cSld>
     <p:spTree>
@@ -7105,7 +13500,7 @@
 </p:sld>
 </file>
 
-<file path=ppt/slides/slide3.xml><?xml version="1.0" encoding="utf-8"?>
+<file path=ppt/slides/slide4.xml><?xml version="1.0" encoding="utf-8"?>
 <p:sld xmlns:a="http://schemas.openxmlformats.org/drawingml/2006/main" xmlns:r="http://schemas.openxmlformats.org/officeDocument/2006/relationships" xmlns:p="http://schemas.openxmlformats.org/presentationml/2006/main">
   <p:cSld>
     <p:spTree>
@@ -7207,7 +13602,7 @@
 </p:sld>
 </file>
 
-<file path=ppt/slides/slide4.xml><?xml version="1.0" encoding="utf-8"?>
+<file path=ppt/slides/slide5.xml><?xml version="1.0" encoding="utf-8"?>
 <p:sld xmlns:a="http://schemas.openxmlformats.org/drawingml/2006/main" xmlns:r="http://schemas.openxmlformats.org/officeDocument/2006/relationships" xmlns:p="http://schemas.openxmlformats.org/presentationml/2006/main">
   <p:cSld>
     <p:spTree>
@@ -7314,7 +13709,7 @@
 </p:sld>
 </file>
 
-<file path=ppt/slides/slide5.xml><?xml version="1.0" encoding="utf-8"?>
+<file path=ppt/slides/slide6.xml><?xml version="1.0" encoding="utf-8"?>
 <p:sld xmlns:a="http://schemas.openxmlformats.org/drawingml/2006/main" xmlns:r="http://schemas.openxmlformats.org/officeDocument/2006/relationships" xmlns:p="http://schemas.openxmlformats.org/presentationml/2006/main">
   <p:cSld>
     <p:spTree>
@@ -7404,7 +13799,7 @@
 </p:sld>
 </file>
 
-<file path=ppt/slides/slide6.xml><?xml version="1.0" encoding="utf-8"?>
+<file path=ppt/slides/slide7.xml><?xml version="1.0" encoding="utf-8"?>
 <p:sld xmlns:a="http://schemas.openxmlformats.org/drawingml/2006/main" xmlns:r="http://schemas.openxmlformats.org/officeDocument/2006/relationships" xmlns:p="http://schemas.openxmlformats.org/presentationml/2006/main">
   <p:cSld>
     <p:spTree>
@@ -7517,7 +13912,7 @@
 </p:sld>
 </file>
 
-<file path=ppt/slides/slide7.xml><?xml version="1.0" encoding="utf-8"?>
+<file path=ppt/slides/slide8.xml><?xml version="1.0" encoding="utf-8"?>
 <p:sld xmlns:a="http://schemas.openxmlformats.org/drawingml/2006/main" xmlns:r="http://schemas.openxmlformats.org/officeDocument/2006/relationships" xmlns:p="http://schemas.openxmlformats.org/presentationml/2006/main">
   <p:cSld>
     <p:spTree>
@@ -7536,31 +13931,6 @@
       </p:grpSpPr>
       <p:sp>
         <p:nvSpPr>
-          <p:cNvPr id="2" name="標題 1">
-            <a:extLst>
-              <a:ext uri="{FF2B5EF4-FFF2-40B4-BE49-F238E27FC236}">
-                <a16:creationId xmlns:a16="http://schemas.microsoft.com/office/drawing/2014/main" id="{845CCB60-8EF1-4E9C-AEED-C49779A51626}"/>
-              </a:ext>
-            </a:extLst>
-          </p:cNvPr>
-          <p:cNvSpPr>
-            <a:spLocks noGrp="1"/>
-          </p:cNvSpPr>
-          <p:nvPr>
-            <p:ph type="title"/>
-          </p:nvPr>
-        </p:nvSpPr>
-        <p:spPr/>
-        <p:txBody>
-          <a:bodyPr/>
-          <a:lstStyle/>
-          <a:p>
-            <a:endParaRPr lang="zh-TW" altLang="en-US"/>
-          </a:p>
-        </p:txBody>
-      </p:sp>
-      <p:sp>
-        <p:nvSpPr>
           <p:cNvPr id="3" name="內容版面配置區 2">
             <a:extLst>
               <a:ext uri="{FF2B5EF4-FFF2-40B4-BE49-F238E27FC236}">
@@ -7577,13 +13947,13 @@
         </p:nvSpPr>
         <p:spPr>
           <a:xfrm>
-            <a:off x="1251678" y="1545997"/>
-            <a:ext cx="10178322" cy="5156462"/>
+            <a:off x="1251678" y="886120"/>
+            <a:ext cx="10178322" cy="5816339"/>
           </a:xfrm>
         </p:spPr>
         <p:txBody>
           <a:bodyPr>
-            <a:normAutofit lnSpcReduction="10000"/>
+            <a:normAutofit/>
           </a:bodyPr>
           <a:lstStyle/>
           <a:p>
@@ -7970,7 +14340,7 @@
 </p:sld>
 </file>
 
-<file path=ppt/slides/slide8.xml><?xml version="1.0" encoding="utf-8"?>
+<file path=ppt/slides/slide9.xml><?xml version="1.0" encoding="utf-8"?>
 <p:sld xmlns:a="http://schemas.openxmlformats.org/drawingml/2006/main" xmlns:r="http://schemas.openxmlformats.org/officeDocument/2006/relationships" xmlns:p="http://schemas.openxmlformats.org/presentationml/2006/main">
   <p:cSld>
     <p:spTree>
@@ -8065,315 +14435,6 @@
     <p:extLst>
       <p:ext uri="{BB962C8B-B14F-4D97-AF65-F5344CB8AC3E}">
         <p14:creationId xmlns:p14="http://schemas.microsoft.com/office/powerpoint/2010/main" val="559134051"/>
-      </p:ext>
-    </p:extLst>
-  </p:cSld>
-  <p:clrMapOvr>
-    <a:masterClrMapping/>
-  </p:clrMapOvr>
-</p:sld>
-</file>
-
-<file path=ppt/slides/slide9.xml><?xml version="1.0" encoding="utf-8"?>
-<p:sld xmlns:a="http://schemas.openxmlformats.org/drawingml/2006/main" xmlns:r="http://schemas.openxmlformats.org/officeDocument/2006/relationships" xmlns:p="http://schemas.openxmlformats.org/presentationml/2006/main">
-  <p:cSld>
-    <p:spTree>
-      <p:nvGrpSpPr>
-        <p:cNvPr id="1" name=""/>
-        <p:cNvGrpSpPr/>
-        <p:nvPr/>
-      </p:nvGrpSpPr>
-      <p:grpSpPr>
-        <a:xfrm>
-          <a:off x="0" y="0"/>
-          <a:ext cx="0" cy="0"/>
-          <a:chOff x="0" y="0"/>
-          <a:chExt cx="0" cy="0"/>
-        </a:xfrm>
-      </p:grpSpPr>
-      <p:sp>
-        <p:nvSpPr>
-          <p:cNvPr id="3" name="內容版面配置區 2">
-            <a:extLst>
-              <a:ext uri="{FF2B5EF4-FFF2-40B4-BE49-F238E27FC236}">
-                <a16:creationId xmlns:a16="http://schemas.microsoft.com/office/drawing/2014/main" id="{D34968AE-D5A5-4045-9707-1419BD6C7E85}"/>
-              </a:ext>
-            </a:extLst>
-          </p:cNvPr>
-          <p:cNvSpPr>
-            <a:spLocks noGrp="1"/>
-          </p:cNvSpPr>
-          <p:nvPr>
-            <p:ph idx="1"/>
-          </p:nvPr>
-        </p:nvSpPr>
-        <p:spPr>
-          <a:xfrm>
-            <a:off x="1110277" y="216036"/>
-            <a:ext cx="10178322" cy="6524129"/>
-          </a:xfrm>
-        </p:spPr>
-        <p:txBody>
-          <a:bodyPr>
-            <a:normAutofit fontScale="85000" lnSpcReduction="20000"/>
-          </a:bodyPr>
-          <a:lstStyle/>
-          <a:p>
-            <a:pPr marL="0" indent="0">
-              <a:buNone/>
-            </a:pPr>
-            <a:r>
-              <a:rPr lang="en-US" altLang="zh-TW" dirty="0"/>
-              <a:t># Imports the Google Cloud client library</a:t>
-            </a:r>
-          </a:p>
-          <a:p>
-            <a:pPr marL="0" indent="0">
-              <a:buNone/>
-            </a:pPr>
-            <a:r>
-              <a:rPr lang="en-US" altLang="zh-TW" dirty="0"/>
-              <a:t>from </a:t>
-            </a:r>
-            <a:r>
-              <a:rPr lang="en-US" altLang="zh-TW" dirty="0" err="1"/>
-              <a:t>google.cloud</a:t>
-            </a:r>
-            <a:r>
-              <a:rPr lang="en-US" altLang="zh-TW" dirty="0"/>
-              <a:t> import language</a:t>
-            </a:r>
-          </a:p>
-          <a:p>
-            <a:pPr marL="0" indent="0">
-              <a:buNone/>
-            </a:pPr>
-            <a:r>
-              <a:rPr lang="en-US" altLang="zh-TW" dirty="0"/>
-              <a:t>from </a:t>
-            </a:r>
-            <a:r>
-              <a:rPr lang="en-US" altLang="zh-TW" dirty="0" err="1"/>
-              <a:t>google.cloud.language</a:t>
-            </a:r>
-            <a:r>
-              <a:rPr lang="en-US" altLang="zh-TW" dirty="0"/>
-              <a:t> import </a:t>
-            </a:r>
-            <a:r>
-              <a:rPr lang="en-US" altLang="zh-TW" dirty="0" err="1"/>
-              <a:t>enums</a:t>
-            </a:r>
-            <a:endParaRPr lang="en-US" altLang="zh-TW" dirty="0"/>
-          </a:p>
-          <a:p>
-            <a:pPr marL="0" indent="0">
-              <a:buNone/>
-            </a:pPr>
-            <a:r>
-              <a:rPr lang="en-US" altLang="zh-TW" dirty="0"/>
-              <a:t>from </a:t>
-            </a:r>
-            <a:r>
-              <a:rPr lang="en-US" altLang="zh-TW" dirty="0" err="1"/>
-              <a:t>google.cloud.language</a:t>
-            </a:r>
-            <a:r>
-              <a:rPr lang="en-US" altLang="zh-TW" dirty="0"/>
-              <a:t> import types</a:t>
-            </a:r>
-          </a:p>
-          <a:p>
-            <a:pPr marL="0" indent="0">
-              <a:buNone/>
-            </a:pPr>
-            <a:endParaRPr lang="en-US" altLang="zh-TW" dirty="0"/>
-          </a:p>
-          <a:p>
-            <a:pPr marL="0" indent="0">
-              <a:buNone/>
-            </a:pPr>
-            <a:r>
-              <a:rPr lang="en-US" altLang="zh-TW" dirty="0"/>
-              <a:t># Instantiates a client</a:t>
-            </a:r>
-          </a:p>
-          <a:p>
-            <a:pPr marL="0" indent="0">
-              <a:buNone/>
-            </a:pPr>
-            <a:r>
-              <a:rPr lang="en-US" altLang="zh-TW" dirty="0"/>
-              <a:t>client = </a:t>
-            </a:r>
-            <a:r>
-              <a:rPr lang="en-US" altLang="zh-TW" dirty="0" err="1"/>
-              <a:t>language.LanguageServiceClient</a:t>
-            </a:r>
-            <a:r>
-              <a:rPr lang="en-US" altLang="zh-TW" dirty="0"/>
-              <a:t>()</a:t>
-            </a:r>
-          </a:p>
-          <a:p>
-            <a:pPr marL="0" indent="0">
-              <a:buNone/>
-            </a:pPr>
-            <a:endParaRPr lang="en-US" altLang="zh-TW" dirty="0"/>
-          </a:p>
-          <a:p>
-            <a:pPr marL="0" indent="0">
-              <a:buNone/>
-            </a:pPr>
-            <a:r>
-              <a:rPr lang="en-US" altLang="zh-TW" dirty="0"/>
-              <a:t># The text to analyze</a:t>
-            </a:r>
-          </a:p>
-          <a:p>
-            <a:pPr marL="0" indent="0">
-              <a:buNone/>
-            </a:pPr>
-            <a:r>
-              <a:rPr lang="en-US" altLang="zh-TW" dirty="0"/>
-              <a:t>text = </a:t>
-            </a:r>
-            <a:r>
-              <a:rPr lang="en-US" altLang="zh-TW" dirty="0" err="1"/>
-              <a:t>u'Hello</a:t>
-            </a:r>
-            <a:r>
-              <a:rPr lang="en-US" altLang="zh-TW" dirty="0"/>
-              <a:t>, world!'</a:t>
-            </a:r>
-          </a:p>
-          <a:p>
-            <a:pPr marL="0" indent="0">
-              <a:buNone/>
-            </a:pPr>
-            <a:r>
-              <a:rPr lang="en-US" altLang="zh-TW" dirty="0"/>
-              <a:t>document = </a:t>
-            </a:r>
-            <a:r>
-              <a:rPr lang="en-US" altLang="zh-TW" dirty="0" err="1"/>
-              <a:t>types.Document</a:t>
-            </a:r>
-            <a:r>
-              <a:rPr lang="en-US" altLang="zh-TW" dirty="0"/>
-              <a:t>(</a:t>
-            </a:r>
-          </a:p>
-          <a:p>
-            <a:pPr marL="0" indent="0">
-              <a:buNone/>
-            </a:pPr>
-            <a:r>
-              <a:rPr lang="en-US" altLang="zh-TW" dirty="0"/>
-              <a:t>    content=text,</a:t>
-            </a:r>
-          </a:p>
-          <a:p>
-            <a:pPr marL="0" indent="0">
-              <a:buNone/>
-            </a:pPr>
-            <a:r>
-              <a:rPr lang="en-US" altLang="zh-TW" dirty="0"/>
-              <a:t>    type=</a:t>
-            </a:r>
-            <a:r>
-              <a:rPr lang="en-US" altLang="zh-TW" dirty="0" err="1"/>
-              <a:t>enums.Document.Type.PLAIN_TEXT</a:t>
-            </a:r>
-            <a:r>
-              <a:rPr lang="en-US" altLang="zh-TW" dirty="0"/>
-              <a:t>)</a:t>
-            </a:r>
-          </a:p>
-          <a:p>
-            <a:pPr marL="0" indent="0">
-              <a:buNone/>
-            </a:pPr>
-            <a:endParaRPr lang="en-US" altLang="zh-TW" dirty="0"/>
-          </a:p>
-          <a:p>
-            <a:pPr marL="0" indent="0">
-              <a:buNone/>
-            </a:pPr>
-            <a:r>
-              <a:rPr lang="en-US" altLang="zh-TW" dirty="0"/>
-              <a:t># Detects the sentiment of the text</a:t>
-            </a:r>
-          </a:p>
-          <a:p>
-            <a:pPr marL="0" indent="0">
-              <a:buNone/>
-            </a:pPr>
-            <a:r>
-              <a:rPr lang="en-US" altLang="zh-TW" dirty="0"/>
-              <a:t>sentiment = </a:t>
-            </a:r>
-            <a:r>
-              <a:rPr lang="en-US" altLang="zh-TW" dirty="0" err="1"/>
-              <a:t>client.analyze_sentiment</a:t>
-            </a:r>
-            <a:r>
-              <a:rPr lang="en-US" altLang="zh-TW" dirty="0"/>
-              <a:t>(document=document).</a:t>
-            </a:r>
-            <a:r>
-              <a:rPr lang="en-US" altLang="zh-TW" dirty="0" err="1"/>
-              <a:t>document_sentiment</a:t>
-            </a:r>
-            <a:endParaRPr lang="en-US" altLang="zh-TW" dirty="0"/>
-          </a:p>
-          <a:p>
-            <a:pPr marL="0" indent="0">
-              <a:buNone/>
-            </a:pPr>
-            <a:endParaRPr lang="en-US" altLang="zh-TW" dirty="0"/>
-          </a:p>
-          <a:p>
-            <a:pPr marL="0" indent="0">
-              <a:buNone/>
-            </a:pPr>
-            <a:r>
-              <a:rPr lang="en-US" altLang="zh-TW" dirty="0"/>
-              <a:t>print('Text: {}'.format(text))</a:t>
-            </a:r>
-          </a:p>
-          <a:p>
-            <a:pPr marL="0" indent="0">
-              <a:buNone/>
-            </a:pPr>
-            <a:r>
-              <a:rPr lang="en-US" altLang="zh-TW" dirty="0"/>
-              <a:t>print('Sentiment: {}, {}'.format(</a:t>
-            </a:r>
-            <a:r>
-              <a:rPr lang="en-US" altLang="zh-TW" dirty="0" err="1"/>
-              <a:t>sentiment.score</a:t>
-            </a:r>
-            <a:r>
-              <a:rPr lang="en-US" altLang="zh-TW" dirty="0"/>
-              <a:t>, </a:t>
-            </a:r>
-            <a:r>
-              <a:rPr lang="en-US" altLang="zh-TW" dirty="0" err="1"/>
-              <a:t>sentiment.magnitude</a:t>
-            </a:r>
-            <a:r>
-              <a:rPr lang="en-US" altLang="zh-TW" dirty="0"/>
-              <a:t>))</a:t>
-            </a:r>
-            <a:endParaRPr lang="zh-TW" altLang="en-US" dirty="0"/>
-          </a:p>
-        </p:txBody>
-      </p:sp>
-    </p:spTree>
-    <p:extLst>
-      <p:ext uri="{BB962C8B-B14F-4D97-AF65-F5344CB8AC3E}">
-        <p14:creationId xmlns:p14="http://schemas.microsoft.com/office/powerpoint/2010/main" val="2671806894"/>
       </p:ext>
     </p:extLst>
   </p:cSld>

--- a/NLP/Natural Language API.pptx
+++ b/NLP/Natural Language API.pptx
@@ -22,17 +22,26 @@
     <p:sldId id="270" r:id="rId16"/>
     <p:sldId id="266" r:id="rId17"/>
     <p:sldId id="269" r:id="rId18"/>
-    <p:sldId id="273" r:id="rId19"/>
-    <p:sldId id="274" r:id="rId20"/>
-    <p:sldId id="275" r:id="rId21"/>
-    <p:sldId id="276" r:id="rId22"/>
-    <p:sldId id="277" r:id="rId23"/>
-    <p:sldId id="278" r:id="rId24"/>
-    <p:sldId id="279" r:id="rId25"/>
-    <p:sldId id="280" r:id="rId26"/>
-    <p:sldId id="281" r:id="rId27"/>
-    <p:sldId id="282" r:id="rId28"/>
-    <p:sldId id="283" r:id="rId29"/>
+    <p:sldId id="284" r:id="rId19"/>
+    <p:sldId id="285" r:id="rId20"/>
+    <p:sldId id="286" r:id="rId21"/>
+    <p:sldId id="292" r:id="rId22"/>
+    <p:sldId id="287" r:id="rId23"/>
+    <p:sldId id="288" r:id="rId24"/>
+    <p:sldId id="289" r:id="rId25"/>
+    <p:sldId id="290" r:id="rId26"/>
+    <p:sldId id="291" r:id="rId27"/>
+    <p:sldId id="273" r:id="rId28"/>
+    <p:sldId id="274" r:id="rId29"/>
+    <p:sldId id="275" r:id="rId30"/>
+    <p:sldId id="276" r:id="rId31"/>
+    <p:sldId id="277" r:id="rId32"/>
+    <p:sldId id="278" r:id="rId33"/>
+    <p:sldId id="279" r:id="rId34"/>
+    <p:sldId id="280" r:id="rId35"/>
+    <p:sldId id="281" r:id="rId36"/>
+    <p:sldId id="282" r:id="rId37"/>
+    <p:sldId id="283" r:id="rId38"/>
   </p:sldIdLst>
   <p:sldSz cx="12192000" cy="6858000"/>
   <p:notesSz cx="6858000" cy="9144000"/>
@@ -1350,7 +1359,7 @@
           <a:p>
             <a:fld id="{F774CA00-1188-4D80-99BC-63FB0617BDA7}" type="datetimeFigureOut">
               <a:rPr lang="zh-TW" altLang="en-US" smtClean="0"/>
-              <a:t>2020/1/2</a:t>
+              <a:t>2020/1/4</a:t>
             </a:fld>
             <a:endParaRPr lang="zh-TW" altLang="en-US"/>
           </a:p>
@@ -1588,7 +1597,7 @@
           <a:p>
             <a:fld id="{F774CA00-1188-4D80-99BC-63FB0617BDA7}" type="datetimeFigureOut">
               <a:rPr lang="zh-TW" altLang="en-US" smtClean="0"/>
-              <a:t>2020/1/2</a:t>
+              <a:t>2020/1/4</a:t>
             </a:fld>
             <a:endParaRPr lang="zh-TW" altLang="en-US"/>
           </a:p>
@@ -1768,7 +1777,7 @@
           <a:p>
             <a:fld id="{F774CA00-1188-4D80-99BC-63FB0617BDA7}" type="datetimeFigureOut">
               <a:rPr lang="zh-TW" altLang="en-US" smtClean="0"/>
-              <a:t>2020/1/2</a:t>
+              <a:t>2020/1/4</a:t>
             </a:fld>
             <a:endParaRPr lang="zh-TW" altLang="en-US"/>
           </a:p>
@@ -1938,7 +1947,7 @@
           <a:p>
             <a:fld id="{F774CA00-1188-4D80-99BC-63FB0617BDA7}" type="datetimeFigureOut">
               <a:rPr lang="zh-TW" altLang="en-US" smtClean="0"/>
-              <a:t>2020/1/2</a:t>
+              <a:t>2020/1/4</a:t>
             </a:fld>
             <a:endParaRPr lang="zh-TW" altLang="en-US"/>
           </a:p>
@@ -2214,7 +2223,7 @@
           <a:p>
             <a:fld id="{F774CA00-1188-4D80-99BC-63FB0617BDA7}" type="datetimeFigureOut">
               <a:rPr lang="zh-TW" altLang="en-US" smtClean="0"/>
-              <a:t>2020/1/2</a:t>
+              <a:t>2020/1/4</a:t>
             </a:fld>
             <a:endParaRPr lang="zh-TW" altLang="en-US"/>
           </a:p>
@@ -3415,7 +3424,7 @@
           <a:p>
             <a:fld id="{F774CA00-1188-4D80-99BC-63FB0617BDA7}" type="datetimeFigureOut">
               <a:rPr lang="zh-TW" altLang="en-US" smtClean="0"/>
-              <a:t>2020/1/2</a:t>
+              <a:t>2020/1/4</a:t>
             </a:fld>
             <a:endParaRPr lang="zh-TW" altLang="en-US"/>
           </a:p>
@@ -3473,7 +3482,7 @@
   <p:clrMapOvr>
     <a:masterClrMapping/>
   </p:clrMapOvr>
-  <p:extLst mod="1">
+  <p:extLst>
     <p:ext uri="{DCECCB84-F9BA-43D5-87BE-67443E8EF086}">
       <p15:sldGuideLst xmlns:p15="http://schemas.microsoft.com/office/powerpoint/2012/main"/>
     </p:ext>
@@ -3805,7 +3814,7 @@
           <a:p>
             <a:fld id="{F774CA00-1188-4D80-99BC-63FB0617BDA7}" type="datetimeFigureOut">
               <a:rPr lang="zh-TW" altLang="en-US" smtClean="0"/>
-              <a:t>2020/1/2</a:t>
+              <a:t>2020/1/4</a:t>
             </a:fld>
             <a:endParaRPr lang="zh-TW" altLang="en-US"/>
           </a:p>
@@ -3863,7 +3872,7 @@
   <p:clrMapOvr>
     <a:masterClrMapping/>
   </p:clrMapOvr>
-  <p:extLst mod="1">
+  <p:extLst>
     <p:ext uri="{DCECCB84-F9BA-43D5-87BE-67443E8EF086}">
       <p15:sldGuideLst xmlns:p15="http://schemas.microsoft.com/office/powerpoint/2012/main"/>
     </p:ext>
@@ -3928,7 +3937,7 @@
           <a:p>
             <a:fld id="{F774CA00-1188-4D80-99BC-63FB0617BDA7}" type="datetimeFigureOut">
               <a:rPr lang="zh-TW" altLang="en-US" smtClean="0"/>
-              <a:t>2020/1/2</a:t>
+              <a:t>2020/1/4</a:t>
             </a:fld>
             <a:endParaRPr lang="zh-TW" altLang="en-US"/>
           </a:p>
@@ -4023,7 +4032,7 @@
           <a:p>
             <a:fld id="{F774CA00-1188-4D80-99BC-63FB0617BDA7}" type="datetimeFigureOut">
               <a:rPr lang="zh-TW" altLang="en-US" smtClean="0"/>
-              <a:t>2020/1/2</a:t>
+              <a:t>2020/1/4</a:t>
             </a:fld>
             <a:endParaRPr lang="zh-TW" altLang="en-US"/>
           </a:p>
@@ -4786,7 +4795,7 @@
           <a:p>
             <a:fld id="{F774CA00-1188-4D80-99BC-63FB0617BDA7}" type="datetimeFigureOut">
               <a:rPr lang="zh-TW" altLang="en-US" smtClean="0"/>
-              <a:t>2020/1/2</a:t>
+              <a:t>2020/1/4</a:t>
             </a:fld>
             <a:endParaRPr lang="zh-TW" altLang="en-US"/>
           </a:p>
@@ -4892,7 +4901,7 @@
   <p:clrMapOvr>
     <a:masterClrMapping/>
   </p:clrMapOvr>
-  <p:extLst mod="1">
+  <p:extLst>
     <p:ext uri="{DCECCB84-F9BA-43D5-87BE-67443E8EF086}">
       <p15:sldGuideLst xmlns:p15="http://schemas.microsoft.com/office/powerpoint/2012/main">
         <p15:guide id="1" orient="horz" pos="696">
@@ -5626,7 +5635,7 @@
           <a:p>
             <a:fld id="{F774CA00-1188-4D80-99BC-63FB0617BDA7}" type="datetimeFigureOut">
               <a:rPr lang="zh-TW" altLang="en-US" smtClean="0"/>
-              <a:t>2020/1/2</a:t>
+              <a:t>2020/1/4</a:t>
             </a:fld>
             <a:endParaRPr lang="zh-TW" altLang="en-US"/>
           </a:p>
@@ -5853,7 +5862,7 @@
           <a:p>
             <a:fld id="{F774CA00-1188-4D80-99BC-63FB0617BDA7}" type="datetimeFigureOut">
               <a:rPr lang="zh-TW" altLang="en-US" smtClean="0"/>
-              <a:t>2020/1/2</a:t>
+              <a:t>2020/1/4</a:t>
             </a:fld>
             <a:endParaRPr lang="zh-TW" altLang="en-US"/>
           </a:p>
@@ -6796,7 +6805,7 @@
       </a:lvl9pPr>
     </p:otherStyle>
   </p:txStyles>
-  <p:extLst mod="1">
+  <p:extLst>
     <p:ext uri="{27BBF7A9-308A-43DC-89C8-2F10F3537804}">
       <p15:sldGuideLst xmlns:p15="http://schemas.microsoft.com/office/powerpoint/2012/main">
         <p15:guide id="1" pos="792">
@@ -11546,46 +11555,72 @@
           <a:chExt cx="0" cy="0"/>
         </a:xfrm>
       </p:grpSpPr>
-      <p:sp>
-        <p:nvSpPr>
-          <p:cNvPr id="4" name="標題 3">
+      <p:pic>
+        <p:nvPicPr>
+          <p:cNvPr id="4" name="內容版面配置區 3">
             <a:extLst>
               <a:ext uri="{FF2B5EF4-FFF2-40B4-BE49-F238E27FC236}">
-                <a16:creationId xmlns:a16="http://schemas.microsoft.com/office/drawing/2014/main" id="{73C33EBB-A52F-47EF-8E6A-27FF1611E057}"/>
+                <a16:creationId xmlns:a16="http://schemas.microsoft.com/office/drawing/2014/main" id="{F085F44E-D641-4FE7-BA96-E58D4939F2D9}"/>
               </a:ext>
             </a:extLst>
           </p:cNvPr>
-          <p:cNvSpPr>
-            <a:spLocks noGrp="1"/>
-          </p:cNvSpPr>
+          <p:cNvPicPr>
+            <a:picLocks noGrp="1" noChangeAspect="1"/>
+          </p:cNvPicPr>
           <p:nvPr>
-            <p:ph type="title"/>
+            <p:ph idx="1"/>
           </p:nvPr>
-        </p:nvSpPr>
+        </p:nvPicPr>
+        <p:blipFill>
+          <a:blip r:embed="rId2"/>
+          <a:stretch>
+            <a:fillRect/>
+          </a:stretch>
+        </p:blipFill>
         <p:spPr>
           <a:xfrm>
-            <a:off x="3469585" y="2969943"/>
-            <a:ext cx="10178322" cy="1492132"/>
+            <a:off x="1191802" y="3939681"/>
+            <a:ext cx="6830103" cy="2276701"/>
           </a:xfrm>
+          <a:prstGeom prst="rect">
+            <a:avLst/>
+          </a:prstGeom>
         </p:spPr>
-        <p:txBody>
-          <a:bodyPr/>
-          <a:lstStyle/>
-          <a:p>
-            <a:r>
-              <a:rPr lang="zh-TW" altLang="en-US" dirty="0">
-                <a:hlinkClick r:id="rId2"/>
-              </a:rPr>
-              <a:t>內容分類教學</a:t>
-            </a:r>
-            <a:endParaRPr lang="zh-TW" altLang="en-US" dirty="0"/>
-          </a:p>
-        </p:txBody>
-      </p:sp>
+      </p:pic>
+      <p:pic>
+        <p:nvPicPr>
+          <p:cNvPr id="5" name="圖片 4">
+            <a:extLst>
+              <a:ext uri="{FF2B5EF4-FFF2-40B4-BE49-F238E27FC236}">
+                <a16:creationId xmlns:a16="http://schemas.microsoft.com/office/drawing/2014/main" id="{322737C0-88CB-40FD-8900-4B92B52DEB3C}"/>
+              </a:ext>
+            </a:extLst>
+          </p:cNvPr>
+          <p:cNvPicPr>
+            <a:picLocks noChangeAspect="1"/>
+          </p:cNvPicPr>
+          <p:nvPr/>
+        </p:nvPicPr>
+        <p:blipFill>
+          <a:blip r:embed="rId3"/>
+          <a:stretch>
+            <a:fillRect/>
+          </a:stretch>
+        </p:blipFill>
+        <p:spPr>
+          <a:xfrm>
+            <a:off x="1047962" y="148458"/>
+            <a:ext cx="10270733" cy="3552284"/>
+          </a:xfrm>
+          <a:prstGeom prst="rect">
+            <a:avLst/>
+          </a:prstGeom>
+        </p:spPr>
+      </p:pic>
     </p:spTree>
     <p:extLst>
       <p:ext uri="{BB962C8B-B14F-4D97-AF65-F5344CB8AC3E}">
-        <p14:creationId xmlns:p14="http://schemas.microsoft.com/office/powerpoint/2010/main" val="1282780696"/>
+        <p14:creationId xmlns:p14="http://schemas.microsoft.com/office/powerpoint/2010/main" val="705261854"/>
       </p:ext>
     </p:extLst>
   </p:cSld>
@@ -11614,106 +11649,75 @@
       </p:grpSpPr>
       <p:sp>
         <p:nvSpPr>
-          <p:cNvPr id="3" name="矩形 2">
+          <p:cNvPr id="2" name="標題 1">
             <a:extLst>
               <a:ext uri="{FF2B5EF4-FFF2-40B4-BE49-F238E27FC236}">
-                <a16:creationId xmlns:a16="http://schemas.microsoft.com/office/drawing/2014/main" id="{CD0BE22C-6243-41B5-8C0A-69482F19B21A}"/>
+                <a16:creationId xmlns:a16="http://schemas.microsoft.com/office/drawing/2014/main" id="{7C0DDB4E-63E3-4E9F-BB52-311E002E941D}"/>
               </a:ext>
             </a:extLst>
           </p:cNvPr>
-          <p:cNvSpPr/>
-          <p:nvPr/>
+          <p:cNvSpPr>
+            <a:spLocks noGrp="1"/>
+          </p:cNvSpPr>
+          <p:nvPr>
+            <p:ph type="title"/>
+          </p:nvPr>
         </p:nvSpPr>
+        <p:spPr/>
+        <p:txBody>
+          <a:bodyPr/>
+          <a:lstStyle/>
+          <a:p>
+            <a:pPr algn="ctr"/>
+            <a:r>
+              <a:rPr lang="zh-TW" altLang="en-US" dirty="0">
+                <a:hlinkClick r:id="rId2"/>
+              </a:rPr>
+              <a:t>分析實體</a:t>
+            </a:r>
+            <a:br>
+              <a:rPr lang="zh-TW" altLang="en-US" dirty="0"/>
+            </a:br>
+            <a:endParaRPr lang="zh-TW" altLang="en-US" dirty="0"/>
+          </a:p>
+        </p:txBody>
+      </p:sp>
+      <p:pic>
+        <p:nvPicPr>
+          <p:cNvPr id="4" name="內容版面配置區 3">
+            <a:extLst>
+              <a:ext uri="{FF2B5EF4-FFF2-40B4-BE49-F238E27FC236}">
+                <a16:creationId xmlns:a16="http://schemas.microsoft.com/office/drawing/2014/main" id="{3745E6A3-F81A-4858-907F-D980BDDE87EF}"/>
+              </a:ext>
+            </a:extLst>
+          </p:cNvPr>
+          <p:cNvPicPr>
+            <a:picLocks noGrp="1" noChangeAspect="1"/>
+          </p:cNvPicPr>
+          <p:nvPr>
+            <p:ph idx="1"/>
+          </p:nvPr>
+        </p:nvPicPr>
+        <p:blipFill>
+          <a:blip r:embed="rId3"/>
+          <a:stretch>
+            <a:fillRect/>
+          </a:stretch>
+        </p:blipFill>
         <p:spPr>
           <a:xfrm>
-            <a:off x="1272618" y="1843950"/>
-            <a:ext cx="10680569" cy="3785652"/>
+            <a:off x="1997075" y="2297112"/>
+            <a:ext cx="8686800" cy="3571875"/>
           </a:xfrm>
           <a:prstGeom prst="rect">
             <a:avLst/>
           </a:prstGeom>
         </p:spPr>
-        <p:txBody>
-          <a:bodyPr wrap="square">
-            <a:spAutoFit/>
-          </a:bodyPr>
-          <a:lstStyle/>
-          <a:p>
-            <a:r>
-              <a:rPr lang="zh-TW" altLang="en-US" sz="4000" dirty="0"/>
-              <a:t>步驟 </a:t>
-            </a:r>
-            <a:r>
-              <a:rPr lang="en-US" altLang="zh-TW" sz="4000" dirty="0"/>
-              <a:t>1</a:t>
-            </a:r>
-            <a:r>
-              <a:rPr lang="zh-TW" altLang="en-US" sz="4000" dirty="0"/>
-              <a:t>：將內容分類</a:t>
-            </a:r>
-          </a:p>
-          <a:p>
-            <a:r>
-              <a:rPr lang="zh-TW" altLang="en-US" sz="4000" dirty="0"/>
-              <a:t>您可以使用 </a:t>
-            </a:r>
-            <a:r>
-              <a:rPr lang="en-US" altLang="zh-TW" sz="4000" dirty="0"/>
-              <a:t>Python </a:t>
-            </a:r>
-            <a:r>
-              <a:rPr lang="zh-TW" altLang="en-US" sz="4000" dirty="0"/>
-              <a:t>用戶端程式庫建立要求來呼叫 </a:t>
-            </a:r>
-            <a:r>
-              <a:rPr lang="en-US" altLang="zh-TW" sz="4000" dirty="0"/>
-              <a:t>Natural Language API </a:t>
-            </a:r>
-            <a:r>
-              <a:rPr lang="zh-TW" altLang="en-US" sz="4000" dirty="0"/>
-              <a:t>以分類內容。</a:t>
-            </a:r>
-            <a:r>
-              <a:rPr lang="en-US" altLang="zh-TW" sz="4000" dirty="0"/>
-              <a:t>Python </a:t>
-            </a:r>
-            <a:r>
-              <a:rPr lang="zh-TW" altLang="en-US" sz="4000" dirty="0"/>
-              <a:t>用戶端程式庫會封裝傳送至 </a:t>
-            </a:r>
-            <a:r>
-              <a:rPr lang="en-US" altLang="zh-TW" sz="4000" dirty="0"/>
-              <a:t>Natural Language API </a:t>
-            </a:r>
-            <a:r>
-              <a:rPr lang="zh-TW" altLang="en-US" sz="4000" dirty="0"/>
-              <a:t>的要求詳細資料及其回應。</a:t>
-            </a:r>
-            <a:endParaRPr lang="en-US" altLang="zh-TW" sz="4000" dirty="0"/>
-          </a:p>
-          <a:p>
-            <a:r>
-              <a:rPr lang="en-US" altLang="zh-TW" sz="4000" dirty="0"/>
-              <a:t>[</a:t>
-            </a:r>
-            <a:r>
-              <a:rPr lang="zh-TW" altLang="en-US" sz="4000" dirty="0">
-                <a:hlinkClick r:id="rId2"/>
-              </a:rPr>
-              <a:t>程式碼</a:t>
-            </a:r>
-            <a:r>
-              <a:rPr lang="en-US" altLang="zh-TW" sz="4000" dirty="0"/>
-              <a:t>]</a:t>
-            </a:r>
-            <a:endParaRPr lang="zh-TW" altLang="en-US" sz="4000" dirty="0"/>
-          </a:p>
-        </p:txBody>
-      </p:sp>
+      </p:pic>
     </p:spTree>
     <p:extLst>
       <p:ext uri="{BB962C8B-B14F-4D97-AF65-F5344CB8AC3E}">
-        <p14:creationId xmlns:p14="http://schemas.microsoft.com/office/powerpoint/2010/main" val="281581257"/>
+        <p14:creationId xmlns:p14="http://schemas.microsoft.com/office/powerpoint/2010/main" val="920319722"/>
       </p:ext>
     </p:extLst>
   </p:cSld>
@@ -11805,6 +11809,918 @@
       </p:grpSpPr>
       <p:sp>
         <p:nvSpPr>
+          <p:cNvPr id="2" name="標題 1">
+            <a:extLst>
+              <a:ext uri="{FF2B5EF4-FFF2-40B4-BE49-F238E27FC236}">
+                <a16:creationId xmlns:a16="http://schemas.microsoft.com/office/drawing/2014/main" id="{B525A72D-22F0-4166-832A-48F5C3009BBA}"/>
+              </a:ext>
+            </a:extLst>
+          </p:cNvPr>
+          <p:cNvSpPr>
+            <a:spLocks noGrp="1"/>
+          </p:cNvSpPr>
+          <p:nvPr>
+            <p:ph type="title"/>
+          </p:nvPr>
+        </p:nvSpPr>
+        <p:spPr/>
+        <p:txBody>
+          <a:bodyPr>
+            <a:normAutofit/>
+          </a:bodyPr>
+          <a:lstStyle/>
+          <a:p>
+            <a:r>
+              <a:rPr lang="en-US" altLang="zh-TW" sz="4000" dirty="0"/>
+              <a:t>Copy file from another google storage</a:t>
+            </a:r>
+            <a:endParaRPr lang="zh-TW" altLang="en-US" sz="4000" dirty="0"/>
+          </a:p>
+        </p:txBody>
+      </p:sp>
+      <p:pic>
+        <p:nvPicPr>
+          <p:cNvPr id="4" name="內容版面配置區 3">
+            <a:extLst>
+              <a:ext uri="{FF2B5EF4-FFF2-40B4-BE49-F238E27FC236}">
+                <a16:creationId xmlns:a16="http://schemas.microsoft.com/office/drawing/2014/main" id="{83D1A01D-676B-4894-824D-788235EFD4AF}"/>
+              </a:ext>
+            </a:extLst>
+          </p:cNvPr>
+          <p:cNvPicPr>
+            <a:picLocks noGrp="1" noChangeAspect="1"/>
+          </p:cNvPicPr>
+          <p:nvPr>
+            <p:ph idx="1"/>
+          </p:nvPr>
+        </p:nvPicPr>
+        <p:blipFill>
+          <a:blip r:embed="rId2"/>
+          <a:stretch>
+            <a:fillRect/>
+          </a:stretch>
+        </p:blipFill>
+        <p:spPr>
+          <a:xfrm>
+            <a:off x="2360841" y="2286000"/>
+            <a:ext cx="7959267" cy="3594100"/>
+          </a:xfrm>
+          <a:prstGeom prst="rect">
+            <a:avLst/>
+          </a:prstGeom>
+        </p:spPr>
+      </p:pic>
+    </p:spTree>
+    <p:extLst>
+      <p:ext uri="{BB962C8B-B14F-4D97-AF65-F5344CB8AC3E}">
+        <p14:creationId xmlns:p14="http://schemas.microsoft.com/office/powerpoint/2010/main" val="1339498313"/>
+      </p:ext>
+    </p:extLst>
+  </p:cSld>
+  <p:clrMapOvr>
+    <a:masterClrMapping/>
+  </p:clrMapOvr>
+</p:sld>
+</file>
+
+<file path=ppt/slides/slide21.xml><?xml version="1.0" encoding="utf-8"?>
+<p:sld xmlns:a="http://schemas.openxmlformats.org/drawingml/2006/main" xmlns:r="http://schemas.openxmlformats.org/officeDocument/2006/relationships" xmlns:p="http://schemas.openxmlformats.org/presentationml/2006/main">
+  <p:cSld>
+    <p:spTree>
+      <p:nvGrpSpPr>
+        <p:cNvPr id="1" name=""/>
+        <p:cNvGrpSpPr/>
+        <p:nvPr/>
+      </p:nvGrpSpPr>
+      <p:grpSpPr>
+        <a:xfrm>
+          <a:off x="0" y="0"/>
+          <a:ext cx="0" cy="0"/>
+          <a:chOff x="0" y="0"/>
+          <a:chExt cx="0" cy="0"/>
+        </a:xfrm>
+      </p:grpSpPr>
+      <p:sp>
+        <p:nvSpPr>
+          <p:cNvPr id="3" name="內容版面配置區 2">
+            <a:extLst>
+              <a:ext uri="{FF2B5EF4-FFF2-40B4-BE49-F238E27FC236}">
+                <a16:creationId xmlns:a16="http://schemas.microsoft.com/office/drawing/2014/main" id="{9F1A0E1B-AC63-41AF-AFFB-8CD620B7A319}"/>
+              </a:ext>
+            </a:extLst>
+          </p:cNvPr>
+          <p:cNvSpPr>
+            <a:spLocks noGrp="1"/>
+          </p:cNvSpPr>
+          <p:nvPr>
+            <p:ph idx="1"/>
+          </p:nvPr>
+        </p:nvSpPr>
+        <p:spPr>
+          <a:xfrm>
+            <a:off x="1160980" y="719191"/>
+            <a:ext cx="10269020" cy="5160401"/>
+          </a:xfrm>
+        </p:spPr>
+        <p:txBody>
+          <a:bodyPr>
+            <a:normAutofit/>
+          </a:bodyPr>
+          <a:lstStyle/>
+          <a:p>
+            <a:r>
+              <a:rPr lang="zh-TW" altLang="en-US" sz="3200" dirty="0"/>
+              <a:t>複製 </a:t>
+            </a:r>
+            <a:r>
+              <a:rPr lang="en-US" altLang="zh-TW" sz="3200" dirty="0"/>
+              <a:t>Google Cloud </a:t>
+            </a:r>
+            <a:r>
+              <a:rPr lang="en-US" altLang="zh-TW" sz="3200" dirty="0" err="1"/>
+              <a:t>Plateform</a:t>
+            </a:r>
+            <a:r>
+              <a:rPr lang="en-US" altLang="zh-TW" sz="3200" dirty="0"/>
+              <a:t> </a:t>
+            </a:r>
+            <a:r>
+              <a:rPr lang="zh-TW" altLang="en-US" sz="3200" dirty="0"/>
+              <a:t>範例至自行新建的 </a:t>
+            </a:r>
+            <a:r>
+              <a:rPr lang="en-US" altLang="zh-TW" sz="3200" dirty="0"/>
+              <a:t>storage</a:t>
+            </a:r>
+          </a:p>
+          <a:p>
+            <a:pPr marL="0" indent="0">
+              <a:buNone/>
+            </a:pPr>
+            <a:endParaRPr lang="en-US" altLang="zh-TW" sz="2800" dirty="0"/>
+          </a:p>
+          <a:p>
+            <a:pPr marL="0" indent="0">
+              <a:buNone/>
+            </a:pPr>
+            <a:r>
+              <a:rPr lang="en-US" altLang="zh-TW" sz="2800" dirty="0" err="1"/>
+              <a:t>gsutil</a:t>
+            </a:r>
+            <a:r>
+              <a:rPr lang="en-US" altLang="zh-TW" sz="2800" dirty="0"/>
+              <a:t> cp gs://cloud-samples-data/language/president.txt gs://nlp-text-1</a:t>
+            </a:r>
+          </a:p>
+          <a:p>
+            <a:pPr marL="0" indent="0">
+              <a:buNone/>
+            </a:pPr>
+            <a:endParaRPr lang="en-US" altLang="zh-TW" sz="3600" dirty="0"/>
+          </a:p>
+          <a:p>
+            <a:r>
+              <a:rPr lang="zh-TW" altLang="en-US" sz="3600" dirty="0"/>
+              <a:t>範例程式文檔路徑</a:t>
+            </a:r>
+            <a:endParaRPr lang="en-US" altLang="zh-TW" sz="3600" dirty="0"/>
+          </a:p>
+          <a:p>
+            <a:pPr marL="0" indent="0">
+              <a:buNone/>
+            </a:pPr>
+            <a:r>
+              <a:rPr lang="en-US" altLang="zh-TW" sz="3600" dirty="0"/>
+              <a:t>gs://nlp-text-1/president.txt</a:t>
+            </a:r>
+            <a:endParaRPr lang="zh-TW" altLang="en-US" sz="3600" dirty="0"/>
+          </a:p>
+        </p:txBody>
+      </p:sp>
+    </p:spTree>
+    <p:extLst>
+      <p:ext uri="{BB962C8B-B14F-4D97-AF65-F5344CB8AC3E}">
+        <p14:creationId xmlns:p14="http://schemas.microsoft.com/office/powerpoint/2010/main" val="2499530612"/>
+      </p:ext>
+    </p:extLst>
+  </p:cSld>
+  <p:clrMapOvr>
+    <a:masterClrMapping/>
+  </p:clrMapOvr>
+</p:sld>
+</file>
+
+<file path=ppt/slides/slide22.xml><?xml version="1.0" encoding="utf-8"?>
+<p:sld xmlns:a="http://schemas.openxmlformats.org/drawingml/2006/main" xmlns:r="http://schemas.openxmlformats.org/officeDocument/2006/relationships" xmlns:p="http://schemas.openxmlformats.org/presentationml/2006/main">
+  <p:cSld>
+    <p:spTree>
+      <p:nvGrpSpPr>
+        <p:cNvPr id="1" name=""/>
+        <p:cNvGrpSpPr/>
+        <p:nvPr/>
+      </p:nvGrpSpPr>
+      <p:grpSpPr>
+        <a:xfrm>
+          <a:off x="0" y="0"/>
+          <a:ext cx="0" cy="0"/>
+          <a:chOff x="0" y="0"/>
+          <a:chExt cx="0" cy="0"/>
+        </a:xfrm>
+      </p:grpSpPr>
+      <p:sp>
+        <p:nvSpPr>
+          <p:cNvPr id="2" name="標題 1">
+            <a:extLst>
+              <a:ext uri="{FF2B5EF4-FFF2-40B4-BE49-F238E27FC236}">
+                <a16:creationId xmlns:a16="http://schemas.microsoft.com/office/drawing/2014/main" id="{8B27C3E3-13D6-42B7-8654-DCD6E4B41019}"/>
+              </a:ext>
+            </a:extLst>
+          </p:cNvPr>
+          <p:cNvSpPr>
+            <a:spLocks noGrp="1"/>
+          </p:cNvSpPr>
+          <p:nvPr>
+            <p:ph type="title"/>
+          </p:nvPr>
+        </p:nvSpPr>
+        <p:spPr/>
+        <p:txBody>
+          <a:bodyPr/>
+          <a:lstStyle/>
+          <a:p>
+            <a:endParaRPr lang="zh-TW" altLang="en-US"/>
+          </a:p>
+        </p:txBody>
+      </p:sp>
+      <p:pic>
+        <p:nvPicPr>
+          <p:cNvPr id="5" name="圖片 4">
+            <a:extLst>
+              <a:ext uri="{FF2B5EF4-FFF2-40B4-BE49-F238E27FC236}">
+                <a16:creationId xmlns:a16="http://schemas.microsoft.com/office/drawing/2014/main" id="{9EA9EBB4-7D47-40C3-9CD9-FA84E294D811}"/>
+              </a:ext>
+            </a:extLst>
+          </p:cNvPr>
+          <p:cNvPicPr>
+            <a:picLocks noChangeAspect="1"/>
+          </p:cNvPicPr>
+          <p:nvPr/>
+        </p:nvPicPr>
+        <p:blipFill>
+          <a:blip r:embed="rId2"/>
+          <a:stretch>
+            <a:fillRect/>
+          </a:stretch>
+        </p:blipFill>
+        <p:spPr>
+          <a:xfrm>
+            <a:off x="563338" y="-79075"/>
+            <a:ext cx="11555002" cy="4586309"/>
+          </a:xfrm>
+          <a:prstGeom prst="rect">
+            <a:avLst/>
+          </a:prstGeom>
+        </p:spPr>
+      </p:pic>
+      <p:pic>
+        <p:nvPicPr>
+          <p:cNvPr id="4" name="內容版面配置區 3">
+            <a:extLst>
+              <a:ext uri="{FF2B5EF4-FFF2-40B4-BE49-F238E27FC236}">
+                <a16:creationId xmlns:a16="http://schemas.microsoft.com/office/drawing/2014/main" id="{3CECF56B-244E-49B7-B42E-3B3467A718EE}"/>
+              </a:ext>
+            </a:extLst>
+          </p:cNvPr>
+          <p:cNvPicPr>
+            <a:picLocks noGrp="1" noChangeAspect="1"/>
+          </p:cNvPicPr>
+          <p:nvPr>
+            <p:ph idx="1"/>
+          </p:nvPr>
+        </p:nvPicPr>
+        <p:blipFill>
+          <a:blip r:embed="rId3"/>
+          <a:stretch>
+            <a:fillRect/>
+          </a:stretch>
+        </p:blipFill>
+        <p:spPr>
+          <a:xfrm>
+            <a:off x="-154112" y="2852211"/>
+            <a:ext cx="5685847" cy="4216409"/>
+          </a:xfrm>
+          <a:prstGeom prst="rect">
+            <a:avLst/>
+          </a:prstGeom>
+        </p:spPr>
+      </p:pic>
+    </p:spTree>
+    <p:extLst>
+      <p:ext uri="{BB962C8B-B14F-4D97-AF65-F5344CB8AC3E}">
+        <p14:creationId xmlns:p14="http://schemas.microsoft.com/office/powerpoint/2010/main" val="3796050438"/>
+      </p:ext>
+    </p:extLst>
+  </p:cSld>
+  <p:clrMapOvr>
+    <a:masterClrMapping/>
+  </p:clrMapOvr>
+</p:sld>
+</file>
+
+<file path=ppt/slides/slide23.xml><?xml version="1.0" encoding="utf-8"?>
+<p:sld xmlns:a="http://schemas.openxmlformats.org/drawingml/2006/main" xmlns:r="http://schemas.openxmlformats.org/officeDocument/2006/relationships" xmlns:p="http://schemas.openxmlformats.org/presentationml/2006/main">
+  <p:cSld>
+    <p:spTree>
+      <p:nvGrpSpPr>
+        <p:cNvPr id="1" name=""/>
+        <p:cNvGrpSpPr/>
+        <p:nvPr/>
+      </p:nvGrpSpPr>
+      <p:grpSpPr>
+        <a:xfrm>
+          <a:off x="0" y="0"/>
+          <a:ext cx="0" cy="0"/>
+          <a:chOff x="0" y="0"/>
+          <a:chExt cx="0" cy="0"/>
+        </a:xfrm>
+      </p:grpSpPr>
+      <p:sp>
+        <p:nvSpPr>
+          <p:cNvPr id="2" name="標題 1">
+            <a:extLst>
+              <a:ext uri="{FF2B5EF4-FFF2-40B4-BE49-F238E27FC236}">
+                <a16:creationId xmlns:a16="http://schemas.microsoft.com/office/drawing/2014/main" id="{AA4CC92B-2DA9-4522-9093-520DE7B34479}"/>
+              </a:ext>
+            </a:extLst>
+          </p:cNvPr>
+          <p:cNvSpPr>
+            <a:spLocks noGrp="1"/>
+          </p:cNvSpPr>
+          <p:nvPr>
+            <p:ph type="title"/>
+          </p:nvPr>
+        </p:nvSpPr>
+        <p:spPr/>
+        <p:txBody>
+          <a:bodyPr/>
+          <a:lstStyle/>
+          <a:p>
+            <a:pPr algn="ctr"/>
+            <a:r>
+              <a:rPr lang="zh-TW" altLang="en-US" dirty="0">
+                <a:hlinkClick r:id="rId2"/>
+              </a:rPr>
+              <a:t>分析語法</a:t>
+            </a:r>
+            <a:endParaRPr lang="zh-TW" altLang="en-US" dirty="0"/>
+          </a:p>
+        </p:txBody>
+      </p:sp>
+      <p:pic>
+        <p:nvPicPr>
+          <p:cNvPr id="4" name="內容版面配置區 3">
+            <a:extLst>
+              <a:ext uri="{FF2B5EF4-FFF2-40B4-BE49-F238E27FC236}">
+                <a16:creationId xmlns:a16="http://schemas.microsoft.com/office/drawing/2014/main" id="{5F66BFC6-3036-4FFC-A5E1-3758E1BEB3BC}"/>
+              </a:ext>
+            </a:extLst>
+          </p:cNvPr>
+          <p:cNvPicPr>
+            <a:picLocks noGrp="1" noChangeAspect="1"/>
+          </p:cNvPicPr>
+          <p:nvPr>
+            <p:ph idx="1"/>
+          </p:nvPr>
+        </p:nvPicPr>
+        <p:blipFill>
+          <a:blip r:embed="rId3"/>
+          <a:stretch>
+            <a:fillRect/>
+          </a:stretch>
+        </p:blipFill>
+        <p:spPr>
+          <a:xfrm>
+            <a:off x="2409139" y="2286000"/>
+            <a:ext cx="7862671" cy="3594100"/>
+          </a:xfrm>
+          <a:prstGeom prst="rect">
+            <a:avLst/>
+          </a:prstGeom>
+        </p:spPr>
+      </p:pic>
+    </p:spTree>
+    <p:extLst>
+      <p:ext uri="{BB962C8B-B14F-4D97-AF65-F5344CB8AC3E}">
+        <p14:creationId xmlns:p14="http://schemas.microsoft.com/office/powerpoint/2010/main" val="1498642687"/>
+      </p:ext>
+    </p:extLst>
+  </p:cSld>
+  <p:clrMapOvr>
+    <a:masterClrMapping/>
+  </p:clrMapOvr>
+</p:sld>
+</file>
+
+<file path=ppt/slides/slide24.xml><?xml version="1.0" encoding="utf-8"?>
+<p:sld xmlns:a="http://schemas.openxmlformats.org/drawingml/2006/main" xmlns:r="http://schemas.openxmlformats.org/officeDocument/2006/relationships" xmlns:p="http://schemas.openxmlformats.org/presentationml/2006/main">
+  <p:cSld>
+    <p:spTree>
+      <p:nvGrpSpPr>
+        <p:cNvPr id="1" name=""/>
+        <p:cNvGrpSpPr/>
+        <p:nvPr/>
+      </p:nvGrpSpPr>
+      <p:grpSpPr>
+        <a:xfrm>
+          <a:off x="0" y="0"/>
+          <a:ext cx="0" cy="0"/>
+          <a:chOff x="0" y="0"/>
+          <a:chExt cx="0" cy="0"/>
+        </a:xfrm>
+      </p:grpSpPr>
+      <p:pic>
+        <p:nvPicPr>
+          <p:cNvPr id="5" name="圖片 4">
+            <a:extLst>
+              <a:ext uri="{FF2B5EF4-FFF2-40B4-BE49-F238E27FC236}">
+                <a16:creationId xmlns:a16="http://schemas.microsoft.com/office/drawing/2014/main" id="{F41480BB-21A0-48FE-9CB1-F69E9F415125}"/>
+              </a:ext>
+            </a:extLst>
+          </p:cNvPr>
+          <p:cNvPicPr>
+            <a:picLocks noChangeAspect="1"/>
+          </p:cNvPicPr>
+          <p:nvPr/>
+        </p:nvPicPr>
+        <p:blipFill>
+          <a:blip r:embed="rId2"/>
+          <a:stretch>
+            <a:fillRect/>
+          </a:stretch>
+        </p:blipFill>
+        <p:spPr>
+          <a:xfrm>
+            <a:off x="996592" y="1367692"/>
+            <a:ext cx="9632986" cy="5277761"/>
+          </a:xfrm>
+          <a:prstGeom prst="rect">
+            <a:avLst/>
+          </a:prstGeom>
+        </p:spPr>
+      </p:pic>
+      <p:pic>
+        <p:nvPicPr>
+          <p:cNvPr id="8" name="圖片 7">
+            <a:extLst>
+              <a:ext uri="{FF2B5EF4-FFF2-40B4-BE49-F238E27FC236}">
+                <a16:creationId xmlns:a16="http://schemas.microsoft.com/office/drawing/2014/main" id="{C20F458C-C60A-4214-9702-42054C9C0807}"/>
+              </a:ext>
+            </a:extLst>
+          </p:cNvPr>
+          <p:cNvPicPr>
+            <a:picLocks noChangeAspect="1"/>
+          </p:cNvPicPr>
+          <p:nvPr/>
+        </p:nvPicPr>
+        <p:blipFill>
+          <a:blip r:embed="rId3"/>
+          <a:stretch>
+            <a:fillRect/>
+          </a:stretch>
+        </p:blipFill>
+        <p:spPr>
+          <a:xfrm>
+            <a:off x="890916" y="0"/>
+            <a:ext cx="10181202" cy="1713124"/>
+          </a:xfrm>
+          <a:prstGeom prst="rect">
+            <a:avLst/>
+          </a:prstGeom>
+        </p:spPr>
+      </p:pic>
+    </p:spTree>
+    <p:extLst>
+      <p:ext uri="{BB962C8B-B14F-4D97-AF65-F5344CB8AC3E}">
+        <p14:creationId xmlns:p14="http://schemas.microsoft.com/office/powerpoint/2010/main" val="3048633347"/>
+      </p:ext>
+    </p:extLst>
+  </p:cSld>
+  <p:clrMapOvr>
+    <a:masterClrMapping/>
+  </p:clrMapOvr>
+</p:sld>
+</file>
+
+<file path=ppt/slides/slide25.xml><?xml version="1.0" encoding="utf-8"?>
+<p:sld xmlns:a="http://schemas.openxmlformats.org/drawingml/2006/main" xmlns:r="http://schemas.openxmlformats.org/officeDocument/2006/relationships" xmlns:p="http://schemas.openxmlformats.org/presentationml/2006/main">
+  <p:cSld>
+    <p:spTree>
+      <p:nvGrpSpPr>
+        <p:cNvPr id="1" name=""/>
+        <p:cNvGrpSpPr/>
+        <p:nvPr/>
+      </p:nvGrpSpPr>
+      <p:grpSpPr>
+        <a:xfrm>
+          <a:off x="0" y="0"/>
+          <a:ext cx="0" cy="0"/>
+          <a:chOff x="0" y="0"/>
+          <a:chExt cx="0" cy="0"/>
+        </a:xfrm>
+      </p:grpSpPr>
+      <p:sp>
+        <p:nvSpPr>
+          <p:cNvPr id="2" name="標題 1">
+            <a:extLst>
+              <a:ext uri="{FF2B5EF4-FFF2-40B4-BE49-F238E27FC236}">
+                <a16:creationId xmlns:a16="http://schemas.microsoft.com/office/drawing/2014/main" id="{9CFD7803-E5E7-49DC-B82A-4DB7717F7E64}"/>
+              </a:ext>
+            </a:extLst>
+          </p:cNvPr>
+          <p:cNvSpPr>
+            <a:spLocks noGrp="1"/>
+          </p:cNvSpPr>
+          <p:nvPr>
+            <p:ph type="title"/>
+          </p:nvPr>
+        </p:nvSpPr>
+        <p:spPr/>
+        <p:txBody>
+          <a:bodyPr/>
+          <a:lstStyle/>
+          <a:p>
+            <a:pPr algn="ctr"/>
+            <a:r>
+              <a:rPr lang="zh-TW" altLang="en-US" dirty="0">
+                <a:hlinkClick r:id="rId2"/>
+              </a:rPr>
+              <a:t>分析實體情緒</a:t>
+            </a:r>
+            <a:endParaRPr lang="zh-TW" altLang="en-US" dirty="0"/>
+          </a:p>
+        </p:txBody>
+      </p:sp>
+      <p:pic>
+        <p:nvPicPr>
+          <p:cNvPr id="4" name="內容版面配置區 3">
+            <a:extLst>
+              <a:ext uri="{FF2B5EF4-FFF2-40B4-BE49-F238E27FC236}">
+                <a16:creationId xmlns:a16="http://schemas.microsoft.com/office/drawing/2014/main" id="{DCA790DA-CC3B-423E-8FFB-CBA507560AE1}"/>
+              </a:ext>
+            </a:extLst>
+          </p:cNvPr>
+          <p:cNvPicPr>
+            <a:picLocks noGrp="1" noChangeAspect="1"/>
+          </p:cNvPicPr>
+          <p:nvPr>
+            <p:ph idx="1"/>
+          </p:nvPr>
+        </p:nvPicPr>
+        <p:blipFill>
+          <a:blip r:embed="rId3"/>
+          <a:stretch>
+            <a:fillRect/>
+          </a:stretch>
+        </p:blipFill>
+        <p:spPr>
+          <a:xfrm>
+            <a:off x="2673792" y="1735009"/>
+            <a:ext cx="6844416" cy="4905379"/>
+          </a:xfrm>
+          <a:prstGeom prst="rect">
+            <a:avLst/>
+          </a:prstGeom>
+        </p:spPr>
+      </p:pic>
+    </p:spTree>
+    <p:extLst>
+      <p:ext uri="{BB962C8B-B14F-4D97-AF65-F5344CB8AC3E}">
+        <p14:creationId xmlns:p14="http://schemas.microsoft.com/office/powerpoint/2010/main" val="1632046020"/>
+      </p:ext>
+    </p:extLst>
+  </p:cSld>
+  <p:clrMapOvr>
+    <a:masterClrMapping/>
+  </p:clrMapOvr>
+</p:sld>
+</file>
+
+<file path=ppt/slides/slide26.xml><?xml version="1.0" encoding="utf-8"?>
+<p:sld xmlns:a="http://schemas.openxmlformats.org/drawingml/2006/main" xmlns:r="http://schemas.openxmlformats.org/officeDocument/2006/relationships" xmlns:p="http://schemas.openxmlformats.org/presentationml/2006/main">
+  <p:cSld>
+    <p:spTree>
+      <p:nvGrpSpPr>
+        <p:cNvPr id="1" name=""/>
+        <p:cNvGrpSpPr/>
+        <p:nvPr/>
+      </p:nvGrpSpPr>
+      <p:grpSpPr>
+        <a:xfrm>
+          <a:off x="0" y="0"/>
+          <a:ext cx="0" cy="0"/>
+          <a:chOff x="0" y="0"/>
+          <a:chExt cx="0" cy="0"/>
+        </a:xfrm>
+      </p:grpSpPr>
+      <p:sp>
+        <p:nvSpPr>
+          <p:cNvPr id="2" name="標題 1">
+            <a:extLst>
+              <a:ext uri="{FF2B5EF4-FFF2-40B4-BE49-F238E27FC236}">
+                <a16:creationId xmlns:a16="http://schemas.microsoft.com/office/drawing/2014/main" id="{4C236526-ECA5-469E-8027-F97979BBD61D}"/>
+              </a:ext>
+            </a:extLst>
+          </p:cNvPr>
+          <p:cNvSpPr>
+            <a:spLocks noGrp="1"/>
+          </p:cNvSpPr>
+          <p:nvPr>
+            <p:ph type="title"/>
+          </p:nvPr>
+        </p:nvSpPr>
+        <p:spPr/>
+        <p:txBody>
+          <a:bodyPr/>
+          <a:lstStyle/>
+          <a:p>
+            <a:r>
+              <a:rPr lang="zh-TW" altLang="en-US" dirty="0"/>
+              <a:t>分析實體情緒</a:t>
+            </a:r>
+            <a:r>
+              <a:rPr lang="en-US" altLang="zh-TW" dirty="0"/>
+              <a:t>:</a:t>
+            </a:r>
+            <a:r>
+              <a:rPr lang="zh-TW" altLang="en-US" dirty="0"/>
+              <a:t> </a:t>
+            </a:r>
+            <a:r>
+              <a:rPr lang="en-US" altLang="zh-TW" dirty="0"/>
+              <a:t>data in gs://</a:t>
+            </a:r>
+            <a:endParaRPr lang="zh-TW" altLang="en-US" dirty="0"/>
+          </a:p>
+        </p:txBody>
+      </p:sp>
+      <p:pic>
+        <p:nvPicPr>
+          <p:cNvPr id="4" name="內容版面配置區 3">
+            <a:extLst>
+              <a:ext uri="{FF2B5EF4-FFF2-40B4-BE49-F238E27FC236}">
+                <a16:creationId xmlns:a16="http://schemas.microsoft.com/office/drawing/2014/main" id="{668E0C1F-EAC5-4633-80B1-B8F335806642}"/>
+              </a:ext>
+            </a:extLst>
+          </p:cNvPr>
+          <p:cNvPicPr>
+            <a:picLocks noGrp="1" noChangeAspect="1"/>
+          </p:cNvPicPr>
+          <p:nvPr>
+            <p:ph idx="1"/>
+          </p:nvPr>
+        </p:nvPicPr>
+        <p:blipFill>
+          <a:blip r:embed="rId2"/>
+          <a:stretch>
+            <a:fillRect/>
+          </a:stretch>
+        </p:blipFill>
+        <p:spPr>
+          <a:xfrm>
+            <a:off x="2414427" y="1541390"/>
+            <a:ext cx="7141477" cy="5057901"/>
+          </a:xfrm>
+          <a:prstGeom prst="rect">
+            <a:avLst/>
+          </a:prstGeom>
+        </p:spPr>
+      </p:pic>
+    </p:spTree>
+    <p:extLst>
+      <p:ext uri="{BB962C8B-B14F-4D97-AF65-F5344CB8AC3E}">
+        <p14:creationId xmlns:p14="http://schemas.microsoft.com/office/powerpoint/2010/main" val="1168334292"/>
+      </p:ext>
+    </p:extLst>
+  </p:cSld>
+  <p:clrMapOvr>
+    <a:masterClrMapping/>
+  </p:clrMapOvr>
+</p:sld>
+</file>
+
+<file path=ppt/slides/slide27.xml><?xml version="1.0" encoding="utf-8"?>
+<p:sld xmlns:a="http://schemas.openxmlformats.org/drawingml/2006/main" xmlns:r="http://schemas.openxmlformats.org/officeDocument/2006/relationships" xmlns:p="http://schemas.openxmlformats.org/presentationml/2006/main">
+  <p:cSld>
+    <p:spTree>
+      <p:nvGrpSpPr>
+        <p:cNvPr id="1" name=""/>
+        <p:cNvGrpSpPr/>
+        <p:nvPr/>
+      </p:nvGrpSpPr>
+      <p:grpSpPr>
+        <a:xfrm>
+          <a:off x="0" y="0"/>
+          <a:ext cx="0" cy="0"/>
+          <a:chOff x="0" y="0"/>
+          <a:chExt cx="0" cy="0"/>
+        </a:xfrm>
+      </p:grpSpPr>
+      <p:sp>
+        <p:nvSpPr>
+          <p:cNvPr id="4" name="標題 3">
+            <a:extLst>
+              <a:ext uri="{FF2B5EF4-FFF2-40B4-BE49-F238E27FC236}">
+                <a16:creationId xmlns:a16="http://schemas.microsoft.com/office/drawing/2014/main" id="{73C33EBB-A52F-47EF-8E6A-27FF1611E057}"/>
+              </a:ext>
+            </a:extLst>
+          </p:cNvPr>
+          <p:cNvSpPr>
+            <a:spLocks noGrp="1"/>
+          </p:cNvSpPr>
+          <p:nvPr>
+            <p:ph type="title"/>
+          </p:nvPr>
+        </p:nvSpPr>
+        <p:spPr>
+          <a:xfrm>
+            <a:off x="3469585" y="2969943"/>
+            <a:ext cx="10178322" cy="1492132"/>
+          </a:xfrm>
+        </p:spPr>
+        <p:txBody>
+          <a:bodyPr/>
+          <a:lstStyle/>
+          <a:p>
+            <a:r>
+              <a:rPr lang="zh-TW" altLang="en-US" dirty="0">
+                <a:hlinkClick r:id="rId2"/>
+              </a:rPr>
+              <a:t>內容分類教學</a:t>
+            </a:r>
+            <a:endParaRPr lang="zh-TW" altLang="en-US" dirty="0"/>
+          </a:p>
+        </p:txBody>
+      </p:sp>
+    </p:spTree>
+    <p:extLst>
+      <p:ext uri="{BB962C8B-B14F-4D97-AF65-F5344CB8AC3E}">
+        <p14:creationId xmlns:p14="http://schemas.microsoft.com/office/powerpoint/2010/main" val="1282780696"/>
+      </p:ext>
+    </p:extLst>
+  </p:cSld>
+  <p:clrMapOvr>
+    <a:masterClrMapping/>
+  </p:clrMapOvr>
+</p:sld>
+</file>
+
+<file path=ppt/slides/slide28.xml><?xml version="1.0" encoding="utf-8"?>
+<p:sld xmlns:a="http://schemas.openxmlformats.org/drawingml/2006/main" xmlns:r="http://schemas.openxmlformats.org/officeDocument/2006/relationships" xmlns:p="http://schemas.openxmlformats.org/presentationml/2006/main">
+  <p:cSld>
+    <p:spTree>
+      <p:nvGrpSpPr>
+        <p:cNvPr id="1" name=""/>
+        <p:cNvGrpSpPr/>
+        <p:nvPr/>
+      </p:nvGrpSpPr>
+      <p:grpSpPr>
+        <a:xfrm>
+          <a:off x="0" y="0"/>
+          <a:ext cx="0" cy="0"/>
+          <a:chOff x="0" y="0"/>
+          <a:chExt cx="0" cy="0"/>
+        </a:xfrm>
+      </p:grpSpPr>
+      <p:sp>
+        <p:nvSpPr>
+          <p:cNvPr id="3" name="矩形 2">
+            <a:extLst>
+              <a:ext uri="{FF2B5EF4-FFF2-40B4-BE49-F238E27FC236}">
+                <a16:creationId xmlns:a16="http://schemas.microsoft.com/office/drawing/2014/main" id="{CD0BE22C-6243-41B5-8C0A-69482F19B21A}"/>
+              </a:ext>
+            </a:extLst>
+          </p:cNvPr>
+          <p:cNvSpPr/>
+          <p:nvPr/>
+        </p:nvSpPr>
+        <p:spPr>
+          <a:xfrm>
+            <a:off x="1272618" y="1843950"/>
+            <a:ext cx="10680569" cy="3785652"/>
+          </a:xfrm>
+          <a:prstGeom prst="rect">
+            <a:avLst/>
+          </a:prstGeom>
+        </p:spPr>
+        <p:txBody>
+          <a:bodyPr wrap="square">
+            <a:spAutoFit/>
+          </a:bodyPr>
+          <a:lstStyle/>
+          <a:p>
+            <a:r>
+              <a:rPr lang="zh-TW" altLang="en-US" sz="4000" dirty="0"/>
+              <a:t>步驟 </a:t>
+            </a:r>
+            <a:r>
+              <a:rPr lang="en-US" altLang="zh-TW" sz="4000" dirty="0"/>
+              <a:t>1</a:t>
+            </a:r>
+            <a:r>
+              <a:rPr lang="zh-TW" altLang="en-US" sz="4000" dirty="0"/>
+              <a:t>：將內容分類</a:t>
+            </a:r>
+          </a:p>
+          <a:p>
+            <a:r>
+              <a:rPr lang="zh-TW" altLang="en-US" sz="4000" dirty="0"/>
+              <a:t>您可以使用 </a:t>
+            </a:r>
+            <a:r>
+              <a:rPr lang="en-US" altLang="zh-TW" sz="4000" dirty="0"/>
+              <a:t>Python </a:t>
+            </a:r>
+            <a:r>
+              <a:rPr lang="zh-TW" altLang="en-US" sz="4000" dirty="0"/>
+              <a:t>用戶端程式庫建立要求來呼叫 </a:t>
+            </a:r>
+            <a:r>
+              <a:rPr lang="en-US" altLang="zh-TW" sz="4000" dirty="0"/>
+              <a:t>Natural Language API </a:t>
+            </a:r>
+            <a:r>
+              <a:rPr lang="zh-TW" altLang="en-US" sz="4000" dirty="0"/>
+              <a:t>以分類內容。</a:t>
+            </a:r>
+            <a:r>
+              <a:rPr lang="en-US" altLang="zh-TW" sz="4000" dirty="0"/>
+              <a:t>Python </a:t>
+            </a:r>
+            <a:r>
+              <a:rPr lang="zh-TW" altLang="en-US" sz="4000" dirty="0"/>
+              <a:t>用戶端程式庫會封裝傳送至 </a:t>
+            </a:r>
+            <a:r>
+              <a:rPr lang="en-US" altLang="zh-TW" sz="4000" dirty="0"/>
+              <a:t>Natural Language API </a:t>
+            </a:r>
+            <a:r>
+              <a:rPr lang="zh-TW" altLang="en-US" sz="4000" dirty="0"/>
+              <a:t>的要求詳細資料及其回應。</a:t>
+            </a:r>
+            <a:endParaRPr lang="en-US" altLang="zh-TW" sz="4000" dirty="0"/>
+          </a:p>
+          <a:p>
+            <a:r>
+              <a:rPr lang="en-US" altLang="zh-TW" sz="4000" dirty="0"/>
+              <a:t>[</a:t>
+            </a:r>
+            <a:r>
+              <a:rPr lang="zh-TW" altLang="en-US" sz="4000" dirty="0">
+                <a:hlinkClick r:id="rId2"/>
+              </a:rPr>
+              <a:t>程式碼</a:t>
+            </a:r>
+            <a:r>
+              <a:rPr lang="en-US" altLang="zh-TW" sz="4000" dirty="0"/>
+              <a:t>]</a:t>
+            </a:r>
+            <a:endParaRPr lang="zh-TW" altLang="en-US" sz="4000" dirty="0"/>
+          </a:p>
+        </p:txBody>
+      </p:sp>
+    </p:spTree>
+    <p:extLst>
+      <p:ext uri="{BB962C8B-B14F-4D97-AF65-F5344CB8AC3E}">
+        <p14:creationId xmlns:p14="http://schemas.microsoft.com/office/powerpoint/2010/main" val="281581257"/>
+      </p:ext>
+    </p:extLst>
+  </p:cSld>
+  <p:clrMapOvr>
+    <a:masterClrMapping/>
+  </p:clrMapOvr>
+</p:sld>
+</file>
+
+<file path=ppt/slides/slide29.xml><?xml version="1.0" encoding="utf-8"?>
+<p:sld xmlns:a="http://schemas.openxmlformats.org/drawingml/2006/main" xmlns:r="http://schemas.openxmlformats.org/officeDocument/2006/relationships" xmlns:p="http://schemas.openxmlformats.org/presentationml/2006/main">
+  <p:cSld>
+    <p:spTree>
+      <p:nvGrpSpPr>
+        <p:cNvPr id="1" name=""/>
+        <p:cNvGrpSpPr/>
+        <p:nvPr/>
+      </p:nvGrpSpPr>
+      <p:grpSpPr>
+        <a:xfrm>
+          <a:off x="0" y="0"/>
+          <a:ext cx="0" cy="0"/>
+          <a:chOff x="0" y="0"/>
+          <a:chExt cx="0" cy="0"/>
+        </a:xfrm>
+      </p:grpSpPr>
+      <p:sp>
+        <p:nvSpPr>
           <p:cNvPr id="2" name="矩形 1">
             <a:extLst>
               <a:ext uri="{FF2B5EF4-FFF2-40B4-BE49-F238E27FC236}">
@@ -11978,7 +12894,118 @@
 </p:sld>
 </file>
 
-<file path=ppt/slides/slide21.xml><?xml version="1.0" encoding="utf-8"?>
+<file path=ppt/slides/slide3.xml><?xml version="1.0" encoding="utf-8"?>
+<p:sld xmlns:a="http://schemas.openxmlformats.org/drawingml/2006/main" xmlns:r="http://schemas.openxmlformats.org/officeDocument/2006/relationships" xmlns:p="http://schemas.openxmlformats.org/presentationml/2006/main">
+  <p:cSld>
+    <p:spTree>
+      <p:nvGrpSpPr>
+        <p:cNvPr id="1" name=""/>
+        <p:cNvGrpSpPr/>
+        <p:nvPr/>
+      </p:nvGrpSpPr>
+      <p:grpSpPr>
+        <a:xfrm>
+          <a:off x="0" y="0"/>
+          <a:ext cx="0" cy="0"/>
+          <a:chOff x="0" y="0"/>
+          <a:chExt cx="0" cy="0"/>
+        </a:xfrm>
+      </p:grpSpPr>
+      <p:sp>
+        <p:nvSpPr>
+          <p:cNvPr id="2" name="標題 1">
+            <a:extLst>
+              <a:ext uri="{FF2B5EF4-FFF2-40B4-BE49-F238E27FC236}">
+                <a16:creationId xmlns:a16="http://schemas.microsoft.com/office/drawing/2014/main" id="{2DB89E36-1E9C-4E63-AE7A-38B310336169}"/>
+              </a:ext>
+            </a:extLst>
+          </p:cNvPr>
+          <p:cNvSpPr>
+            <a:spLocks noGrp="1"/>
+          </p:cNvSpPr>
+          <p:nvPr>
+            <p:ph type="title"/>
+          </p:nvPr>
+        </p:nvSpPr>
+        <p:spPr>
+          <a:xfrm>
+            <a:off x="1251678" y="382385"/>
+            <a:ext cx="10178322" cy="1389854"/>
+          </a:xfrm>
+        </p:spPr>
+        <p:txBody>
+          <a:bodyPr>
+            <a:normAutofit fontScale="90000"/>
+          </a:bodyPr>
+          <a:lstStyle/>
+          <a:p>
+            <a:pPr algn="ctr"/>
+            <a:r>
+              <a:rPr lang="en-US" altLang="zh-TW" dirty="0"/>
+              <a:t>Quick start</a:t>
+            </a:r>
+            <a:br>
+              <a:rPr lang="en-US" altLang="zh-TW" dirty="0"/>
+            </a:br>
+            <a:r>
+              <a:rPr lang="en-US" altLang="zh-TW" dirty="0">
+                <a:hlinkClick r:id="rId2"/>
+              </a:rPr>
+              <a:t>GCP Quick-Start</a:t>
+            </a:r>
+            <a:endParaRPr lang="zh-TW" altLang="en-US" dirty="0"/>
+          </a:p>
+        </p:txBody>
+      </p:sp>
+      <p:pic>
+        <p:nvPicPr>
+          <p:cNvPr id="5" name="內容版面配置區 4">
+            <a:extLst>
+              <a:ext uri="{FF2B5EF4-FFF2-40B4-BE49-F238E27FC236}">
+                <a16:creationId xmlns:a16="http://schemas.microsoft.com/office/drawing/2014/main" id="{9F46D90C-1E49-4AE6-AF3D-DED47A4367F3}"/>
+              </a:ext>
+            </a:extLst>
+          </p:cNvPr>
+          <p:cNvPicPr>
+            <a:picLocks noGrp="1" noChangeAspect="1"/>
+          </p:cNvPicPr>
+          <p:nvPr>
+            <p:ph idx="1"/>
+          </p:nvPr>
+        </p:nvPicPr>
+        <p:blipFill>
+          <a:blip r:embed="rId3">
+            <a:extLst>
+              <a:ext uri="{28A0092B-C50C-407E-A947-70E740481C1C}">
+                <a14:useLocalDpi xmlns:a14="http://schemas.microsoft.com/office/drawing/2010/main" val="0"/>
+              </a:ext>
+            </a:extLst>
+          </a:blip>
+          <a:stretch>
+            <a:fillRect/>
+          </a:stretch>
+        </p:blipFill>
+        <p:spPr>
+          <a:xfrm>
+            <a:off x="1635290" y="1904214"/>
+            <a:ext cx="9649697" cy="4749504"/>
+          </a:xfrm>
+        </p:spPr>
+      </p:pic>
+    </p:spTree>
+    <p:extLst>
+      <p:ext uri="{BB962C8B-B14F-4D97-AF65-F5344CB8AC3E}">
+        <p14:creationId xmlns:p14="http://schemas.microsoft.com/office/powerpoint/2010/main" val="1441130100"/>
+      </p:ext>
+    </p:extLst>
+  </p:cSld>
+  <p:clrMapOvr>
+    <a:masterClrMapping/>
+  </p:clrMapOvr>
+</p:sld>
+</file>
+
+<file path=ppt/slides/slide30.xml><?xml version="1.0" encoding="utf-8"?>
 <p:sld xmlns:a="http://schemas.openxmlformats.org/drawingml/2006/main" xmlns:r="http://schemas.openxmlformats.org/officeDocument/2006/relationships" xmlns:p="http://schemas.openxmlformats.org/presentationml/2006/main">
   <p:cSld>
     <p:spTree>
@@ -12049,7 +13076,7 @@
 </p:sld>
 </file>
 
-<file path=ppt/slides/slide22.xml><?xml version="1.0" encoding="utf-8"?>
+<file path=ppt/slides/slide31.xml><?xml version="1.0" encoding="utf-8"?>
 <p:sld xmlns:a="http://schemas.openxmlformats.org/drawingml/2006/main" xmlns:r="http://schemas.openxmlformats.org/officeDocument/2006/relationships" xmlns:p="http://schemas.openxmlformats.org/presentationml/2006/main">
   <p:cSld>
     <p:spTree>
@@ -12228,7 +13255,7 @@
 </p:sld>
 </file>
 
-<file path=ppt/slides/slide23.xml><?xml version="1.0" encoding="utf-8"?>
+<file path=ppt/slides/slide32.xml><?xml version="1.0" encoding="utf-8"?>
 <p:sld xmlns:a="http://schemas.openxmlformats.org/drawingml/2006/main" xmlns:r="http://schemas.openxmlformats.org/officeDocument/2006/relationships" xmlns:p="http://schemas.openxmlformats.org/presentationml/2006/main">
   <p:cSld>
     <p:spTree>
@@ -12469,7 +13496,7 @@
 </p:sld>
 </file>
 
-<file path=ppt/slides/slide24.xml><?xml version="1.0" encoding="utf-8"?>
+<file path=ppt/slides/slide33.xml><?xml version="1.0" encoding="utf-8"?>
 <p:sld xmlns:a="http://schemas.openxmlformats.org/drawingml/2006/main" xmlns:r="http://schemas.openxmlformats.org/officeDocument/2006/relationships" xmlns:p="http://schemas.openxmlformats.org/presentationml/2006/main">
   <p:cSld>
     <p:spTree>
@@ -12619,7 +13646,7 @@
 </p:sld>
 </file>
 
-<file path=ppt/slides/slide25.xml><?xml version="1.0" encoding="utf-8"?>
+<file path=ppt/slides/slide34.xml><?xml version="1.0" encoding="utf-8"?>
 <p:sld xmlns:a="http://schemas.openxmlformats.org/drawingml/2006/main" xmlns:r="http://schemas.openxmlformats.org/officeDocument/2006/relationships" xmlns:p="http://schemas.openxmlformats.org/presentationml/2006/main">
   <p:cSld>
     <p:spTree>
@@ -12861,7 +13888,7 @@
 </p:sld>
 </file>
 
-<file path=ppt/slides/slide26.xml><?xml version="1.0" encoding="utf-8"?>
+<file path=ppt/slides/slide35.xml><?xml version="1.0" encoding="utf-8"?>
 <p:sld xmlns:a="http://schemas.openxmlformats.org/drawingml/2006/main" xmlns:r="http://schemas.openxmlformats.org/officeDocument/2006/relationships" xmlns:p="http://schemas.openxmlformats.org/presentationml/2006/main">
   <p:cSld>
     <p:spTree>
@@ -12971,7 +13998,7 @@
 </p:sld>
 </file>
 
-<file path=ppt/slides/slide27.xml><?xml version="1.0" encoding="utf-8"?>
+<file path=ppt/slides/slide36.xml><?xml version="1.0" encoding="utf-8"?>
 <p:sld xmlns:a="http://schemas.openxmlformats.org/drawingml/2006/main" xmlns:r="http://schemas.openxmlformats.org/officeDocument/2006/relationships" xmlns:p="http://schemas.openxmlformats.org/presentationml/2006/main">
   <p:cSld>
     <p:spTree>
@@ -13254,7 +14281,7 @@
 </p:sld>
 </file>
 
-<file path=ppt/slides/slide28.xml><?xml version="1.0" encoding="utf-8"?>
+<file path=ppt/slides/slide37.xml><?xml version="1.0" encoding="utf-8"?>
 <p:sld xmlns:a="http://schemas.openxmlformats.org/drawingml/2006/main" xmlns:r="http://schemas.openxmlformats.org/officeDocument/2006/relationships" xmlns:p="http://schemas.openxmlformats.org/presentationml/2006/main">
   <p:cSld>
     <p:spTree>
@@ -13380,117 +14407,6 @@
     <p:extLst>
       <p:ext uri="{BB962C8B-B14F-4D97-AF65-F5344CB8AC3E}">
         <p14:creationId xmlns:p14="http://schemas.microsoft.com/office/powerpoint/2010/main" val="2847433604"/>
-      </p:ext>
-    </p:extLst>
-  </p:cSld>
-  <p:clrMapOvr>
-    <a:masterClrMapping/>
-  </p:clrMapOvr>
-</p:sld>
-</file>
-
-<file path=ppt/slides/slide3.xml><?xml version="1.0" encoding="utf-8"?>
-<p:sld xmlns:a="http://schemas.openxmlformats.org/drawingml/2006/main" xmlns:r="http://schemas.openxmlformats.org/officeDocument/2006/relationships" xmlns:p="http://schemas.openxmlformats.org/presentationml/2006/main">
-  <p:cSld>
-    <p:spTree>
-      <p:nvGrpSpPr>
-        <p:cNvPr id="1" name=""/>
-        <p:cNvGrpSpPr/>
-        <p:nvPr/>
-      </p:nvGrpSpPr>
-      <p:grpSpPr>
-        <a:xfrm>
-          <a:off x="0" y="0"/>
-          <a:ext cx="0" cy="0"/>
-          <a:chOff x="0" y="0"/>
-          <a:chExt cx="0" cy="0"/>
-        </a:xfrm>
-      </p:grpSpPr>
-      <p:sp>
-        <p:nvSpPr>
-          <p:cNvPr id="2" name="標題 1">
-            <a:extLst>
-              <a:ext uri="{FF2B5EF4-FFF2-40B4-BE49-F238E27FC236}">
-                <a16:creationId xmlns:a16="http://schemas.microsoft.com/office/drawing/2014/main" id="{2DB89E36-1E9C-4E63-AE7A-38B310336169}"/>
-              </a:ext>
-            </a:extLst>
-          </p:cNvPr>
-          <p:cNvSpPr>
-            <a:spLocks noGrp="1"/>
-          </p:cNvSpPr>
-          <p:nvPr>
-            <p:ph type="title"/>
-          </p:nvPr>
-        </p:nvSpPr>
-        <p:spPr>
-          <a:xfrm>
-            <a:off x="1251678" y="382385"/>
-            <a:ext cx="10178322" cy="1389854"/>
-          </a:xfrm>
-        </p:spPr>
-        <p:txBody>
-          <a:bodyPr>
-            <a:normAutofit fontScale="90000"/>
-          </a:bodyPr>
-          <a:lstStyle/>
-          <a:p>
-            <a:pPr algn="ctr"/>
-            <a:r>
-              <a:rPr lang="en-US" altLang="zh-TW" dirty="0"/>
-              <a:t>Quick start</a:t>
-            </a:r>
-            <a:br>
-              <a:rPr lang="en-US" altLang="zh-TW" dirty="0"/>
-            </a:br>
-            <a:r>
-              <a:rPr lang="en-US" altLang="zh-TW" dirty="0">
-                <a:hlinkClick r:id="rId2"/>
-              </a:rPr>
-              <a:t>GCP Quick-Start</a:t>
-            </a:r>
-            <a:endParaRPr lang="zh-TW" altLang="en-US" dirty="0"/>
-          </a:p>
-        </p:txBody>
-      </p:sp>
-      <p:pic>
-        <p:nvPicPr>
-          <p:cNvPr id="5" name="內容版面配置區 4">
-            <a:extLst>
-              <a:ext uri="{FF2B5EF4-FFF2-40B4-BE49-F238E27FC236}">
-                <a16:creationId xmlns:a16="http://schemas.microsoft.com/office/drawing/2014/main" id="{9F46D90C-1E49-4AE6-AF3D-DED47A4367F3}"/>
-              </a:ext>
-            </a:extLst>
-          </p:cNvPr>
-          <p:cNvPicPr>
-            <a:picLocks noGrp="1" noChangeAspect="1"/>
-          </p:cNvPicPr>
-          <p:nvPr>
-            <p:ph idx="1"/>
-          </p:nvPr>
-        </p:nvPicPr>
-        <p:blipFill>
-          <a:blip r:embed="rId3">
-            <a:extLst>
-              <a:ext uri="{28A0092B-C50C-407E-A947-70E740481C1C}">
-                <a14:useLocalDpi xmlns:a14="http://schemas.microsoft.com/office/drawing/2010/main" val="0"/>
-              </a:ext>
-            </a:extLst>
-          </a:blip>
-          <a:stretch>
-            <a:fillRect/>
-          </a:stretch>
-        </p:blipFill>
-        <p:spPr>
-          <a:xfrm>
-            <a:off x="1635290" y="1904214"/>
-            <a:ext cx="9649697" cy="4749504"/>
-          </a:xfrm>
-        </p:spPr>
-      </p:pic>
-    </p:spTree>
-    <p:extLst>
-      <p:ext uri="{BB962C8B-B14F-4D97-AF65-F5344CB8AC3E}">
-        <p14:creationId xmlns:p14="http://schemas.microsoft.com/office/powerpoint/2010/main" val="1441130100"/>
       </p:ext>
     </p:extLst>
   </p:cSld>
